--- a/docs/Proof of concept presentation.pptx
+++ b/docs/Proof of concept presentation.pptx
@@ -2507,7 +2507,7 @@
         <a:p>
           <a:r>
             <a:rPr lang="en-US" dirty="0"/>
-            <a:t>The task is moves to the TA backlog</a:t>
+            <a:t>The task is moved to the TA backlog</a:t>
           </a:r>
         </a:p>
       </dgm:t>
@@ -3962,7 +3962,7 @@
           </a:pPr>
           <a:r>
             <a:rPr lang="en-US" sz="1000" kern="1200" dirty="0"/>
-            <a:t>The task is moves to the TA backlog</a:t>
+            <a:t>The task is moved to the TA backlog</a:t>
           </a:r>
         </a:p>
       </dsp:txBody>
@@ -9283,7 +9283,7 @@
           <a:p>
             <a:fld id="{1F0F17AC-052D-4913-84DF-7CC850F525AA}" type="datetimeFigureOut">
               <a:rPr lang="LID4096" smtClean="0"/>
-              <a:t>01/28/2024</a:t>
+              <a:t>01/29/2024</a:t>
             </a:fld>
             <a:endParaRPr lang="LID4096"/>
           </a:p>
@@ -9483,7 +9483,7 @@
           <a:p>
             <a:fld id="{1F0F17AC-052D-4913-84DF-7CC850F525AA}" type="datetimeFigureOut">
               <a:rPr lang="LID4096" smtClean="0"/>
-              <a:t>01/28/2024</a:t>
+              <a:t>01/29/2024</a:t>
             </a:fld>
             <a:endParaRPr lang="LID4096"/>
           </a:p>
@@ -9693,7 +9693,7 @@
           <a:p>
             <a:fld id="{1F0F17AC-052D-4913-84DF-7CC850F525AA}" type="datetimeFigureOut">
               <a:rPr lang="LID4096" smtClean="0"/>
-              <a:t>01/28/2024</a:t>
+              <a:t>01/29/2024</a:t>
             </a:fld>
             <a:endParaRPr lang="LID4096"/>
           </a:p>
@@ -9893,7 +9893,7 @@
           <a:p>
             <a:fld id="{1F0F17AC-052D-4913-84DF-7CC850F525AA}" type="datetimeFigureOut">
               <a:rPr lang="LID4096" smtClean="0"/>
-              <a:t>01/28/2024</a:t>
+              <a:t>01/29/2024</a:t>
             </a:fld>
             <a:endParaRPr lang="LID4096"/>
           </a:p>
@@ -10169,7 +10169,7 @@
           <a:p>
             <a:fld id="{1F0F17AC-052D-4913-84DF-7CC850F525AA}" type="datetimeFigureOut">
               <a:rPr lang="LID4096" smtClean="0"/>
-              <a:t>01/28/2024</a:t>
+              <a:t>01/29/2024</a:t>
             </a:fld>
             <a:endParaRPr lang="LID4096"/>
           </a:p>
@@ -10437,7 +10437,7 @@
           <a:p>
             <a:fld id="{1F0F17AC-052D-4913-84DF-7CC850F525AA}" type="datetimeFigureOut">
               <a:rPr lang="LID4096" smtClean="0"/>
-              <a:t>01/28/2024</a:t>
+              <a:t>01/29/2024</a:t>
             </a:fld>
             <a:endParaRPr lang="LID4096"/>
           </a:p>
@@ -10852,7 +10852,7 @@
           <a:p>
             <a:fld id="{1F0F17AC-052D-4913-84DF-7CC850F525AA}" type="datetimeFigureOut">
               <a:rPr lang="LID4096" smtClean="0"/>
-              <a:t>01/28/2024</a:t>
+              <a:t>01/29/2024</a:t>
             </a:fld>
             <a:endParaRPr lang="LID4096"/>
           </a:p>
@@ -10994,7 +10994,7 @@
           <a:p>
             <a:fld id="{1F0F17AC-052D-4913-84DF-7CC850F525AA}" type="datetimeFigureOut">
               <a:rPr lang="LID4096" smtClean="0"/>
-              <a:t>01/28/2024</a:t>
+              <a:t>01/29/2024</a:t>
             </a:fld>
             <a:endParaRPr lang="LID4096"/>
           </a:p>
@@ -11107,7 +11107,7 @@
           <a:p>
             <a:fld id="{1F0F17AC-052D-4913-84DF-7CC850F525AA}" type="datetimeFigureOut">
               <a:rPr lang="LID4096" smtClean="0"/>
-              <a:t>01/28/2024</a:t>
+              <a:t>01/29/2024</a:t>
             </a:fld>
             <a:endParaRPr lang="LID4096"/>
           </a:p>
@@ -11420,7 +11420,7 @@
           <a:p>
             <a:fld id="{1F0F17AC-052D-4913-84DF-7CC850F525AA}" type="datetimeFigureOut">
               <a:rPr lang="LID4096" smtClean="0"/>
-              <a:t>01/28/2024</a:t>
+              <a:t>01/29/2024</a:t>
             </a:fld>
             <a:endParaRPr lang="LID4096"/>
           </a:p>
@@ -11709,7 +11709,7 @@
           <a:p>
             <a:fld id="{1F0F17AC-052D-4913-84DF-7CC850F525AA}" type="datetimeFigureOut">
               <a:rPr lang="LID4096" smtClean="0"/>
-              <a:t>01/28/2024</a:t>
+              <a:t>01/29/2024</a:t>
             </a:fld>
             <a:endParaRPr lang="LID4096"/>
           </a:p>
@@ -11952,7 +11952,7 @@
           <a:p>
             <a:fld id="{1F0F17AC-052D-4913-84DF-7CC850F525AA}" type="datetimeFigureOut">
               <a:rPr lang="LID4096" smtClean="0"/>
-              <a:t>01/28/2024</a:t>
+              <a:t>01/29/2024</a:t>
             </a:fld>
             <a:endParaRPr lang="LID4096"/>
           </a:p>
@@ -24961,7 +24961,7 @@
                   <a:schemeClr val="bg1"/>
                 </a:solidFill>
               </a:rPr>
-              <a:t>​Our system manage work inside of an academic course between the lecturer(s) and the </a:t>
+              <a:t>​Our system manages work inside of an academic course between the lecturer(s) and the </a:t>
             </a:r>
             <a:r>
               <a:rPr lang="en-US" dirty="0" err="1">
@@ -24977,7 +24977,22 @@
                   <a:schemeClr val="bg1"/>
                 </a:solidFill>
               </a:rPr>
-              <a:t> Through the system you will develop, test and create multiple-choice questions, generate exams and analyze them</a:t>
+              <a:t> </a:t>
+            </a:r>
+            <a:br>
+              <a:rPr lang="en-US" dirty="0">
+                <a:solidFill>
+                  <a:schemeClr val="bg1"/>
+                </a:solidFill>
+              </a:rPr>
+            </a:br>
+            <a:r>
+              <a:rPr lang="en-US" dirty="0">
+                <a:solidFill>
+                  <a:schemeClr val="bg1"/>
+                </a:solidFill>
+              </a:rPr>
+              <a:t>Through the system you will develop, test and create multiple-choice questions, generate exams and analyze them.</a:t>
             </a:r>
             <a:endParaRPr lang="en-IL" dirty="0">
               <a:solidFill>
@@ -25115,7 +25130,7 @@
           <a:p>
             <a:r>
               <a:rPr lang="en-US" sz="3700" dirty="0"/>
-              <a:t>Work management flow : </a:t>
+              <a:t>Work management flow: </a:t>
             </a:r>
             <a:br>
               <a:rPr lang="en-US" sz="3700" dirty="0"/>
@@ -25305,7 +25320,7 @@
             <p:ph idx="1"/>
             <p:extLst>
               <p:ext uri="{D42A27DB-BD31-4B8C-83A1-F6EECF244321}">
-                <p14:modId xmlns:p14="http://schemas.microsoft.com/office/powerpoint/2010/main" val="2088792168"/>
+                <p14:modId xmlns:p14="http://schemas.microsoft.com/office/powerpoint/2010/main" val="1288892179"/>
               </p:ext>
             </p:extLst>
           </p:nvPr>
@@ -26208,7 +26223,7 @@
           <p:nvPr>
             <p:extLst>
               <p:ext uri="{D42A27DB-BD31-4B8C-83A1-F6EECF244321}">
-                <p14:modId xmlns:p14="http://schemas.microsoft.com/office/powerpoint/2010/main" val="138549443"/>
+                <p14:modId xmlns:p14="http://schemas.microsoft.com/office/powerpoint/2010/main" val="2081380408"/>
               </p:ext>
             </p:extLst>
           </p:nvPr>
@@ -26485,7 +26500,7 @@
                             <a:schemeClr val="tx1"/>
                           </a:solidFill>
                         </a:rPr>
-                        <a:t>MongoDB</a:t>
+                        <a:t>PostgreSQL</a:t>
                       </a:r>
                       <a:endParaRPr lang="en-IL" sz="4000" b="1" dirty="0">
                         <a:solidFill>
@@ -26966,7 +26981,7 @@
             </a:pPr>
             <a:r>
               <a:rPr lang="en-GB" sz="2800" dirty="0"/>
-              <a:t>Mitigation: Provide user documentation, and gather feedback early in the development process.</a:t>
+              <a:t>Mitigation: Provide user manual + gather feedback early in the development process.</a:t>
             </a:r>
           </a:p>
           <a:p>
@@ -26999,15 +27014,7 @@
             </a:pPr>
             <a:r>
               <a:rPr lang="en-GB" sz="2800" dirty="0"/>
-              <a:t>Mitigation: Use user authentication mechanisms to safeguard sensitive data, access will be allowed only from the university network, or by using </a:t>
-            </a:r>
-            <a:r>
-              <a:rPr lang="en-GB" sz="2800" dirty="0" err="1"/>
-              <a:t>vpn</a:t>
-            </a:r>
-            <a:r>
-              <a:rPr lang="en-GB" sz="2800" dirty="0"/>
-              <a:t>.</a:t>
+              <a:t>Mitigation: Use user authentication mechanisms to safeguard sensitive data, access will be allowed only from the university network, or by using VPN.</a:t>
             </a:r>
           </a:p>
           <a:p>
@@ -27031,13 +27038,8 @@
             </a:pPr>
             <a:r>
               <a:rPr lang="en-GB" sz="2800" dirty="0"/>
-              <a:t>None of the members had work as a web </a:t>
+              <a:t>None of the members had work as a web developer.</a:t>
             </a:r>
-            <a:r>
-              <a:rPr lang="en-GB" sz="2800" dirty="0" err="1"/>
-              <a:t>developmet</a:t>
-            </a:r>
-            <a:endParaRPr lang="en-GB" sz="2800" dirty="0"/>
           </a:p>
           <a:p>
             <a:pPr marL="0" indent="0">
@@ -27045,7 +27047,7 @@
             </a:pPr>
             <a:r>
               <a:rPr lang="en-GB" sz="2800" dirty="0"/>
-              <a:t>Mitigation: All members will read and study about prepared libraries (specifically risk) that will allow easy web interface development </a:t>
+              <a:t>Mitigation: All members will read and study about prepared libraries (specifically risk) that will allow easy web interface development. </a:t>
             </a:r>
           </a:p>
           <a:p>

--- a/docs/Proof of concept presentation.pptx
+++ b/docs/Proof of concept presentation.pptx
@@ -4,19 +4,24 @@
   <p:sldMasterIdLst>
     <p:sldMasterId id="2147483648" r:id="rId1"/>
   </p:sldMasterIdLst>
+  <p:notesMasterIdLst>
+    <p:notesMasterId r:id="rId16"/>
+  </p:notesMasterIdLst>
   <p:sldIdLst>
     <p:sldId id="269" r:id="rId2"/>
     <p:sldId id="271" r:id="rId3"/>
-    <p:sldId id="272" r:id="rId4"/>
-    <p:sldId id="276" r:id="rId5"/>
-    <p:sldId id="274" r:id="rId6"/>
-    <p:sldId id="275" r:id="rId7"/>
-    <p:sldId id="278" r:id="rId8"/>
-    <p:sldId id="260" r:id="rId9"/>
-    <p:sldId id="279" r:id="rId10"/>
-    <p:sldId id="280" r:id="rId11"/>
-    <p:sldId id="281" r:id="rId12"/>
-    <p:sldId id="282" r:id="rId13"/>
+    <p:sldId id="259" r:id="rId4"/>
+    <p:sldId id="266" r:id="rId5"/>
+    <p:sldId id="272" r:id="rId6"/>
+    <p:sldId id="276" r:id="rId7"/>
+    <p:sldId id="274" r:id="rId8"/>
+    <p:sldId id="275" r:id="rId9"/>
+    <p:sldId id="278" r:id="rId10"/>
+    <p:sldId id="260" r:id="rId11"/>
+    <p:sldId id="279" r:id="rId12"/>
+    <p:sldId id="280" r:id="rId13"/>
+    <p:sldId id="281" r:id="rId14"/>
+    <p:sldId id="282" r:id="rId15"/>
   </p:sldIdLst>
   <p:sldSz cx="12192000" cy="6858000"/>
   <p:notesSz cx="6858000" cy="9144000"/>
@@ -2507,7 +2512,7 @@
         <a:p>
           <a:r>
             <a:rPr lang="en-US" dirty="0"/>
-            <a:t>The task is moved to the TA backlog</a:t>
+            <a:t>The task is moves to the TA backlog</a:t>
           </a:r>
         </a:p>
       </dgm:t>
@@ -3962,7 +3967,7 @@
           </a:pPr>
           <a:r>
             <a:rPr lang="en-US" sz="1000" kern="1200" dirty="0"/>
-            <a:t>The task is moved to the TA backlog</a:t>
+            <a:t>The task is moves to the TA backlog</a:t>
           </a:r>
         </a:p>
       </dsp:txBody>
@@ -9134,6 +9139,564 @@
 </dgm:styleDef>
 </file>
 
+<file path=ppt/notesMasters/notesMaster1.xml><?xml version="1.0" encoding="utf-8"?>
+<p:notesMaster xmlns:a="http://schemas.openxmlformats.org/drawingml/2006/main" xmlns:r="http://schemas.openxmlformats.org/officeDocument/2006/relationships" xmlns:p="http://schemas.openxmlformats.org/presentationml/2006/main">
+  <p:cSld>
+    <p:bg>
+      <p:bgRef idx="1001">
+        <a:schemeClr val="bg1"/>
+      </p:bgRef>
+    </p:bg>
+    <p:spTree>
+      <p:nvGrpSpPr>
+        <p:cNvPr id="1" name=""/>
+        <p:cNvGrpSpPr/>
+        <p:nvPr/>
+      </p:nvGrpSpPr>
+      <p:grpSpPr>
+        <a:xfrm>
+          <a:off x="0" y="0"/>
+          <a:ext cx="0" cy="0"/>
+          <a:chOff x="0" y="0"/>
+          <a:chExt cx="0" cy="0"/>
+        </a:xfrm>
+      </p:grpSpPr>
+      <p:sp>
+        <p:nvSpPr>
+          <p:cNvPr id="2" name="Header Placeholder 1"/>
+          <p:cNvSpPr>
+            <a:spLocks noGrp="1"/>
+          </p:cNvSpPr>
+          <p:nvPr>
+            <p:ph type="hdr" sz="quarter"/>
+          </p:nvPr>
+        </p:nvSpPr>
+        <p:spPr>
+          <a:xfrm>
+            <a:off x="0" y="0"/>
+            <a:ext cx="2971800" cy="458788"/>
+          </a:xfrm>
+          <a:prstGeom prst="rect">
+            <a:avLst/>
+          </a:prstGeom>
+        </p:spPr>
+        <p:txBody>
+          <a:bodyPr vert="horz" lIns="91440" tIns="45720" rIns="91440" bIns="45720" rtlCol="0"/>
+          <a:lstStyle>
+            <a:lvl1pPr algn="l">
+              <a:defRPr sz="1200"/>
+            </a:lvl1pPr>
+          </a:lstStyle>
+          <a:p>
+            <a:endParaRPr lang="en-IL"/>
+          </a:p>
+        </p:txBody>
+      </p:sp>
+      <p:sp>
+        <p:nvSpPr>
+          <p:cNvPr id="3" name="Date Placeholder 2"/>
+          <p:cNvSpPr>
+            <a:spLocks noGrp="1"/>
+          </p:cNvSpPr>
+          <p:nvPr>
+            <p:ph type="dt" idx="1"/>
+          </p:nvPr>
+        </p:nvSpPr>
+        <p:spPr>
+          <a:xfrm>
+            <a:off x="3884613" y="0"/>
+            <a:ext cx="2971800" cy="458788"/>
+          </a:xfrm>
+          <a:prstGeom prst="rect">
+            <a:avLst/>
+          </a:prstGeom>
+        </p:spPr>
+        <p:txBody>
+          <a:bodyPr vert="horz" lIns="91440" tIns="45720" rIns="91440" bIns="45720" rtlCol="0"/>
+          <a:lstStyle>
+            <a:lvl1pPr algn="r">
+              <a:defRPr sz="1200"/>
+            </a:lvl1pPr>
+          </a:lstStyle>
+          <a:p>
+            <a:fld id="{2AC67E65-3FEC-47E0-B720-65A7A1F63DEE}" type="datetimeFigureOut">
+              <a:rPr lang="en-IL" smtClean="0"/>
+              <a:t>01/02/2024</a:t>
+            </a:fld>
+            <a:endParaRPr lang="en-IL"/>
+          </a:p>
+        </p:txBody>
+      </p:sp>
+      <p:sp>
+        <p:nvSpPr>
+          <p:cNvPr id="4" name="Slide Image Placeholder 3"/>
+          <p:cNvSpPr>
+            <a:spLocks noGrp="1" noRot="1" noChangeAspect="1"/>
+          </p:cNvSpPr>
+          <p:nvPr>
+            <p:ph type="sldImg" idx="2"/>
+          </p:nvPr>
+        </p:nvSpPr>
+        <p:spPr>
+          <a:xfrm>
+            <a:off x="685800" y="1143000"/>
+            <a:ext cx="5486400" cy="3086100"/>
+          </a:xfrm>
+          <a:prstGeom prst="rect">
+            <a:avLst/>
+          </a:prstGeom>
+          <a:noFill/>
+          <a:ln w="12700">
+            <a:solidFill>
+              <a:prstClr val="black"/>
+            </a:solidFill>
+          </a:ln>
+        </p:spPr>
+        <p:txBody>
+          <a:bodyPr vert="horz" lIns="91440" tIns="45720" rIns="91440" bIns="45720" rtlCol="0" anchor="ctr"/>
+          <a:lstStyle/>
+          <a:p>
+            <a:endParaRPr lang="en-IL"/>
+          </a:p>
+        </p:txBody>
+      </p:sp>
+      <p:sp>
+        <p:nvSpPr>
+          <p:cNvPr id="5" name="Notes Placeholder 4"/>
+          <p:cNvSpPr>
+            <a:spLocks noGrp="1"/>
+          </p:cNvSpPr>
+          <p:nvPr>
+            <p:ph type="body" sz="quarter" idx="3"/>
+          </p:nvPr>
+        </p:nvSpPr>
+        <p:spPr>
+          <a:xfrm>
+            <a:off x="685800" y="4400550"/>
+            <a:ext cx="5486400" cy="3600450"/>
+          </a:xfrm>
+          <a:prstGeom prst="rect">
+            <a:avLst/>
+          </a:prstGeom>
+        </p:spPr>
+        <p:txBody>
+          <a:bodyPr vert="horz" lIns="91440" tIns="45720" rIns="91440" bIns="45720" rtlCol="0"/>
+          <a:lstStyle/>
+          <a:p>
+            <a:pPr lvl="0"/>
+            <a:r>
+              <a:rPr lang="en-US"/>
+              <a:t>Click to edit Master text styles</a:t>
+            </a:r>
+          </a:p>
+          <a:p>
+            <a:pPr lvl="1"/>
+            <a:r>
+              <a:rPr lang="en-US"/>
+              <a:t>Second level</a:t>
+            </a:r>
+          </a:p>
+          <a:p>
+            <a:pPr lvl="2"/>
+            <a:r>
+              <a:rPr lang="en-US"/>
+              <a:t>Third level</a:t>
+            </a:r>
+          </a:p>
+          <a:p>
+            <a:pPr lvl="3"/>
+            <a:r>
+              <a:rPr lang="en-US"/>
+              <a:t>Fourth level</a:t>
+            </a:r>
+          </a:p>
+          <a:p>
+            <a:pPr lvl="4"/>
+            <a:r>
+              <a:rPr lang="en-US"/>
+              <a:t>Fifth level</a:t>
+            </a:r>
+            <a:endParaRPr lang="en-IL"/>
+          </a:p>
+        </p:txBody>
+      </p:sp>
+      <p:sp>
+        <p:nvSpPr>
+          <p:cNvPr id="6" name="Footer Placeholder 5"/>
+          <p:cNvSpPr>
+            <a:spLocks noGrp="1"/>
+          </p:cNvSpPr>
+          <p:nvPr>
+            <p:ph type="ftr" sz="quarter" idx="4"/>
+          </p:nvPr>
+        </p:nvSpPr>
+        <p:spPr>
+          <a:xfrm>
+            <a:off x="0" y="8685213"/>
+            <a:ext cx="2971800" cy="458787"/>
+          </a:xfrm>
+          <a:prstGeom prst="rect">
+            <a:avLst/>
+          </a:prstGeom>
+        </p:spPr>
+        <p:txBody>
+          <a:bodyPr vert="horz" lIns="91440" tIns="45720" rIns="91440" bIns="45720" rtlCol="0" anchor="b"/>
+          <a:lstStyle>
+            <a:lvl1pPr algn="l">
+              <a:defRPr sz="1200"/>
+            </a:lvl1pPr>
+          </a:lstStyle>
+          <a:p>
+            <a:endParaRPr lang="en-IL"/>
+          </a:p>
+        </p:txBody>
+      </p:sp>
+      <p:sp>
+        <p:nvSpPr>
+          <p:cNvPr id="7" name="Slide Number Placeholder 6"/>
+          <p:cNvSpPr>
+            <a:spLocks noGrp="1"/>
+          </p:cNvSpPr>
+          <p:nvPr>
+            <p:ph type="sldNum" sz="quarter" idx="5"/>
+          </p:nvPr>
+        </p:nvSpPr>
+        <p:spPr>
+          <a:xfrm>
+            <a:off x="3884613" y="8685213"/>
+            <a:ext cx="2971800" cy="458787"/>
+          </a:xfrm>
+          <a:prstGeom prst="rect">
+            <a:avLst/>
+          </a:prstGeom>
+        </p:spPr>
+        <p:txBody>
+          <a:bodyPr vert="horz" lIns="91440" tIns="45720" rIns="91440" bIns="45720" rtlCol="0" anchor="b"/>
+          <a:lstStyle>
+            <a:lvl1pPr algn="r">
+              <a:defRPr sz="1200"/>
+            </a:lvl1pPr>
+          </a:lstStyle>
+          <a:p>
+            <a:fld id="{AD03BC9A-5167-4B1B-8123-7475E923F4B7}" type="slidenum">
+              <a:rPr lang="en-IL" smtClean="0"/>
+              <a:t>‹#›</a:t>
+            </a:fld>
+            <a:endParaRPr lang="en-IL"/>
+          </a:p>
+        </p:txBody>
+      </p:sp>
+    </p:spTree>
+    <p:extLst>
+      <p:ext uri="{BB962C8B-B14F-4D97-AF65-F5344CB8AC3E}">
+        <p14:creationId xmlns:p14="http://schemas.microsoft.com/office/powerpoint/2010/main" val="345503652"/>
+      </p:ext>
+    </p:extLst>
+  </p:cSld>
+  <p:clrMap bg1="lt1" tx1="dk1" bg2="lt2" tx2="dk2" accent1="accent1" accent2="accent2" accent3="accent3" accent4="accent4" accent5="accent5" accent6="accent6" hlink="hlink" folHlink="folHlink"/>
+  <p:notesStyle>
+    <a:lvl1pPr marL="0" algn="l" defTabSz="914400" rtl="0" eaLnBrk="1" latinLnBrk="0" hangingPunct="1">
+      <a:defRPr sz="1200" kern="1200">
+        <a:solidFill>
+          <a:schemeClr val="tx1"/>
+        </a:solidFill>
+        <a:latin typeface="+mn-lt"/>
+        <a:ea typeface="+mn-ea"/>
+        <a:cs typeface="+mn-cs"/>
+      </a:defRPr>
+    </a:lvl1pPr>
+    <a:lvl2pPr marL="457200" algn="l" defTabSz="914400" rtl="0" eaLnBrk="1" latinLnBrk="0" hangingPunct="1">
+      <a:defRPr sz="1200" kern="1200">
+        <a:solidFill>
+          <a:schemeClr val="tx1"/>
+        </a:solidFill>
+        <a:latin typeface="+mn-lt"/>
+        <a:ea typeface="+mn-ea"/>
+        <a:cs typeface="+mn-cs"/>
+      </a:defRPr>
+    </a:lvl2pPr>
+    <a:lvl3pPr marL="914400" algn="l" defTabSz="914400" rtl="0" eaLnBrk="1" latinLnBrk="0" hangingPunct="1">
+      <a:defRPr sz="1200" kern="1200">
+        <a:solidFill>
+          <a:schemeClr val="tx1"/>
+        </a:solidFill>
+        <a:latin typeface="+mn-lt"/>
+        <a:ea typeface="+mn-ea"/>
+        <a:cs typeface="+mn-cs"/>
+      </a:defRPr>
+    </a:lvl3pPr>
+    <a:lvl4pPr marL="1371600" algn="l" defTabSz="914400" rtl="0" eaLnBrk="1" latinLnBrk="0" hangingPunct="1">
+      <a:defRPr sz="1200" kern="1200">
+        <a:solidFill>
+          <a:schemeClr val="tx1"/>
+        </a:solidFill>
+        <a:latin typeface="+mn-lt"/>
+        <a:ea typeface="+mn-ea"/>
+        <a:cs typeface="+mn-cs"/>
+      </a:defRPr>
+    </a:lvl4pPr>
+    <a:lvl5pPr marL="1828800" algn="l" defTabSz="914400" rtl="0" eaLnBrk="1" latinLnBrk="0" hangingPunct="1">
+      <a:defRPr sz="1200" kern="1200">
+        <a:solidFill>
+          <a:schemeClr val="tx1"/>
+        </a:solidFill>
+        <a:latin typeface="+mn-lt"/>
+        <a:ea typeface="+mn-ea"/>
+        <a:cs typeface="+mn-cs"/>
+      </a:defRPr>
+    </a:lvl5pPr>
+    <a:lvl6pPr marL="2286000" algn="l" defTabSz="914400" rtl="0" eaLnBrk="1" latinLnBrk="0" hangingPunct="1">
+      <a:defRPr sz="1200" kern="1200">
+        <a:solidFill>
+          <a:schemeClr val="tx1"/>
+        </a:solidFill>
+        <a:latin typeface="+mn-lt"/>
+        <a:ea typeface="+mn-ea"/>
+        <a:cs typeface="+mn-cs"/>
+      </a:defRPr>
+    </a:lvl6pPr>
+    <a:lvl7pPr marL="2743200" algn="l" defTabSz="914400" rtl="0" eaLnBrk="1" latinLnBrk="0" hangingPunct="1">
+      <a:defRPr sz="1200" kern="1200">
+        <a:solidFill>
+          <a:schemeClr val="tx1"/>
+        </a:solidFill>
+        <a:latin typeface="+mn-lt"/>
+        <a:ea typeface="+mn-ea"/>
+        <a:cs typeface="+mn-cs"/>
+      </a:defRPr>
+    </a:lvl7pPr>
+    <a:lvl8pPr marL="3200400" algn="l" defTabSz="914400" rtl="0" eaLnBrk="1" latinLnBrk="0" hangingPunct="1">
+      <a:defRPr sz="1200" kern="1200">
+        <a:solidFill>
+          <a:schemeClr val="tx1"/>
+        </a:solidFill>
+        <a:latin typeface="+mn-lt"/>
+        <a:ea typeface="+mn-ea"/>
+        <a:cs typeface="+mn-cs"/>
+      </a:defRPr>
+    </a:lvl8pPr>
+    <a:lvl9pPr marL="3657600" algn="l" defTabSz="914400" rtl="0" eaLnBrk="1" latinLnBrk="0" hangingPunct="1">
+      <a:defRPr sz="1200" kern="1200">
+        <a:solidFill>
+          <a:schemeClr val="tx1"/>
+        </a:solidFill>
+        <a:latin typeface="+mn-lt"/>
+        <a:ea typeface="+mn-ea"/>
+        <a:cs typeface="+mn-cs"/>
+      </a:defRPr>
+    </a:lvl9pPr>
+  </p:notesStyle>
+</p:notesMaster>
+</file>
+
+<file path=ppt/notesSlides/notesSlide1.xml><?xml version="1.0" encoding="utf-8"?>
+<p:notes xmlns:a="http://schemas.openxmlformats.org/drawingml/2006/main" xmlns:r="http://schemas.openxmlformats.org/officeDocument/2006/relationships" xmlns:p="http://schemas.openxmlformats.org/presentationml/2006/main" showMasterSp="0" showMasterPhAnim="0">
+  <p:cSld>
+    <p:spTree>
+      <p:nvGrpSpPr>
+        <p:cNvPr id="1" name="Shape 99"/>
+        <p:cNvGrpSpPr/>
+        <p:nvPr/>
+      </p:nvGrpSpPr>
+      <p:grpSpPr>
+        <a:xfrm>
+          <a:off x="0" y="0"/>
+          <a:ext cx="0" cy="0"/>
+          <a:chOff x="0" y="0"/>
+          <a:chExt cx="0" cy="0"/>
+        </a:xfrm>
+      </p:grpSpPr>
+      <p:sp>
+        <p:nvSpPr>
+          <p:cNvPr id="100" name="Google Shape;100;p5:notes"/>
+          <p:cNvSpPr txBox="1">
+            <a:spLocks noGrp="1"/>
+          </p:cNvSpPr>
+          <p:nvPr>
+            <p:ph type="body" idx="1"/>
+          </p:nvPr>
+        </p:nvSpPr>
+        <p:spPr>
+          <a:xfrm>
+            <a:off x="685800" y="4343400"/>
+            <a:ext cx="5486400" cy="4114800"/>
+          </a:xfrm>
+          <a:prstGeom prst="rect">
+            <a:avLst/>
+          </a:prstGeom>
+        </p:spPr>
+        <p:txBody>
+          <a:bodyPr spcFirstLastPara="1" wrap="square" lIns="91425" tIns="91425" rIns="91425" bIns="91425" anchor="t" anchorCtr="0">
+            <a:noAutofit/>
+          </a:bodyPr>
+          <a:lstStyle/>
+          <a:p>
+            <a:pPr marL="0" lvl="0" indent="0" algn="l" rtl="0">
+              <a:spcBef>
+                <a:spcPts val="0"/>
+              </a:spcBef>
+              <a:spcAft>
+                <a:spcPts val="0"/>
+              </a:spcAft>
+              <a:buNone/>
+            </a:pPr>
+            <a:endParaRPr/>
+          </a:p>
+        </p:txBody>
+      </p:sp>
+      <p:sp>
+        <p:nvSpPr>
+          <p:cNvPr id="101" name="Google Shape;101;p5:notes"/>
+          <p:cNvSpPr>
+            <a:spLocks noGrp="1" noRot="1" noChangeAspect="1"/>
+          </p:cNvSpPr>
+          <p:nvPr>
+            <p:ph type="sldImg" idx="2"/>
+          </p:nvPr>
+        </p:nvSpPr>
+        <p:spPr>
+          <a:xfrm>
+            <a:off x="381000" y="685800"/>
+            <a:ext cx="6096000" cy="3429000"/>
+          </a:xfrm>
+          <a:custGeom>
+            <a:avLst/>
+            <a:gdLst/>
+            <a:ahLst/>
+            <a:cxnLst/>
+            <a:rect l="l" t="t" r="r" b="b"/>
+            <a:pathLst>
+              <a:path w="120000" h="120000" extrusionOk="0">
+                <a:moveTo>
+                  <a:pt x="0" y="0"/>
+                </a:moveTo>
+                <a:lnTo>
+                  <a:pt x="120000" y="0"/>
+                </a:lnTo>
+                <a:lnTo>
+                  <a:pt x="120000" y="120000"/>
+                </a:lnTo>
+                <a:lnTo>
+                  <a:pt x="0" y="120000"/>
+                </a:lnTo>
+                <a:close/>
+              </a:path>
+            </a:pathLst>
+          </a:custGeom>
+        </p:spPr>
+      </p:sp>
+    </p:spTree>
+  </p:cSld>
+  <p:clrMapOvr>
+    <a:masterClrMapping/>
+  </p:clrMapOvr>
+</p:notes>
+</file>
+
+<file path=ppt/notesSlides/notesSlide2.xml><?xml version="1.0" encoding="utf-8"?>
+<p:notes xmlns:a="http://schemas.openxmlformats.org/drawingml/2006/main" xmlns:r="http://schemas.openxmlformats.org/officeDocument/2006/relationships" xmlns:p="http://schemas.openxmlformats.org/presentationml/2006/main" showMasterSp="0" showMasterPhAnim="0">
+  <p:cSld>
+    <p:spTree>
+      <p:nvGrpSpPr>
+        <p:cNvPr id="1" name="Shape 141"/>
+        <p:cNvGrpSpPr/>
+        <p:nvPr/>
+      </p:nvGrpSpPr>
+      <p:grpSpPr>
+        <a:xfrm>
+          <a:off x="0" y="0"/>
+          <a:ext cx="0" cy="0"/>
+          <a:chOff x="0" y="0"/>
+          <a:chExt cx="0" cy="0"/>
+        </a:xfrm>
+      </p:grpSpPr>
+      <p:sp>
+        <p:nvSpPr>
+          <p:cNvPr id="142" name="Google Shape;142;p12:notes"/>
+          <p:cNvSpPr txBox="1">
+            <a:spLocks noGrp="1"/>
+          </p:cNvSpPr>
+          <p:nvPr>
+            <p:ph type="body" idx="1"/>
+          </p:nvPr>
+        </p:nvSpPr>
+        <p:spPr>
+          <a:xfrm>
+            <a:off x="685800" y="4343400"/>
+            <a:ext cx="5486400" cy="4114800"/>
+          </a:xfrm>
+          <a:prstGeom prst="rect">
+            <a:avLst/>
+          </a:prstGeom>
+        </p:spPr>
+        <p:txBody>
+          <a:bodyPr spcFirstLastPara="1" wrap="square" lIns="91425" tIns="91425" rIns="91425" bIns="91425" anchor="t" anchorCtr="0">
+            <a:noAutofit/>
+          </a:bodyPr>
+          <a:lstStyle/>
+          <a:p>
+            <a:pPr marL="0" lvl="0" indent="0" algn="l" rtl="0">
+              <a:spcBef>
+                <a:spcPts val="0"/>
+              </a:spcBef>
+              <a:spcAft>
+                <a:spcPts val="0"/>
+              </a:spcAft>
+              <a:buNone/>
+            </a:pPr>
+            <a:endParaRPr dirty="0"/>
+          </a:p>
+        </p:txBody>
+      </p:sp>
+      <p:sp>
+        <p:nvSpPr>
+          <p:cNvPr id="143" name="Google Shape;143;p12:notes"/>
+          <p:cNvSpPr>
+            <a:spLocks noGrp="1" noRot="1" noChangeAspect="1"/>
+          </p:cNvSpPr>
+          <p:nvPr>
+            <p:ph type="sldImg" idx="2"/>
+          </p:nvPr>
+        </p:nvSpPr>
+        <p:spPr>
+          <a:xfrm>
+            <a:off x="381000" y="685800"/>
+            <a:ext cx="6096000" cy="3429000"/>
+          </a:xfrm>
+          <a:custGeom>
+            <a:avLst/>
+            <a:gdLst/>
+            <a:ahLst/>
+            <a:cxnLst/>
+            <a:rect l="l" t="t" r="r" b="b"/>
+            <a:pathLst>
+              <a:path w="120000" h="120000" extrusionOk="0">
+                <a:moveTo>
+                  <a:pt x="0" y="0"/>
+                </a:moveTo>
+                <a:lnTo>
+                  <a:pt x="120000" y="0"/>
+                </a:lnTo>
+                <a:lnTo>
+                  <a:pt x="120000" y="120000"/>
+                </a:lnTo>
+                <a:lnTo>
+                  <a:pt x="0" y="120000"/>
+                </a:lnTo>
+                <a:close/>
+              </a:path>
+            </a:pathLst>
+          </a:custGeom>
+        </p:spPr>
+      </p:sp>
+    </p:spTree>
+  </p:cSld>
+  <p:clrMapOvr>
+    <a:masterClrMapping/>
+  </p:clrMapOvr>
+</p:notes>
+</file>
+
 <file path=ppt/slideLayouts/slideLayout1.xml><?xml version="1.0" encoding="utf-8"?>
 <p:sldLayout xmlns:a="http://schemas.openxmlformats.org/drawingml/2006/main" xmlns:r="http://schemas.openxmlformats.org/officeDocument/2006/relationships" xmlns:p="http://schemas.openxmlformats.org/presentationml/2006/main" type="title" preserve="1">
   <p:cSld name="Title Slide">
@@ -9283,7 +9846,7 @@
           <a:p>
             <a:fld id="{1F0F17AC-052D-4913-84DF-7CC850F525AA}" type="datetimeFigureOut">
               <a:rPr lang="LID4096" smtClean="0"/>
-              <a:t>01/29/2024</a:t>
+              <a:t>02/01/2024</a:t>
             </a:fld>
             <a:endParaRPr lang="LID4096"/>
           </a:p>
@@ -9483,7 +10046,7 @@
           <a:p>
             <a:fld id="{1F0F17AC-052D-4913-84DF-7CC850F525AA}" type="datetimeFigureOut">
               <a:rPr lang="LID4096" smtClean="0"/>
-              <a:t>01/29/2024</a:t>
+              <a:t>02/01/2024</a:t>
             </a:fld>
             <a:endParaRPr lang="LID4096"/>
           </a:p>
@@ -9693,7 +10256,7 @@
           <a:p>
             <a:fld id="{1F0F17AC-052D-4913-84DF-7CC850F525AA}" type="datetimeFigureOut">
               <a:rPr lang="LID4096" smtClean="0"/>
-              <a:t>01/29/2024</a:t>
+              <a:t>02/01/2024</a:t>
             </a:fld>
             <a:endParaRPr lang="LID4096"/>
           </a:p>
@@ -9893,7 +10456,7 @@
           <a:p>
             <a:fld id="{1F0F17AC-052D-4913-84DF-7CC850F525AA}" type="datetimeFigureOut">
               <a:rPr lang="LID4096" smtClean="0"/>
-              <a:t>01/29/2024</a:t>
+              <a:t>02/01/2024</a:t>
             </a:fld>
             <a:endParaRPr lang="LID4096"/>
           </a:p>
@@ -10169,7 +10732,7 @@
           <a:p>
             <a:fld id="{1F0F17AC-052D-4913-84DF-7CC850F525AA}" type="datetimeFigureOut">
               <a:rPr lang="LID4096" smtClean="0"/>
-              <a:t>01/29/2024</a:t>
+              <a:t>02/01/2024</a:t>
             </a:fld>
             <a:endParaRPr lang="LID4096"/>
           </a:p>
@@ -10437,7 +11000,7 @@
           <a:p>
             <a:fld id="{1F0F17AC-052D-4913-84DF-7CC850F525AA}" type="datetimeFigureOut">
               <a:rPr lang="LID4096" smtClean="0"/>
-              <a:t>01/29/2024</a:t>
+              <a:t>02/01/2024</a:t>
             </a:fld>
             <a:endParaRPr lang="LID4096"/>
           </a:p>
@@ -10852,7 +11415,7 @@
           <a:p>
             <a:fld id="{1F0F17AC-052D-4913-84DF-7CC850F525AA}" type="datetimeFigureOut">
               <a:rPr lang="LID4096" smtClean="0"/>
-              <a:t>01/29/2024</a:t>
+              <a:t>02/01/2024</a:t>
             </a:fld>
             <a:endParaRPr lang="LID4096"/>
           </a:p>
@@ -10994,7 +11557,7 @@
           <a:p>
             <a:fld id="{1F0F17AC-052D-4913-84DF-7CC850F525AA}" type="datetimeFigureOut">
               <a:rPr lang="LID4096" smtClean="0"/>
-              <a:t>01/29/2024</a:t>
+              <a:t>02/01/2024</a:t>
             </a:fld>
             <a:endParaRPr lang="LID4096"/>
           </a:p>
@@ -11107,7 +11670,7 @@
           <a:p>
             <a:fld id="{1F0F17AC-052D-4913-84DF-7CC850F525AA}" type="datetimeFigureOut">
               <a:rPr lang="LID4096" smtClean="0"/>
-              <a:t>01/29/2024</a:t>
+              <a:t>02/01/2024</a:t>
             </a:fld>
             <a:endParaRPr lang="LID4096"/>
           </a:p>
@@ -11420,7 +11983,7 @@
           <a:p>
             <a:fld id="{1F0F17AC-052D-4913-84DF-7CC850F525AA}" type="datetimeFigureOut">
               <a:rPr lang="LID4096" smtClean="0"/>
-              <a:t>01/29/2024</a:t>
+              <a:t>02/01/2024</a:t>
             </a:fld>
             <a:endParaRPr lang="LID4096"/>
           </a:p>
@@ -11709,7 +12272,7 @@
           <a:p>
             <a:fld id="{1F0F17AC-052D-4913-84DF-7CC850F525AA}" type="datetimeFigureOut">
               <a:rPr lang="LID4096" smtClean="0"/>
-              <a:t>01/29/2024</a:t>
+              <a:t>02/01/2024</a:t>
             </a:fld>
             <a:endParaRPr lang="LID4096"/>
           </a:p>
@@ -11952,7 +12515,7 @@
           <a:p>
             <a:fld id="{1F0F17AC-052D-4913-84DF-7CC850F525AA}" type="datetimeFigureOut">
               <a:rPr lang="LID4096" smtClean="0"/>
-              <a:t>01/29/2024</a:t>
+              <a:t>02/01/2024</a:t>
             </a:fld>
             <a:endParaRPr lang="LID4096"/>
           </a:p>
@@ -12778,6 +13341,1149 @@
     <p:bg>
       <p:bgPr>
         <a:solidFill>
+          <a:schemeClr val="bg1">
+            <a:tint val="95000"/>
+            <a:satMod val="170000"/>
+          </a:schemeClr>
+        </a:solidFill>
+        <a:effectLst/>
+      </p:bgPr>
+    </p:bg>
+    <p:spTree>
+      <p:nvGrpSpPr>
+        <p:cNvPr id="1" name=""/>
+        <p:cNvGrpSpPr/>
+        <p:nvPr/>
+      </p:nvGrpSpPr>
+      <p:grpSpPr>
+        <a:xfrm>
+          <a:off x="0" y="0"/>
+          <a:ext cx="0" cy="0"/>
+          <a:chOff x="0" y="0"/>
+          <a:chExt cx="0" cy="0"/>
+        </a:xfrm>
+      </p:grpSpPr>
+      <p:sp>
+        <p:nvSpPr>
+          <p:cNvPr id="7" name="Freeform: Shape 6">
+            <a:extLst>
+              <a:ext uri="{FF2B5EF4-FFF2-40B4-BE49-F238E27FC236}">
+                <a16:creationId xmlns:a16="http://schemas.microsoft.com/office/drawing/2014/main" id="{66B332A4-D438-4773-A77F-5ED49A448D9D}"/>
+              </a:ext>
+              <a:ext uri="{C183D7F6-B498-43B3-948B-1728B52AA6E4}">
+                <adec:decorative xmlns:adec="http://schemas.microsoft.com/office/drawing/2017/decorative" val="1"/>
+              </a:ext>
+            </a:extLst>
+          </p:cNvPr>
+          <p:cNvSpPr>
+            <a:spLocks noGrp="1" noRot="1" noChangeAspect="1" noMove="1" noResize="1" noEditPoints="1" noAdjustHandles="1" noChangeArrowheads="1" noChangeShapeType="1" noTextEdit="1"/>
+          </p:cNvSpPr>
+          <p:nvPr>
+            <p:extLst>
+              <p:ext uri="{386F3935-93C4-4BCD-93E2-E3B085C9AB24}">
+                <p16:designElem xmlns:p16="http://schemas.microsoft.com/office/powerpoint/2015/main" val="1"/>
+              </p:ext>
+            </p:extLst>
+          </p:nvPr>
+        </p:nvSpPr>
+        <p:spPr>
+          <a:xfrm>
+            <a:off x="1953768" y="0"/>
+            <a:ext cx="8284464" cy="6858000"/>
+          </a:xfrm>
+          <a:custGeom>
+            <a:avLst/>
+            <a:gdLst>
+              <a:gd name="connsiteX0" fmla="*/ 1818109 w 8284464"/>
+              <a:gd name="connsiteY0" fmla="*/ 0 h 6858000"/>
+              <a:gd name="connsiteX1" fmla="*/ 6466355 w 8284464"/>
+              <a:gd name="connsiteY1" fmla="*/ 0 h 6858000"/>
+              <a:gd name="connsiteX2" fmla="*/ 6620596 w 8284464"/>
+              <a:gd name="connsiteY2" fmla="*/ 109683 h 6858000"/>
+              <a:gd name="connsiteX3" fmla="*/ 8284464 w 8284464"/>
+              <a:gd name="connsiteY3" fmla="*/ 3429000 h 6858000"/>
+              <a:gd name="connsiteX4" fmla="*/ 6620596 w 8284464"/>
+              <a:gd name="connsiteY4" fmla="*/ 6748318 h 6858000"/>
+              <a:gd name="connsiteX5" fmla="*/ 6466355 w 8284464"/>
+              <a:gd name="connsiteY5" fmla="*/ 6858000 h 6858000"/>
+              <a:gd name="connsiteX6" fmla="*/ 1818109 w 8284464"/>
+              <a:gd name="connsiteY6" fmla="*/ 6858000 h 6858000"/>
+              <a:gd name="connsiteX7" fmla="*/ 1663869 w 8284464"/>
+              <a:gd name="connsiteY7" fmla="*/ 6748318 h 6858000"/>
+              <a:gd name="connsiteX8" fmla="*/ 0 w 8284464"/>
+              <a:gd name="connsiteY8" fmla="*/ 3429000 h 6858000"/>
+              <a:gd name="connsiteX9" fmla="*/ 1663869 w 8284464"/>
+              <a:gd name="connsiteY9" fmla="*/ 109683 h 6858000"/>
+            </a:gdLst>
+            <a:ahLst/>
+            <a:cxnLst>
+              <a:cxn ang="0">
+                <a:pos x="connsiteX0" y="connsiteY0"/>
+              </a:cxn>
+              <a:cxn ang="0">
+                <a:pos x="connsiteX1" y="connsiteY1"/>
+              </a:cxn>
+              <a:cxn ang="0">
+                <a:pos x="connsiteX2" y="connsiteY2"/>
+              </a:cxn>
+              <a:cxn ang="0">
+                <a:pos x="connsiteX3" y="connsiteY3"/>
+              </a:cxn>
+              <a:cxn ang="0">
+                <a:pos x="connsiteX4" y="connsiteY4"/>
+              </a:cxn>
+              <a:cxn ang="0">
+                <a:pos x="connsiteX5" y="connsiteY5"/>
+              </a:cxn>
+              <a:cxn ang="0">
+                <a:pos x="connsiteX6" y="connsiteY6"/>
+              </a:cxn>
+              <a:cxn ang="0">
+                <a:pos x="connsiteX7" y="connsiteY7"/>
+              </a:cxn>
+              <a:cxn ang="0">
+                <a:pos x="connsiteX8" y="connsiteY8"/>
+              </a:cxn>
+              <a:cxn ang="0">
+                <a:pos x="connsiteX9" y="connsiteY9"/>
+              </a:cxn>
+            </a:cxnLst>
+            <a:rect l="l" t="t" r="r" b="b"/>
+            <a:pathLst>
+              <a:path w="8284464" h="6858000">
+                <a:moveTo>
+                  <a:pt x="1818109" y="0"/>
+                </a:moveTo>
+                <a:lnTo>
+                  <a:pt x="6466355" y="0"/>
+                </a:lnTo>
+                <a:lnTo>
+                  <a:pt x="6620596" y="109683"/>
+                </a:lnTo>
+                <a:cubicBezTo>
+                  <a:pt x="7630666" y="865069"/>
+                  <a:pt x="8284464" y="2070683"/>
+                  <a:pt x="8284464" y="3429000"/>
+                </a:cubicBezTo>
+                <a:cubicBezTo>
+                  <a:pt x="8284464" y="4787317"/>
+                  <a:pt x="7630666" y="5992931"/>
+                  <a:pt x="6620596" y="6748318"/>
+                </a:cubicBezTo>
+                <a:lnTo>
+                  <a:pt x="6466355" y="6858000"/>
+                </a:lnTo>
+                <a:lnTo>
+                  <a:pt x="1818109" y="6858000"/>
+                </a:lnTo>
+                <a:lnTo>
+                  <a:pt x="1663869" y="6748318"/>
+                </a:lnTo>
+                <a:cubicBezTo>
+                  <a:pt x="653798" y="5992931"/>
+                  <a:pt x="0" y="4787317"/>
+                  <a:pt x="0" y="3429000"/>
+                </a:cubicBezTo>
+                <a:cubicBezTo>
+                  <a:pt x="0" y="2070683"/>
+                  <a:pt x="653798" y="865069"/>
+                  <a:pt x="1663869" y="109683"/>
+                </a:cubicBezTo>
+                <a:close/>
+              </a:path>
+            </a:pathLst>
+          </a:custGeom>
+          <a:solidFill>
+            <a:srgbClr val="FFFFFF">
+              <a:alpha val="80000"/>
+            </a:srgbClr>
+          </a:solidFill>
+          <a:ln>
+            <a:noFill/>
+          </a:ln>
+        </p:spPr>
+        <p:style>
+          <a:lnRef idx="2">
+            <a:schemeClr val="accent1">
+              <a:shade val="50000"/>
+            </a:schemeClr>
+          </a:lnRef>
+          <a:fillRef idx="1">
+            <a:schemeClr val="accent1"/>
+          </a:fillRef>
+          <a:effectRef idx="0">
+            <a:schemeClr val="accent1"/>
+          </a:effectRef>
+          <a:fontRef idx="minor">
+            <a:schemeClr val="lt1"/>
+          </a:fontRef>
+        </p:style>
+        <p:txBody>
+          <a:bodyPr wrap="square" rtlCol="0" anchor="ctr">
+            <a:noAutofit/>
+          </a:bodyPr>
+          <a:lstStyle/>
+          <a:p>
+            <a:pPr algn="ctr"/>
+            <a:endParaRPr lang="en-US"/>
+          </a:p>
+        </p:txBody>
+      </p:sp>
+      <p:sp>
+        <p:nvSpPr>
+          <p:cNvPr id="9" name="Freeform: Shape 8">
+            <a:extLst>
+              <a:ext uri="{FF2B5EF4-FFF2-40B4-BE49-F238E27FC236}">
+                <a16:creationId xmlns:a16="http://schemas.microsoft.com/office/drawing/2014/main" id="{DF9AD32D-FF05-44F4-BD4D-9CEE89B71EB9}"/>
+              </a:ext>
+              <a:ext uri="{C183D7F6-B498-43B3-948B-1728B52AA6E4}">
+                <adec:decorative xmlns:adec="http://schemas.microsoft.com/office/drawing/2017/decorative" val="1"/>
+              </a:ext>
+            </a:extLst>
+          </p:cNvPr>
+          <p:cNvSpPr>
+            <a:spLocks noGrp="1" noRot="1" noChangeAspect="1" noMove="1" noResize="1" noEditPoints="1" noAdjustHandles="1" noChangeArrowheads="1" noChangeShapeType="1" noTextEdit="1"/>
+          </p:cNvSpPr>
+          <p:nvPr>
+            <p:extLst>
+              <p:ext uri="{386F3935-93C4-4BCD-93E2-E3B085C9AB24}">
+                <p16:designElem xmlns:p16="http://schemas.microsoft.com/office/powerpoint/2015/main" val="1"/>
+              </p:ext>
+            </p:extLst>
+          </p:nvPr>
+        </p:nvSpPr>
+        <p:spPr>
+          <a:xfrm>
+            <a:off x="2118360" y="0"/>
+            <a:ext cx="7955280" cy="6858000"/>
+          </a:xfrm>
+          <a:custGeom>
+            <a:avLst/>
+            <a:gdLst>
+              <a:gd name="connsiteX0" fmla="*/ 1962423 w 7955280"/>
+              <a:gd name="connsiteY0" fmla="*/ 0 h 6858000"/>
+              <a:gd name="connsiteX1" fmla="*/ 5992858 w 7955280"/>
+              <a:gd name="connsiteY1" fmla="*/ 0 h 6858000"/>
+              <a:gd name="connsiteX2" fmla="*/ 6040191 w 7955280"/>
+              <a:gd name="connsiteY2" fmla="*/ 27216 h 6858000"/>
+              <a:gd name="connsiteX3" fmla="*/ 7955280 w 7955280"/>
+              <a:gd name="connsiteY3" fmla="*/ 3429000 h 6858000"/>
+              <a:gd name="connsiteX4" fmla="*/ 6040191 w 7955280"/>
+              <a:gd name="connsiteY4" fmla="*/ 6830784 h 6858000"/>
+              <a:gd name="connsiteX5" fmla="*/ 5992858 w 7955280"/>
+              <a:gd name="connsiteY5" fmla="*/ 6858000 h 6858000"/>
+              <a:gd name="connsiteX6" fmla="*/ 1962423 w 7955280"/>
+              <a:gd name="connsiteY6" fmla="*/ 6858000 h 6858000"/>
+              <a:gd name="connsiteX7" fmla="*/ 1915089 w 7955280"/>
+              <a:gd name="connsiteY7" fmla="*/ 6830784 h 6858000"/>
+              <a:gd name="connsiteX8" fmla="*/ 0 w 7955280"/>
+              <a:gd name="connsiteY8" fmla="*/ 3429000 h 6858000"/>
+              <a:gd name="connsiteX9" fmla="*/ 1915089 w 7955280"/>
+              <a:gd name="connsiteY9" fmla="*/ 27216 h 6858000"/>
+            </a:gdLst>
+            <a:ahLst/>
+            <a:cxnLst>
+              <a:cxn ang="0">
+                <a:pos x="connsiteX0" y="connsiteY0"/>
+              </a:cxn>
+              <a:cxn ang="0">
+                <a:pos x="connsiteX1" y="connsiteY1"/>
+              </a:cxn>
+              <a:cxn ang="0">
+                <a:pos x="connsiteX2" y="connsiteY2"/>
+              </a:cxn>
+              <a:cxn ang="0">
+                <a:pos x="connsiteX3" y="connsiteY3"/>
+              </a:cxn>
+              <a:cxn ang="0">
+                <a:pos x="connsiteX4" y="connsiteY4"/>
+              </a:cxn>
+              <a:cxn ang="0">
+                <a:pos x="connsiteX5" y="connsiteY5"/>
+              </a:cxn>
+              <a:cxn ang="0">
+                <a:pos x="connsiteX6" y="connsiteY6"/>
+              </a:cxn>
+              <a:cxn ang="0">
+                <a:pos x="connsiteX7" y="connsiteY7"/>
+              </a:cxn>
+              <a:cxn ang="0">
+                <a:pos x="connsiteX8" y="connsiteY8"/>
+              </a:cxn>
+              <a:cxn ang="0">
+                <a:pos x="connsiteX9" y="connsiteY9"/>
+              </a:cxn>
+            </a:cxnLst>
+            <a:rect l="l" t="t" r="r" b="b"/>
+            <a:pathLst>
+              <a:path w="7955280" h="6858000">
+                <a:moveTo>
+                  <a:pt x="1962423" y="0"/>
+                </a:moveTo>
+                <a:lnTo>
+                  <a:pt x="5992858" y="0"/>
+                </a:lnTo>
+                <a:lnTo>
+                  <a:pt x="6040191" y="27216"/>
+                </a:lnTo>
+                <a:cubicBezTo>
+                  <a:pt x="7188332" y="724844"/>
+                  <a:pt x="7955280" y="1987357"/>
+                  <a:pt x="7955280" y="3429000"/>
+                </a:cubicBezTo>
+                <a:cubicBezTo>
+                  <a:pt x="7955280" y="4870644"/>
+                  <a:pt x="7188332" y="6133157"/>
+                  <a:pt x="6040191" y="6830784"/>
+                </a:cubicBezTo>
+                <a:lnTo>
+                  <a:pt x="5992858" y="6858000"/>
+                </a:lnTo>
+                <a:lnTo>
+                  <a:pt x="1962423" y="6858000"/>
+                </a:lnTo>
+                <a:lnTo>
+                  <a:pt x="1915089" y="6830784"/>
+                </a:lnTo>
+                <a:cubicBezTo>
+                  <a:pt x="766948" y="6133157"/>
+                  <a:pt x="0" y="4870644"/>
+                  <a:pt x="0" y="3429000"/>
+                </a:cubicBezTo>
+                <a:cubicBezTo>
+                  <a:pt x="0" y="1987357"/>
+                  <a:pt x="766948" y="724844"/>
+                  <a:pt x="1915089" y="27216"/>
+                </a:cubicBezTo>
+                <a:close/>
+              </a:path>
+            </a:pathLst>
+          </a:custGeom>
+          <a:solidFill>
+            <a:schemeClr val="tx1"/>
+          </a:solidFill>
+          <a:ln>
+            <a:noFill/>
+          </a:ln>
+        </p:spPr>
+        <p:style>
+          <a:lnRef idx="2">
+            <a:schemeClr val="accent1">
+              <a:shade val="50000"/>
+            </a:schemeClr>
+          </a:lnRef>
+          <a:fillRef idx="1">
+            <a:schemeClr val="accent1"/>
+          </a:fillRef>
+          <a:effectRef idx="0">
+            <a:schemeClr val="accent1"/>
+          </a:effectRef>
+          <a:fontRef idx="minor">
+            <a:schemeClr val="lt1"/>
+          </a:fontRef>
+        </p:style>
+        <p:txBody>
+          <a:bodyPr wrap="square" rtlCol="0" anchor="ctr">
+            <a:noAutofit/>
+          </a:bodyPr>
+          <a:lstStyle/>
+          <a:p>
+            <a:pPr algn="ctr"/>
+            <a:endParaRPr lang="en-US"/>
+          </a:p>
+        </p:txBody>
+      </p:sp>
+      <p:sp>
+        <p:nvSpPr>
+          <p:cNvPr id="2" name="Title 1">
+            <a:extLst>
+              <a:ext uri="{FF2B5EF4-FFF2-40B4-BE49-F238E27FC236}">
+                <a16:creationId xmlns:a16="http://schemas.microsoft.com/office/drawing/2014/main" id="{4C74BDC9-6334-7704-C1A1-F6CBB0AFEC14}"/>
+              </a:ext>
+            </a:extLst>
+          </p:cNvPr>
+          <p:cNvSpPr>
+            <a:spLocks noGrp="1"/>
+          </p:cNvSpPr>
+          <p:nvPr>
+            <p:ph type="ctrTitle"/>
+          </p:nvPr>
+        </p:nvSpPr>
+        <p:spPr>
+          <a:xfrm>
+            <a:off x="2555631" y="1441938"/>
+            <a:ext cx="7080738" cy="3974124"/>
+          </a:xfrm>
+        </p:spPr>
+        <p:txBody>
+          <a:bodyPr vert="horz" lIns="91440" tIns="45720" rIns="91440" bIns="45720" rtlCol="0" anchor="ctr">
+            <a:normAutofit/>
+          </a:bodyPr>
+          <a:lstStyle/>
+          <a:p>
+            <a:r>
+              <a:rPr lang="en-US" sz="5400">
+                <a:solidFill>
+                  <a:schemeClr val="bg1">
+                    <a:lumMod val="95000"/>
+                    <a:lumOff val="5000"/>
+                  </a:schemeClr>
+                </a:solidFill>
+              </a:rPr>
+              <a:t>Proof Of Concept</a:t>
+            </a:r>
+          </a:p>
+        </p:txBody>
+      </p:sp>
+    </p:spTree>
+    <p:extLst>
+      <p:ext uri="{BB962C8B-B14F-4D97-AF65-F5344CB8AC3E}">
+        <p14:creationId xmlns:p14="http://schemas.microsoft.com/office/powerpoint/2010/main" val="1115333192"/>
+      </p:ext>
+    </p:extLst>
+  </p:cSld>
+  <p:clrMapOvr>
+    <a:overrideClrMapping bg1="dk1" tx1="lt1" bg2="dk2" tx2="lt2" accent1="accent1" accent2="accent2" accent3="accent3" accent4="accent4" accent5="accent5" accent6="accent6" hlink="hlink" folHlink="folHlink"/>
+  </p:clrMapOvr>
+  <p:timing>
+    <p:tnLst>
+      <p:par>
+        <p:cTn id="1" dur="indefinite" restart="never" nodeType="tmRoot">
+          <p:childTnLst>
+            <p:seq concurrent="1" nextAc="seek">
+              <p:cTn id="2" dur="indefinite" nodeType="mainSeq">
+                <p:childTnLst>
+                  <p:par>
+                    <p:cTn id="3" fill="hold">
+                      <p:stCondLst>
+                        <p:cond delay="indefinite"/>
+                        <p:cond evt="onBegin" delay="0">
+                          <p:tn val="2"/>
+                        </p:cond>
+                      </p:stCondLst>
+                      <p:childTnLst>
+                        <p:par>
+                          <p:cTn id="4" fill="hold">
+                            <p:stCondLst>
+                              <p:cond delay="0"/>
+                            </p:stCondLst>
+                            <p:childTnLst>
+                              <p:par>
+                                <p:cTn id="5" presetID="10" presetClass="entr" presetSubtype="0" fill="hold" grpId="0" nodeType="withEffect">
+                                  <p:stCondLst>
+                                    <p:cond delay="500"/>
+                                  </p:stCondLst>
+                                  <p:iterate type="lt">
+                                    <p:tmPct val="10000"/>
+                                  </p:iterate>
+                                  <p:childTnLst>
+                                    <p:set>
+                                      <p:cBhvr>
+                                        <p:cTn id="6" dur="1" fill="hold">
+                                          <p:stCondLst>
+                                            <p:cond delay="0"/>
+                                          </p:stCondLst>
+                                        </p:cTn>
+                                        <p:tgtEl>
+                                          <p:spTgt spid="2"/>
+                                        </p:tgtEl>
+                                        <p:attrNameLst>
+                                          <p:attrName>style.visibility</p:attrName>
+                                        </p:attrNameLst>
+                                      </p:cBhvr>
+                                      <p:to>
+                                        <p:strVal val="visible"/>
+                                      </p:to>
+                                    </p:set>
+                                    <p:animEffect transition="in" filter="fade">
+                                      <p:cBhvr>
+                                        <p:cTn id="7" dur="400"/>
+                                        <p:tgtEl>
+                                          <p:spTgt spid="2"/>
+                                        </p:tgtEl>
+                                      </p:cBhvr>
+                                    </p:animEffect>
+                                  </p:childTnLst>
+                                </p:cTn>
+                              </p:par>
+                            </p:childTnLst>
+                          </p:cTn>
+                        </p:par>
+                      </p:childTnLst>
+                    </p:cTn>
+                  </p:par>
+                </p:childTnLst>
+              </p:cTn>
+              <p:prevCondLst>
+                <p:cond evt="onPrev" delay="0">
+                  <p:tgtEl>
+                    <p:sldTgt/>
+                  </p:tgtEl>
+                </p:cond>
+              </p:prevCondLst>
+              <p:nextCondLst>
+                <p:cond evt="onNext" delay="0">
+                  <p:tgtEl>
+                    <p:sldTgt/>
+                  </p:tgtEl>
+                </p:cond>
+              </p:nextCondLst>
+            </p:seq>
+          </p:childTnLst>
+        </p:cTn>
+      </p:par>
+    </p:tnLst>
+    <p:bldLst>
+      <p:bldP spid="2" grpId="0"/>
+    </p:bldLst>
+  </p:timing>
+</p:sld>
+</file>
+
+<file path=ppt/slides/slide11.xml><?xml version="1.0" encoding="utf-8"?>
+<p:sld xmlns:a="http://schemas.openxmlformats.org/drawingml/2006/main" xmlns:r="http://schemas.openxmlformats.org/officeDocument/2006/relationships" xmlns:p="http://schemas.openxmlformats.org/presentationml/2006/main">
+  <p:cSld>
+    <p:bg>
+      <p:bgPr>
+        <a:solidFill>
+          <a:schemeClr val="bg1"/>
+        </a:solidFill>
+        <a:effectLst/>
+      </p:bgPr>
+    </p:bg>
+    <p:spTree>
+      <p:nvGrpSpPr>
+        <p:cNvPr id="1" name=""/>
+        <p:cNvGrpSpPr/>
+        <p:nvPr/>
+      </p:nvGrpSpPr>
+      <p:grpSpPr>
+        <a:xfrm>
+          <a:off x="0" y="0"/>
+          <a:ext cx="0" cy="0"/>
+          <a:chOff x="0" y="0"/>
+          <a:chExt cx="0" cy="0"/>
+        </a:xfrm>
+      </p:grpSpPr>
+      <p:sp useBgFill="1">
+        <p:nvSpPr>
+          <p:cNvPr id="14" name="Rectangle 13">
+            <a:extLst>
+              <a:ext uri="{FF2B5EF4-FFF2-40B4-BE49-F238E27FC236}">
+                <a16:creationId xmlns:a16="http://schemas.microsoft.com/office/drawing/2014/main" id="{777A147A-9ED8-46B4-8660-1B3C2AA880B5}"/>
+              </a:ext>
+              <a:ext uri="{C183D7F6-B498-43B3-948B-1728B52AA6E4}">
+                <adec:decorative xmlns:adec="http://schemas.microsoft.com/office/drawing/2017/decorative" val="1"/>
+              </a:ext>
+            </a:extLst>
+          </p:cNvPr>
+          <p:cNvSpPr>
+            <a:spLocks noGrp="1" noRot="1" noChangeAspect="1" noMove="1" noResize="1" noEditPoints="1" noAdjustHandles="1" noChangeArrowheads="1" noChangeShapeType="1" noTextEdit="1"/>
+          </p:cNvSpPr>
+          <p:nvPr>
+            <p:extLst>
+              <p:ext uri="{386F3935-93C4-4BCD-93E2-E3B085C9AB24}">
+                <p16:designElem xmlns:p16="http://schemas.microsoft.com/office/powerpoint/2015/main" val="1"/>
+              </p:ext>
+            </p:extLst>
+          </p:nvPr>
+        </p:nvSpPr>
+        <p:spPr>
+          <a:xfrm>
+            <a:off x="0" y="0"/>
+            <a:ext cx="12188952" cy="6858000"/>
+          </a:xfrm>
+          <a:prstGeom prst="rect">
+            <a:avLst/>
+          </a:prstGeom>
+          <a:ln>
+            <a:noFill/>
+          </a:ln>
+        </p:spPr>
+        <p:style>
+          <a:lnRef idx="2">
+            <a:schemeClr val="accent1">
+              <a:shade val="50000"/>
+            </a:schemeClr>
+          </a:lnRef>
+          <a:fillRef idx="1">
+            <a:schemeClr val="accent1"/>
+          </a:fillRef>
+          <a:effectRef idx="0">
+            <a:schemeClr val="accent1"/>
+          </a:effectRef>
+          <a:fontRef idx="minor">
+            <a:schemeClr val="lt1"/>
+          </a:fontRef>
+        </p:style>
+        <p:txBody>
+          <a:bodyPr rtlCol="0" anchor="ctr"/>
+          <a:lstStyle/>
+          <a:p>
+            <a:pPr algn="ctr"/>
+            <a:endParaRPr lang="en-US"/>
+          </a:p>
+        </p:txBody>
+      </p:sp>
+      <p:sp>
+        <p:nvSpPr>
+          <p:cNvPr id="2" name="Title 1">
+            <a:extLst>
+              <a:ext uri="{FF2B5EF4-FFF2-40B4-BE49-F238E27FC236}">
+                <a16:creationId xmlns:a16="http://schemas.microsoft.com/office/drawing/2014/main" id="{C588FA0F-51C7-F5EE-6587-ED5C4BAB28F2}"/>
+              </a:ext>
+            </a:extLst>
+          </p:cNvPr>
+          <p:cNvSpPr>
+            <a:spLocks noGrp="1"/>
+          </p:cNvSpPr>
+          <p:nvPr>
+            <p:ph type="title"/>
+          </p:nvPr>
+        </p:nvSpPr>
+        <p:spPr>
+          <a:xfrm>
+            <a:off x="841248" y="548640"/>
+            <a:ext cx="3600860" cy="5431536"/>
+          </a:xfrm>
+        </p:spPr>
+        <p:txBody>
+          <a:bodyPr>
+            <a:normAutofit/>
+          </a:bodyPr>
+          <a:lstStyle/>
+          <a:p>
+            <a:r>
+              <a:rPr lang="en-US" sz="5400" b="1" kern="100">
+                <a:effectLst/>
+                <a:latin typeface="Calibri Light" panose="020F0302020204030204" pitchFamily="34" charset="0"/>
+                <a:ea typeface="Times New Roman" panose="02020603050405020304" pitchFamily="18" charset="0"/>
+                <a:cs typeface="Times New Roman" panose="02020603050405020304" pitchFamily="18" charset="0"/>
+              </a:rPr>
+              <a:t>Research:</a:t>
+            </a:r>
+            <a:endParaRPr lang="en-IL" sz="5400"/>
+          </a:p>
+        </p:txBody>
+      </p:sp>
+      <p:sp>
+        <p:nvSpPr>
+          <p:cNvPr id="15" name="sketch line">
+            <a:extLst>
+              <a:ext uri="{FF2B5EF4-FFF2-40B4-BE49-F238E27FC236}">
+                <a16:creationId xmlns:a16="http://schemas.microsoft.com/office/drawing/2014/main" id="{5D6C15A0-C087-4593-8414-2B4EC1CDC3DE}"/>
+              </a:ext>
+              <a:ext uri="{C183D7F6-B498-43B3-948B-1728B52AA6E4}">
+                <adec:decorative xmlns:adec="http://schemas.microsoft.com/office/drawing/2017/decorative" val="1"/>
+              </a:ext>
+            </a:extLst>
+          </p:cNvPr>
+          <p:cNvSpPr>
+            <a:spLocks noGrp="1" noRot="1" noChangeAspect="1" noMove="1" noResize="1" noEditPoints="1" noAdjustHandles="1" noChangeArrowheads="1" noChangeShapeType="1" noTextEdit="1"/>
+          </p:cNvSpPr>
+          <p:nvPr>
+            <p:extLst>
+              <p:ext uri="{386F3935-93C4-4BCD-93E2-E3B085C9AB24}">
+                <p16:designElem xmlns:p16="http://schemas.microsoft.com/office/powerpoint/2015/main" val="1"/>
+              </p:ext>
+            </p:extLst>
+          </p:nvPr>
+        </p:nvSpPr>
+        <p:spPr>
+          <a:xfrm rot="5400000">
+            <a:off x="2543983" y="3258715"/>
+            <a:ext cx="4480560" cy="18288"/>
+          </a:xfrm>
+          <a:custGeom>
+            <a:avLst/>
+            <a:gdLst>
+              <a:gd name="connsiteX0" fmla="*/ 0 w 4480560"/>
+              <a:gd name="connsiteY0" fmla="*/ 0 h 18288"/>
+              <a:gd name="connsiteX1" fmla="*/ 595274 w 4480560"/>
+              <a:gd name="connsiteY1" fmla="*/ 0 h 18288"/>
+              <a:gd name="connsiteX2" fmla="*/ 1100938 w 4480560"/>
+              <a:gd name="connsiteY2" fmla="*/ 0 h 18288"/>
+              <a:gd name="connsiteX3" fmla="*/ 1651406 w 4480560"/>
+              <a:gd name="connsiteY3" fmla="*/ 0 h 18288"/>
+              <a:gd name="connsiteX4" fmla="*/ 2336292 w 4480560"/>
+              <a:gd name="connsiteY4" fmla="*/ 0 h 18288"/>
+              <a:gd name="connsiteX5" fmla="*/ 2931566 w 4480560"/>
+              <a:gd name="connsiteY5" fmla="*/ 0 h 18288"/>
+              <a:gd name="connsiteX6" fmla="*/ 3482035 w 4480560"/>
+              <a:gd name="connsiteY6" fmla="*/ 0 h 18288"/>
+              <a:gd name="connsiteX7" fmla="*/ 4480560 w 4480560"/>
+              <a:gd name="connsiteY7" fmla="*/ 0 h 18288"/>
+              <a:gd name="connsiteX8" fmla="*/ 4480560 w 4480560"/>
+              <a:gd name="connsiteY8" fmla="*/ 18288 h 18288"/>
+              <a:gd name="connsiteX9" fmla="*/ 3840480 w 4480560"/>
+              <a:gd name="connsiteY9" fmla="*/ 18288 h 18288"/>
+              <a:gd name="connsiteX10" fmla="*/ 3290011 w 4480560"/>
+              <a:gd name="connsiteY10" fmla="*/ 18288 h 18288"/>
+              <a:gd name="connsiteX11" fmla="*/ 2560320 w 4480560"/>
+              <a:gd name="connsiteY11" fmla="*/ 18288 h 18288"/>
+              <a:gd name="connsiteX12" fmla="*/ 1965046 w 4480560"/>
+              <a:gd name="connsiteY12" fmla="*/ 18288 h 18288"/>
+              <a:gd name="connsiteX13" fmla="*/ 1459382 w 4480560"/>
+              <a:gd name="connsiteY13" fmla="*/ 18288 h 18288"/>
+              <a:gd name="connsiteX14" fmla="*/ 774497 w 4480560"/>
+              <a:gd name="connsiteY14" fmla="*/ 18288 h 18288"/>
+              <a:gd name="connsiteX15" fmla="*/ 0 w 4480560"/>
+              <a:gd name="connsiteY15" fmla="*/ 18288 h 18288"/>
+              <a:gd name="connsiteX16" fmla="*/ 0 w 4480560"/>
+              <a:gd name="connsiteY16" fmla="*/ 0 h 18288"/>
+            </a:gdLst>
+            <a:ahLst/>
+            <a:cxnLst>
+              <a:cxn ang="0">
+                <a:pos x="connsiteX0" y="connsiteY0"/>
+              </a:cxn>
+              <a:cxn ang="0">
+                <a:pos x="connsiteX1" y="connsiteY1"/>
+              </a:cxn>
+              <a:cxn ang="0">
+                <a:pos x="connsiteX2" y="connsiteY2"/>
+              </a:cxn>
+              <a:cxn ang="0">
+                <a:pos x="connsiteX3" y="connsiteY3"/>
+              </a:cxn>
+              <a:cxn ang="0">
+                <a:pos x="connsiteX4" y="connsiteY4"/>
+              </a:cxn>
+              <a:cxn ang="0">
+                <a:pos x="connsiteX5" y="connsiteY5"/>
+              </a:cxn>
+              <a:cxn ang="0">
+                <a:pos x="connsiteX6" y="connsiteY6"/>
+              </a:cxn>
+              <a:cxn ang="0">
+                <a:pos x="connsiteX7" y="connsiteY7"/>
+              </a:cxn>
+              <a:cxn ang="0">
+                <a:pos x="connsiteX8" y="connsiteY8"/>
+              </a:cxn>
+              <a:cxn ang="0">
+                <a:pos x="connsiteX9" y="connsiteY9"/>
+              </a:cxn>
+              <a:cxn ang="0">
+                <a:pos x="connsiteX10" y="connsiteY10"/>
+              </a:cxn>
+              <a:cxn ang="0">
+                <a:pos x="connsiteX11" y="connsiteY11"/>
+              </a:cxn>
+              <a:cxn ang="0">
+                <a:pos x="connsiteX12" y="connsiteY12"/>
+              </a:cxn>
+              <a:cxn ang="0">
+                <a:pos x="connsiteX13" y="connsiteY13"/>
+              </a:cxn>
+              <a:cxn ang="0">
+                <a:pos x="connsiteX14" y="connsiteY14"/>
+              </a:cxn>
+              <a:cxn ang="0">
+                <a:pos x="connsiteX15" y="connsiteY15"/>
+              </a:cxn>
+              <a:cxn ang="0">
+                <a:pos x="connsiteX16" y="connsiteY16"/>
+              </a:cxn>
+            </a:cxnLst>
+            <a:rect l="l" t="t" r="r" b="b"/>
+            <a:pathLst>
+              <a:path w="4480560" h="18288" fill="none" extrusionOk="0">
+                <a:moveTo>
+                  <a:pt x="0" y="0"/>
+                </a:moveTo>
+                <a:cubicBezTo>
+                  <a:pt x="267821" y="8731"/>
+                  <a:pt x="334105" y="2629"/>
+                  <a:pt x="595274" y="0"/>
+                </a:cubicBezTo>
+                <a:cubicBezTo>
+                  <a:pt x="856443" y="-2629"/>
+                  <a:pt x="863808" y="-13353"/>
+                  <a:pt x="1100938" y="0"/>
+                </a:cubicBezTo>
+                <a:cubicBezTo>
+                  <a:pt x="1338068" y="13353"/>
+                  <a:pt x="1431663" y="-25862"/>
+                  <a:pt x="1651406" y="0"/>
+                </a:cubicBezTo>
+                <a:cubicBezTo>
+                  <a:pt x="1871149" y="25862"/>
+                  <a:pt x="2173163" y="23827"/>
+                  <a:pt x="2336292" y="0"/>
+                </a:cubicBezTo>
+                <a:cubicBezTo>
+                  <a:pt x="2499421" y="-23827"/>
+                  <a:pt x="2720589" y="28148"/>
+                  <a:pt x="2931566" y="0"/>
+                </a:cubicBezTo>
+                <a:cubicBezTo>
+                  <a:pt x="3142543" y="-28148"/>
+                  <a:pt x="3323630" y="27022"/>
+                  <a:pt x="3482035" y="0"/>
+                </a:cubicBezTo>
+                <a:cubicBezTo>
+                  <a:pt x="3640440" y="-27022"/>
+                  <a:pt x="4012110" y="-20118"/>
+                  <a:pt x="4480560" y="0"/>
+                </a:cubicBezTo>
+                <a:cubicBezTo>
+                  <a:pt x="4480958" y="7429"/>
+                  <a:pt x="4480540" y="10822"/>
+                  <a:pt x="4480560" y="18288"/>
+                </a:cubicBezTo>
+                <a:cubicBezTo>
+                  <a:pt x="4314132" y="14924"/>
+                  <a:pt x="4028383" y="36632"/>
+                  <a:pt x="3840480" y="18288"/>
+                </a:cubicBezTo>
+                <a:cubicBezTo>
+                  <a:pt x="3652577" y="-56"/>
+                  <a:pt x="3547615" y="2848"/>
+                  <a:pt x="3290011" y="18288"/>
+                </a:cubicBezTo>
+                <a:cubicBezTo>
+                  <a:pt x="3032407" y="33728"/>
+                  <a:pt x="2830268" y="8719"/>
+                  <a:pt x="2560320" y="18288"/>
+                </a:cubicBezTo>
+                <a:cubicBezTo>
+                  <a:pt x="2290372" y="27857"/>
+                  <a:pt x="2147422" y="6728"/>
+                  <a:pt x="1965046" y="18288"/>
+                </a:cubicBezTo>
+                <a:cubicBezTo>
+                  <a:pt x="1782670" y="29848"/>
+                  <a:pt x="1689791" y="40680"/>
+                  <a:pt x="1459382" y="18288"/>
+                </a:cubicBezTo>
+                <a:cubicBezTo>
+                  <a:pt x="1228973" y="-4104"/>
+                  <a:pt x="915486" y="36501"/>
+                  <a:pt x="774497" y="18288"/>
+                </a:cubicBezTo>
+                <a:cubicBezTo>
+                  <a:pt x="633508" y="75"/>
+                  <a:pt x="361442" y="-11107"/>
+                  <a:pt x="0" y="18288"/>
+                </a:cubicBezTo>
+                <a:cubicBezTo>
+                  <a:pt x="-591" y="13205"/>
+                  <a:pt x="-663" y="6329"/>
+                  <a:pt x="0" y="0"/>
+                </a:cubicBezTo>
+                <a:close/>
+              </a:path>
+              <a:path w="4480560" h="18288" stroke="0" extrusionOk="0">
+                <a:moveTo>
+                  <a:pt x="0" y="0"/>
+                </a:moveTo>
+                <a:cubicBezTo>
+                  <a:pt x="285465" y="225"/>
+                  <a:pt x="322691" y="16223"/>
+                  <a:pt x="595274" y="0"/>
+                </a:cubicBezTo>
+                <a:cubicBezTo>
+                  <a:pt x="867857" y="-16223"/>
+                  <a:pt x="989129" y="-11242"/>
+                  <a:pt x="1100938" y="0"/>
+                </a:cubicBezTo>
+                <a:cubicBezTo>
+                  <a:pt x="1212747" y="11242"/>
+                  <a:pt x="1574350" y="-36410"/>
+                  <a:pt x="1830629" y="0"/>
+                </a:cubicBezTo>
+                <a:cubicBezTo>
+                  <a:pt x="2086908" y="36410"/>
+                  <a:pt x="2180922" y="4645"/>
+                  <a:pt x="2425903" y="0"/>
+                </a:cubicBezTo>
+                <a:cubicBezTo>
+                  <a:pt x="2670884" y="-4645"/>
+                  <a:pt x="2782024" y="22929"/>
+                  <a:pt x="3021178" y="0"/>
+                </a:cubicBezTo>
+                <a:cubicBezTo>
+                  <a:pt x="3260332" y="-22929"/>
+                  <a:pt x="3456982" y="-1586"/>
+                  <a:pt x="3750869" y="0"/>
+                </a:cubicBezTo>
+                <a:cubicBezTo>
+                  <a:pt x="4044756" y="1586"/>
+                  <a:pt x="4302726" y="17043"/>
+                  <a:pt x="4480560" y="0"/>
+                </a:cubicBezTo>
+                <a:cubicBezTo>
+                  <a:pt x="4479674" y="5429"/>
+                  <a:pt x="4481381" y="14046"/>
+                  <a:pt x="4480560" y="18288"/>
+                </a:cubicBezTo>
+                <a:cubicBezTo>
+                  <a:pt x="4279652" y="-6850"/>
+                  <a:pt x="4200762" y="41566"/>
+                  <a:pt x="3930091" y="18288"/>
+                </a:cubicBezTo>
+                <a:cubicBezTo>
+                  <a:pt x="3659420" y="-4990"/>
+                  <a:pt x="3456052" y="22294"/>
+                  <a:pt x="3290011" y="18288"/>
+                </a:cubicBezTo>
+                <a:cubicBezTo>
+                  <a:pt x="3123970" y="14282"/>
+                  <a:pt x="2882392" y="32818"/>
+                  <a:pt x="2649931" y="18288"/>
+                </a:cubicBezTo>
+                <a:cubicBezTo>
+                  <a:pt x="2417470" y="3758"/>
+                  <a:pt x="2238426" y="7337"/>
+                  <a:pt x="2054657" y="18288"/>
+                </a:cubicBezTo>
+                <a:cubicBezTo>
+                  <a:pt x="1870888" y="29239"/>
+                  <a:pt x="1566368" y="45040"/>
+                  <a:pt x="1324966" y="18288"/>
+                </a:cubicBezTo>
+                <a:cubicBezTo>
+                  <a:pt x="1083564" y="-8464"/>
+                  <a:pt x="787410" y="10946"/>
+                  <a:pt x="595274" y="18288"/>
+                </a:cubicBezTo>
+                <a:cubicBezTo>
+                  <a:pt x="403138" y="25630"/>
+                  <a:pt x="169622" y="10499"/>
+                  <a:pt x="0" y="18288"/>
+                </a:cubicBezTo>
+                <a:cubicBezTo>
+                  <a:pt x="668" y="13665"/>
+                  <a:pt x="578" y="5675"/>
+                  <a:pt x="0" y="0"/>
+                </a:cubicBezTo>
+                <a:close/>
+              </a:path>
+            </a:pathLst>
+          </a:custGeom>
+          <a:solidFill>
+            <a:schemeClr val="accent2"/>
+          </a:solidFill>
+          <a:ln w="41275" cap="rnd">
+            <a:solidFill>
+              <a:schemeClr val="accent2"/>
+            </a:solidFill>
+            <a:round/>
+            <a:extLst>
+              <a:ext uri="{C807C97D-BFC1-408E-A445-0C87EB9F89A2}">
+                <ask:lineSketchStyleProps xmlns:ask="http://schemas.microsoft.com/office/drawing/2018/sketchyshapes" sd="1219033472">
+                  <a:prstGeom prst="rect">
+                    <a:avLst/>
+                  </a:prstGeom>
+                  <ask:type>
+                    <ask:lineSketchFreehand/>
+                  </ask:type>
+                </ask:lineSketchStyleProps>
+              </a:ext>
+            </a:extLst>
+          </a:ln>
+        </p:spPr>
+        <p:style>
+          <a:lnRef idx="2">
+            <a:schemeClr val="accent1">
+              <a:shade val="50000"/>
+            </a:schemeClr>
+          </a:lnRef>
+          <a:fillRef idx="1">
+            <a:schemeClr val="accent1"/>
+          </a:fillRef>
+          <a:effectRef idx="0">
+            <a:schemeClr val="accent1"/>
+          </a:effectRef>
+          <a:fontRef idx="minor">
+            <a:schemeClr val="lt1"/>
+          </a:fontRef>
+        </p:style>
+        <p:txBody>
+          <a:bodyPr rtlCol="0" anchor="ctr"/>
+          <a:lstStyle/>
+          <a:p>
+            <a:pPr algn="ctr"/>
+            <a:endParaRPr lang="en-US"/>
+          </a:p>
+        </p:txBody>
+      </p:sp>
+      <p:sp>
+        <p:nvSpPr>
+          <p:cNvPr id="3" name="Content Placeholder 2">
+            <a:extLst>
+              <a:ext uri="{FF2B5EF4-FFF2-40B4-BE49-F238E27FC236}">
+                <a16:creationId xmlns:a16="http://schemas.microsoft.com/office/drawing/2014/main" id="{2BA1F701-431B-550C-E337-19CABFA7F1D4}"/>
+              </a:ext>
+            </a:extLst>
+          </p:cNvPr>
+          <p:cNvSpPr>
+            <a:spLocks noGrp="1"/>
+          </p:cNvSpPr>
+          <p:nvPr>
+            <p:ph idx="1"/>
+          </p:nvPr>
+        </p:nvSpPr>
+        <p:spPr>
+          <a:xfrm>
+            <a:off x="5126418" y="552091"/>
+            <a:ext cx="6224335" cy="5431536"/>
+          </a:xfrm>
+        </p:spPr>
+        <p:txBody>
+          <a:bodyPr anchor="ctr">
+            <a:normAutofit/>
+          </a:bodyPr>
+          <a:lstStyle/>
+          <a:p>
+            <a:pPr marL="342900" lvl="0" indent="-342900" rtl="0">
+              <a:spcAft>
+                <a:spcPts val="800"/>
+              </a:spcAft>
+              <a:buSzPts val="1000"/>
+              <a:buFont typeface="Symbol" panose="05050102010706020507" pitchFamily="18" charset="2"/>
+              <a:buChar char=""/>
+              <a:tabLst>
+                <a:tab pos="457200" algn="l"/>
+                <a:tab pos="685800" algn="l"/>
+              </a:tabLst>
+            </a:pPr>
+            <a:r>
+              <a:rPr lang="en-US" sz="2200" b="1" kern="100">
+                <a:effectLst/>
+                <a:latin typeface="Calibri" panose="020F0502020204030204" pitchFamily="34" charset="0"/>
+                <a:ea typeface="Calibri" panose="020F0502020204030204" pitchFamily="34" charset="0"/>
+                <a:cs typeface="Arial" panose="020B0604020202020204" pitchFamily="34" charset="0"/>
+              </a:rPr>
+              <a:t>Examination of Web-Based Workflow Tools:</a:t>
+            </a:r>
+            <a:endParaRPr lang="en-IL" sz="2200" kern="100">
+              <a:effectLst/>
+              <a:latin typeface="Calibri" panose="020F0502020204030204" pitchFamily="34" charset="0"/>
+              <a:ea typeface="Calibri" panose="020F0502020204030204" pitchFamily="34" charset="0"/>
+              <a:cs typeface="Arial" panose="020B0604020202020204" pitchFamily="34" charset="0"/>
+            </a:endParaRPr>
+          </a:p>
+          <a:p>
+            <a:pPr marL="742950" lvl="1" indent="-285750">
+              <a:spcAft>
+                <a:spcPts val="800"/>
+              </a:spcAft>
+              <a:buSzPts val="1000"/>
+              <a:buFont typeface="Symbol" panose="05050102010706020507" pitchFamily="18" charset="2"/>
+              <a:buChar char=""/>
+              <a:tabLst>
+                <a:tab pos="914400" algn="l"/>
+                <a:tab pos="1143000" algn="l"/>
+              </a:tabLst>
+            </a:pPr>
+            <a:r>
+              <a:rPr lang="en-US" sz="2200" kern="100">
+                <a:effectLst/>
+                <a:latin typeface="Calibri" panose="020F0502020204030204" pitchFamily="34" charset="0"/>
+                <a:ea typeface="Calibri" panose="020F0502020204030204" pitchFamily="34" charset="0"/>
+                <a:cs typeface="Arial" panose="020B0604020202020204" pitchFamily="34" charset="0"/>
+              </a:rPr>
+              <a:t>Investigate popular web-based workflow management tools.</a:t>
+            </a:r>
+            <a:endParaRPr lang="en-IL" sz="2200" kern="100">
+              <a:effectLst/>
+              <a:latin typeface="Calibri" panose="020F0502020204030204" pitchFamily="34" charset="0"/>
+              <a:ea typeface="Calibri" panose="020F0502020204030204" pitchFamily="34" charset="0"/>
+              <a:cs typeface="Arial" panose="020B0604020202020204" pitchFamily="34" charset="0"/>
+            </a:endParaRPr>
+          </a:p>
+          <a:p>
+            <a:pPr marL="742950" lvl="1" indent="-285750">
+              <a:spcAft>
+                <a:spcPts val="800"/>
+              </a:spcAft>
+              <a:buSzPts val="1000"/>
+              <a:buFont typeface="Symbol" panose="05050102010706020507" pitchFamily="18" charset="2"/>
+              <a:buChar char=""/>
+              <a:tabLst>
+                <a:tab pos="914400" algn="l"/>
+                <a:tab pos="1143000" algn="l"/>
+              </a:tabLst>
+            </a:pPr>
+            <a:r>
+              <a:rPr lang="en-US" sz="2200" kern="100">
+                <a:effectLst/>
+                <a:latin typeface="Calibri" panose="020F0502020204030204" pitchFamily="34" charset="0"/>
+                <a:ea typeface="Calibri" panose="020F0502020204030204" pitchFamily="34" charset="0"/>
+                <a:cs typeface="Arial" panose="020B0604020202020204" pitchFamily="34" charset="0"/>
+              </a:rPr>
+              <a:t>Assess their capabilities for role-based dashboards and task distribution.</a:t>
+            </a:r>
+            <a:endParaRPr lang="en-IL" sz="2200" kern="100">
+              <a:effectLst/>
+              <a:latin typeface="Calibri" panose="020F0502020204030204" pitchFamily="34" charset="0"/>
+              <a:ea typeface="Calibri" panose="020F0502020204030204" pitchFamily="34" charset="0"/>
+              <a:cs typeface="Arial" panose="020B0604020202020204" pitchFamily="34" charset="0"/>
+            </a:endParaRPr>
+          </a:p>
+          <a:p>
+            <a:pPr marL="342900" lvl="0" indent="-342900">
+              <a:spcAft>
+                <a:spcPts val="800"/>
+              </a:spcAft>
+              <a:buSzPts val="1000"/>
+              <a:buFont typeface="Symbol" panose="05050102010706020507" pitchFamily="18" charset="2"/>
+              <a:buChar char=""/>
+              <a:tabLst>
+                <a:tab pos="685800" algn="l"/>
+              </a:tabLst>
+            </a:pPr>
+            <a:r>
+              <a:rPr lang="en-US" sz="2200" b="1" kern="100">
+                <a:effectLst/>
+                <a:latin typeface="Calibri" panose="020F0502020204030204" pitchFamily="34" charset="0"/>
+                <a:ea typeface="Calibri" panose="020F0502020204030204" pitchFamily="34" charset="0"/>
+                <a:cs typeface="Arial" panose="020B0604020202020204" pitchFamily="34" charset="0"/>
+              </a:rPr>
+              <a:t>Algorithmic Task Distribution:</a:t>
+            </a:r>
+            <a:endParaRPr lang="en-IL" sz="2200" kern="100">
+              <a:effectLst/>
+              <a:latin typeface="Calibri" panose="020F0502020204030204" pitchFamily="34" charset="0"/>
+              <a:ea typeface="Calibri" panose="020F0502020204030204" pitchFamily="34" charset="0"/>
+              <a:cs typeface="Arial" panose="020B0604020202020204" pitchFamily="34" charset="0"/>
+            </a:endParaRPr>
+          </a:p>
+          <a:p>
+            <a:r>
+              <a:rPr lang="en-US" sz="2200">
+                <a:effectLst/>
+                <a:latin typeface="Calibri" panose="020F0502020204030204" pitchFamily="34" charset="0"/>
+                <a:ea typeface="Calibri" panose="020F0502020204030204" pitchFamily="34" charset="0"/>
+                <a:cs typeface="Arial" panose="020B0604020202020204" pitchFamily="34" charset="0"/>
+              </a:rPr>
+              <a:t>Research and develop a preliminary algorithm for task distribution</a:t>
+            </a:r>
+            <a:endParaRPr lang="en-IL" sz="2200"/>
+          </a:p>
+        </p:txBody>
+      </p:sp>
+    </p:spTree>
+    <p:extLst>
+      <p:ext uri="{BB962C8B-B14F-4D97-AF65-F5344CB8AC3E}">
+        <p14:creationId xmlns:p14="http://schemas.microsoft.com/office/powerpoint/2010/main" val="112776302"/>
+      </p:ext>
+    </p:extLst>
+  </p:cSld>
+  <p:clrMapOvr>
+    <a:masterClrMapping/>
+  </p:clrMapOvr>
+</p:sld>
+</file>
+
+<file path=ppt/slides/slide12.xml><?xml version="1.0" encoding="utf-8"?>
+<p:sld xmlns:a="http://schemas.openxmlformats.org/drawingml/2006/main" xmlns:r="http://schemas.openxmlformats.org/officeDocument/2006/relationships" xmlns:p="http://schemas.openxmlformats.org/presentationml/2006/main">
+  <p:cSld>
+    <p:bg>
+      <p:bgPr>
+        <a:solidFill>
           <a:schemeClr val="bg1"/>
         </a:solidFill>
         <a:effectLst/>
@@ -13444,7 +15150,7 @@
 </p:sld>
 </file>
 
-<file path=ppt/slides/slide11.xml><?xml version="1.0" encoding="utf-8"?>
+<file path=ppt/slides/slide13.xml><?xml version="1.0" encoding="utf-8"?>
 <p:sld xmlns:a="http://schemas.openxmlformats.org/drawingml/2006/main" xmlns:r="http://schemas.openxmlformats.org/officeDocument/2006/relationships" xmlns:p="http://schemas.openxmlformats.org/presentationml/2006/main">
   <p:cSld>
     <p:bg>
@@ -14166,7 +15872,7 @@
 </p:sld>
 </file>
 
-<file path=ppt/slides/slide12.xml><?xml version="1.0" encoding="utf-8"?>
+<file path=ppt/slides/slide14.xml><?xml version="1.0" encoding="utf-8"?>
 <p:sld xmlns:a="http://schemas.openxmlformats.org/drawingml/2006/main" xmlns:r="http://schemas.openxmlformats.org/officeDocument/2006/relationships" xmlns:p="http://schemas.openxmlformats.org/presentationml/2006/main">
   <p:cSld>
     <p:bg>
@@ -24961,7 +26667,7 @@
                   <a:schemeClr val="bg1"/>
                 </a:solidFill>
               </a:rPr>
-              <a:t>​Our system manages work inside of an academic course between the lecturer(s) and the </a:t>
+              <a:t>​Our system manage work inside of an academic course between the lecturer(s) and the </a:t>
             </a:r>
             <a:r>
               <a:rPr lang="en-US" dirty="0" err="1">
@@ -24977,22 +26683,7 @@
                   <a:schemeClr val="bg1"/>
                 </a:solidFill>
               </a:rPr>
-              <a:t> </a:t>
-            </a:r>
-            <a:br>
-              <a:rPr lang="en-US" dirty="0">
-                <a:solidFill>
-                  <a:schemeClr val="bg1"/>
-                </a:solidFill>
-              </a:rPr>
-            </a:br>
-            <a:r>
-              <a:rPr lang="en-US" dirty="0">
-                <a:solidFill>
-                  <a:schemeClr val="bg1"/>
-                </a:solidFill>
-              </a:rPr>
-              <a:t>Through the system you will develop, test and create multiple-choice questions, generate exams and analyze them.</a:t>
+              <a:t> Through the system you will develop, test and create multiple-choice questions, generate exams and analyze them</a:t>
             </a:r>
             <a:endParaRPr lang="en-IL" dirty="0">
               <a:solidFill>
@@ -25016,6 +26707,1478 @@
 </file>
 
 <file path=ppt/slides/slide3.xml><?xml version="1.0" encoding="utf-8"?>
+<p:sld xmlns:a="http://schemas.openxmlformats.org/drawingml/2006/main" xmlns:r="http://schemas.openxmlformats.org/officeDocument/2006/relationships" xmlns:p="http://schemas.openxmlformats.org/presentationml/2006/main">
+  <p:cSld>
+    <p:spTree>
+      <p:nvGrpSpPr>
+        <p:cNvPr id="1" name="Shape 102"/>
+        <p:cNvGrpSpPr/>
+        <p:nvPr/>
+      </p:nvGrpSpPr>
+      <p:grpSpPr>
+        <a:xfrm>
+          <a:off x="0" y="0"/>
+          <a:ext cx="0" cy="0"/>
+          <a:chOff x="0" y="0"/>
+          <a:chExt cx="0" cy="0"/>
+        </a:xfrm>
+      </p:grpSpPr>
+      <p:sp>
+        <p:nvSpPr>
+          <p:cNvPr id="103" name="Google Shape;103;p5"/>
+          <p:cNvSpPr txBox="1">
+            <a:spLocks noGrp="1"/>
+          </p:cNvSpPr>
+          <p:nvPr>
+            <p:ph type="title"/>
+          </p:nvPr>
+        </p:nvSpPr>
+        <p:spPr>
+          <a:xfrm>
+            <a:off x="838200" y="365125"/>
+            <a:ext cx="10515600" cy="1325563"/>
+          </a:xfrm>
+          <a:prstGeom prst="rect">
+            <a:avLst/>
+          </a:prstGeom>
+          <a:noFill/>
+          <a:ln>
+            <a:noFill/>
+          </a:ln>
+        </p:spPr>
+        <p:txBody>
+          <a:bodyPr spcFirstLastPara="1" wrap="square" lIns="91425" tIns="45700" rIns="91425" bIns="45700" anchor="ctr" anchorCtr="0">
+            <a:normAutofit/>
+          </a:bodyPr>
+          <a:lstStyle/>
+          <a:p>
+            <a:pPr marL="0" lvl="0" indent="0" algn="l" rtl="0">
+              <a:lnSpc>
+                <a:spcPct val="90000"/>
+              </a:lnSpc>
+              <a:spcBef>
+                <a:spcPts val="0"/>
+              </a:spcBef>
+              <a:spcAft>
+                <a:spcPts val="0"/>
+              </a:spcAft>
+              <a:buClr>
+                <a:schemeClr val="accent4"/>
+              </a:buClr>
+              <a:buSzPts val="4400"/>
+              <a:buFont typeface="Calibri"/>
+              <a:buNone/>
+            </a:pPr>
+            <a:r>
+              <a:rPr lang="en-IL" dirty="0">
+                <a:solidFill>
+                  <a:schemeClr val="accent4"/>
+                </a:solidFill>
+              </a:rPr>
+              <a:t>Project’s Motivation and Purpose</a:t>
+            </a:r>
+            <a:endParaRPr dirty="0"/>
+          </a:p>
+        </p:txBody>
+      </p:sp>
+      <p:sp>
+        <p:nvSpPr>
+          <p:cNvPr id="104" name="Google Shape;104;p5"/>
+          <p:cNvSpPr txBox="1">
+            <a:spLocks noGrp="1"/>
+          </p:cNvSpPr>
+          <p:nvPr>
+            <p:ph type="body" idx="1"/>
+          </p:nvPr>
+        </p:nvSpPr>
+        <p:spPr>
+          <a:xfrm>
+            <a:off x="838200" y="1825624"/>
+            <a:ext cx="10515600" cy="4797117"/>
+          </a:xfrm>
+          <a:prstGeom prst="rect">
+            <a:avLst/>
+          </a:prstGeom>
+          <a:noFill/>
+          <a:ln>
+            <a:noFill/>
+          </a:ln>
+        </p:spPr>
+        <p:txBody>
+          <a:bodyPr spcFirstLastPara="1" wrap="square" lIns="91425" tIns="45700" rIns="91425" bIns="45700" anchor="t" anchorCtr="0">
+            <a:normAutofit fontScale="92500" lnSpcReduction="20000"/>
+          </a:bodyPr>
+          <a:lstStyle/>
+          <a:p>
+            <a:pPr marL="228600" lvl="0" indent="-228600" algn="l" rtl="0">
+              <a:lnSpc>
+                <a:spcPct val="90000"/>
+              </a:lnSpc>
+              <a:spcBef>
+                <a:spcPts val="1000"/>
+              </a:spcBef>
+              <a:spcAft>
+                <a:spcPts val="0"/>
+              </a:spcAft>
+              <a:buClr>
+                <a:schemeClr val="dk1"/>
+              </a:buClr>
+              <a:buSzPts val="2800"/>
+              <a:buChar char="•"/>
+            </a:pPr>
+            <a:r>
+              <a:rPr lang="en-US" dirty="0"/>
+              <a:t>General Problem:</a:t>
+            </a:r>
+          </a:p>
+          <a:p>
+            <a:pPr marL="685800" lvl="1" indent="-228600">
+              <a:spcBef>
+                <a:spcPts val="1000"/>
+              </a:spcBef>
+              <a:buSzPts val="2800"/>
+            </a:pPr>
+            <a:r>
+              <a:rPr lang="en-US" dirty="0"/>
+              <a:t>With the increase in the size of the student body, it has become difficult to manage grading within the given time constraints. This has led many courses to adopt a multiple-choice format, which is faster to grade, and easier to analyze.</a:t>
+            </a:r>
+          </a:p>
+          <a:p>
+            <a:pPr marL="685800" lvl="1" indent="-228600">
+              <a:spcBef>
+                <a:spcPts val="1000"/>
+              </a:spcBef>
+              <a:buSzPts val="2800"/>
+            </a:pPr>
+            <a:r>
+              <a:rPr lang="en-US" dirty="0"/>
+              <a:t>The creation of challenging multiple-choice tests in the sciences is a non-trivial task.</a:t>
+            </a:r>
+            <a:r>
+              <a:rPr lang="he-IL" dirty="0"/>
+              <a:t> </a:t>
+            </a:r>
+            <a:endParaRPr lang="en-US" dirty="0"/>
+          </a:p>
+          <a:p>
+            <a:pPr marL="685800" lvl="1" indent="-228600">
+              <a:spcBef>
+                <a:spcPts val="1000"/>
+              </a:spcBef>
+              <a:buSzPts val="2800"/>
+            </a:pPr>
+            <a:r>
+              <a:rPr lang="en-US" dirty="0"/>
+              <a:t>The creation of one-time-use questions is costly and unsustainable. </a:t>
+            </a:r>
+          </a:p>
+          <a:p>
+            <a:pPr marL="228600" indent="-228600">
+              <a:buSzPts val="2800"/>
+            </a:pPr>
+            <a:r>
+              <a:rPr lang="en-US" dirty="0"/>
+              <a:t>Specific Problem:</a:t>
+            </a:r>
+          </a:p>
+          <a:p>
+            <a:pPr marL="685800" lvl="1" indent="-228600">
+              <a:buSzPts val="2800"/>
+            </a:pPr>
+            <a:r>
+              <a:rPr lang="en-US" dirty="0"/>
+              <a:t>Maintenance of a large and growing pool of questions is proving to be difficult.</a:t>
+            </a:r>
+          </a:p>
+          <a:p>
+            <a:pPr marL="685800" lvl="1" indent="-228600">
+              <a:buSzPts val="2800"/>
+            </a:pPr>
+            <a:r>
+              <a:rPr lang="en-US" dirty="0"/>
+              <a:t>Current implemented system is local, inaccessible and hard to learn. </a:t>
+            </a:r>
+          </a:p>
+          <a:p>
+            <a:pPr marL="685800" lvl="1" indent="-228600">
+              <a:buSzPts val="2800"/>
+            </a:pPr>
+            <a:r>
+              <a:rPr lang="en-US" dirty="0"/>
+              <a:t>Division of labor between TAs and test examiners is done by hand and is hard to track.</a:t>
+            </a:r>
+          </a:p>
+          <a:p>
+            <a:pPr marL="685800" lvl="1" indent="-228600">
+              <a:buSzPts val="2800"/>
+            </a:pPr>
+            <a:r>
+              <a:rPr lang="en-US" dirty="0"/>
+              <a:t>The possibility of tracking quality of questions &amp; answers is crucially needed. </a:t>
+            </a:r>
+          </a:p>
+          <a:p>
+            <a:pPr marL="228600" lvl="0" indent="-228600" algn="l" rtl="0">
+              <a:lnSpc>
+                <a:spcPct val="90000"/>
+              </a:lnSpc>
+              <a:spcBef>
+                <a:spcPts val="1000"/>
+              </a:spcBef>
+              <a:spcAft>
+                <a:spcPts val="0"/>
+              </a:spcAft>
+              <a:buClr>
+                <a:schemeClr val="dk1"/>
+              </a:buClr>
+              <a:buSzPts val="2800"/>
+              <a:buChar char="•"/>
+            </a:pPr>
+            <a:r>
+              <a:rPr lang="en-IL" dirty="0"/>
+              <a:t>What is the solution?</a:t>
+            </a:r>
+            <a:endParaRPr lang="en-US" dirty="0"/>
+          </a:p>
+          <a:p>
+            <a:pPr marL="685800" lvl="1" indent="-228600">
+              <a:spcBef>
+                <a:spcPts val="0"/>
+              </a:spcBef>
+              <a:buSzPts val="2800"/>
+            </a:pPr>
+            <a:r>
+              <a:rPr lang="en-US" dirty="0"/>
+              <a:t>A web-based System for managing work, subjects, questions.</a:t>
+            </a:r>
+          </a:p>
+          <a:p>
+            <a:pPr marL="685800" lvl="1" indent="-228600">
+              <a:spcBef>
+                <a:spcPts val="0"/>
+              </a:spcBef>
+              <a:buSzPts val="2800"/>
+            </a:pPr>
+            <a:r>
+              <a:rPr lang="en-US" dirty="0"/>
+              <a:t>Intended to replace current offline system. </a:t>
+            </a:r>
+            <a:endParaRPr dirty="0"/>
+          </a:p>
+        </p:txBody>
+      </p:sp>
+    </p:spTree>
+  </p:cSld>
+  <p:clrMapOvr>
+    <a:masterClrMapping/>
+  </p:clrMapOvr>
+</p:sld>
+</file>
+
+<file path=ppt/slides/slide4.xml><?xml version="1.0" encoding="utf-8"?>
+<p:sld xmlns:a="http://schemas.openxmlformats.org/drawingml/2006/main" xmlns:r="http://schemas.openxmlformats.org/officeDocument/2006/relationships" xmlns:p="http://schemas.openxmlformats.org/presentationml/2006/main">
+  <p:cSld>
+    <p:spTree>
+      <p:nvGrpSpPr>
+        <p:cNvPr id="1" name="Shape 144"/>
+        <p:cNvGrpSpPr/>
+        <p:nvPr/>
+      </p:nvGrpSpPr>
+      <p:grpSpPr>
+        <a:xfrm>
+          <a:off x="0" y="0"/>
+          <a:ext cx="0" cy="0"/>
+          <a:chOff x="0" y="0"/>
+          <a:chExt cx="0" cy="0"/>
+        </a:xfrm>
+      </p:grpSpPr>
+      <p:sp>
+        <p:nvSpPr>
+          <p:cNvPr id="145" name="Google Shape;145;p12"/>
+          <p:cNvSpPr txBox="1">
+            <a:spLocks noGrp="1"/>
+          </p:cNvSpPr>
+          <p:nvPr>
+            <p:ph type="title"/>
+          </p:nvPr>
+        </p:nvSpPr>
+        <p:spPr>
+          <a:xfrm>
+            <a:off x="116840" y="-131755"/>
+            <a:ext cx="10515600" cy="1325563"/>
+          </a:xfrm>
+          <a:prstGeom prst="rect">
+            <a:avLst/>
+          </a:prstGeom>
+          <a:noFill/>
+          <a:ln>
+            <a:noFill/>
+          </a:ln>
+        </p:spPr>
+        <p:txBody>
+          <a:bodyPr spcFirstLastPara="1" wrap="square" lIns="91425" tIns="45700" rIns="91425" bIns="45700" anchor="ctr" anchorCtr="0">
+            <a:normAutofit/>
+          </a:bodyPr>
+          <a:lstStyle/>
+          <a:p>
+            <a:pPr marL="0" lvl="0" indent="0" algn="l" rtl="0">
+              <a:lnSpc>
+                <a:spcPct val="90000"/>
+              </a:lnSpc>
+              <a:spcBef>
+                <a:spcPts val="0"/>
+              </a:spcBef>
+              <a:spcAft>
+                <a:spcPts val="0"/>
+              </a:spcAft>
+              <a:buClr>
+                <a:schemeClr val="accent4"/>
+              </a:buClr>
+              <a:buSzPts val="4400"/>
+              <a:buFont typeface="Calibri"/>
+              <a:buNone/>
+            </a:pPr>
+            <a:r>
+              <a:rPr lang="en-IL" dirty="0">
+                <a:solidFill>
+                  <a:schemeClr val="accent4"/>
+                </a:solidFill>
+              </a:rPr>
+              <a:t>Project’s Steps and Timeline</a:t>
+            </a:r>
+            <a:endParaRPr dirty="0"/>
+          </a:p>
+        </p:txBody>
+      </p:sp>
+      <p:pic>
+        <p:nvPicPr>
+          <p:cNvPr id="5" name="Picture 4">
+            <a:extLst>
+              <a:ext uri="{FF2B5EF4-FFF2-40B4-BE49-F238E27FC236}">
+                <a16:creationId xmlns:a16="http://schemas.microsoft.com/office/drawing/2014/main" id="{105EA195-F4CA-A320-82C5-F5A99ACB62BA}"/>
+              </a:ext>
+            </a:extLst>
+          </p:cNvPr>
+          <p:cNvPicPr>
+            <a:picLocks noChangeAspect="1"/>
+          </p:cNvPicPr>
+          <p:nvPr/>
+        </p:nvPicPr>
+        <p:blipFill>
+          <a:blip r:embed="rId3"/>
+          <a:stretch>
+            <a:fillRect/>
+          </a:stretch>
+        </p:blipFill>
+        <p:spPr>
+          <a:xfrm>
+            <a:off x="230744" y="965894"/>
+            <a:ext cx="5497760" cy="5584911"/>
+          </a:xfrm>
+          <a:prstGeom prst="rect">
+            <a:avLst/>
+          </a:prstGeom>
+        </p:spPr>
+      </p:pic>
+      <p:cxnSp>
+        <p:nvCxnSpPr>
+          <p:cNvPr id="7" name="Straight Arrow Connector 6">
+            <a:extLst>
+              <a:ext uri="{FF2B5EF4-FFF2-40B4-BE49-F238E27FC236}">
+                <a16:creationId xmlns:a16="http://schemas.microsoft.com/office/drawing/2014/main" id="{1D1F83BA-BE43-FF9C-05A3-AF19FDF8C816}"/>
+              </a:ext>
+            </a:extLst>
+          </p:cNvPr>
+          <p:cNvCxnSpPr/>
+          <p:nvPr/>
+        </p:nvCxnSpPr>
+        <p:spPr>
+          <a:xfrm>
+            <a:off x="8692341" y="379612"/>
+            <a:ext cx="0" cy="6238240"/>
+          </a:xfrm>
+          <a:prstGeom prst="straightConnector1">
+            <a:avLst/>
+          </a:prstGeom>
+          <a:ln w="28575" cap="flat" cmpd="sng" algn="ctr">
+            <a:solidFill>
+              <a:schemeClr val="accent4"/>
+            </a:solidFill>
+            <a:prstDash val="dash"/>
+            <a:round/>
+            <a:headEnd type="none" w="med" len="med"/>
+            <a:tailEnd type="arrow" w="med" len="med"/>
+          </a:ln>
+        </p:spPr>
+        <p:style>
+          <a:lnRef idx="0">
+            <a:scrgbClr r="0" g="0" b="0"/>
+          </a:lnRef>
+          <a:fillRef idx="0">
+            <a:scrgbClr r="0" g="0" b="0"/>
+          </a:fillRef>
+          <a:effectRef idx="0">
+            <a:scrgbClr r="0" g="0" b="0"/>
+          </a:effectRef>
+          <a:fontRef idx="minor">
+            <a:schemeClr val="tx1"/>
+          </a:fontRef>
+        </p:style>
+      </p:cxnSp>
+      <p:sp>
+        <p:nvSpPr>
+          <p:cNvPr id="8" name="Oval 7">
+            <a:extLst>
+              <a:ext uri="{FF2B5EF4-FFF2-40B4-BE49-F238E27FC236}">
+                <a16:creationId xmlns:a16="http://schemas.microsoft.com/office/drawing/2014/main" id="{CBC5233A-A71F-AFE0-5C1A-836D812A21D5}"/>
+              </a:ext>
+            </a:extLst>
+          </p:cNvPr>
+          <p:cNvSpPr/>
+          <p:nvPr/>
+        </p:nvSpPr>
+        <p:spPr>
+          <a:xfrm flipV="1">
+            <a:off x="8626949" y="871664"/>
+            <a:ext cx="130783" cy="130102"/>
+          </a:xfrm>
+          <a:prstGeom prst="ellipse">
+            <a:avLst/>
+          </a:prstGeom>
+          <a:solidFill>
+            <a:schemeClr val="accent2"/>
+          </a:solidFill>
+          <a:ln>
+            <a:solidFill>
+              <a:schemeClr val="accent2"/>
+            </a:solidFill>
+          </a:ln>
+        </p:spPr>
+        <p:style>
+          <a:lnRef idx="2">
+            <a:schemeClr val="accent1">
+              <a:shade val="15000"/>
+            </a:schemeClr>
+          </a:lnRef>
+          <a:fillRef idx="1">
+            <a:schemeClr val="accent1"/>
+          </a:fillRef>
+          <a:effectRef idx="0">
+            <a:schemeClr val="accent1"/>
+          </a:effectRef>
+          <a:fontRef idx="minor">
+            <a:schemeClr val="lt1"/>
+          </a:fontRef>
+        </p:style>
+        <p:txBody>
+          <a:bodyPr rtlCol="0" anchor="ctr"/>
+          <a:lstStyle/>
+          <a:p>
+            <a:pPr algn="ctr"/>
+            <a:endParaRPr lang="en-IL"/>
+          </a:p>
+        </p:txBody>
+      </p:sp>
+      <p:sp>
+        <p:nvSpPr>
+          <p:cNvPr id="9" name="TextBox 8">
+            <a:extLst>
+              <a:ext uri="{FF2B5EF4-FFF2-40B4-BE49-F238E27FC236}">
+                <a16:creationId xmlns:a16="http://schemas.microsoft.com/office/drawing/2014/main" id="{36D7E0B5-18D3-8B27-E67B-5115D6CFD9BC}"/>
+              </a:ext>
+            </a:extLst>
+          </p:cNvPr>
+          <p:cNvSpPr txBox="1"/>
+          <p:nvPr/>
+        </p:nvSpPr>
+        <p:spPr>
+          <a:xfrm>
+            <a:off x="8713237" y="756937"/>
+            <a:ext cx="2412330" cy="307777"/>
+          </a:xfrm>
+          <a:prstGeom prst="rect">
+            <a:avLst/>
+          </a:prstGeom>
+          <a:noFill/>
+        </p:spPr>
+        <p:txBody>
+          <a:bodyPr wrap="square" rtlCol="0">
+            <a:spAutoFit/>
+          </a:bodyPr>
+          <a:lstStyle/>
+          <a:p>
+            <a:r>
+              <a:rPr lang="en-US" dirty="0"/>
+              <a:t>User interface (shell)</a:t>
+            </a:r>
+            <a:endParaRPr lang="en-IL" dirty="0"/>
+          </a:p>
+        </p:txBody>
+      </p:sp>
+      <p:sp>
+        <p:nvSpPr>
+          <p:cNvPr id="10" name="Oval 9">
+            <a:extLst>
+              <a:ext uri="{FF2B5EF4-FFF2-40B4-BE49-F238E27FC236}">
+                <a16:creationId xmlns:a16="http://schemas.microsoft.com/office/drawing/2014/main" id="{0DB32582-B2AF-8EE3-249C-2DC3DC6927E1}"/>
+              </a:ext>
+            </a:extLst>
+          </p:cNvPr>
+          <p:cNvSpPr/>
+          <p:nvPr/>
+        </p:nvSpPr>
+        <p:spPr>
+          <a:xfrm flipV="1">
+            <a:off x="8622331" y="1873812"/>
+            <a:ext cx="130783" cy="130102"/>
+          </a:xfrm>
+          <a:prstGeom prst="ellipse">
+            <a:avLst/>
+          </a:prstGeom>
+          <a:solidFill>
+            <a:schemeClr val="accent2"/>
+          </a:solidFill>
+          <a:ln>
+            <a:solidFill>
+              <a:schemeClr val="accent2"/>
+            </a:solidFill>
+          </a:ln>
+        </p:spPr>
+        <p:style>
+          <a:lnRef idx="2">
+            <a:schemeClr val="accent1">
+              <a:shade val="15000"/>
+            </a:schemeClr>
+          </a:lnRef>
+          <a:fillRef idx="1">
+            <a:schemeClr val="accent1"/>
+          </a:fillRef>
+          <a:effectRef idx="0">
+            <a:schemeClr val="accent1"/>
+          </a:effectRef>
+          <a:fontRef idx="minor">
+            <a:schemeClr val="lt1"/>
+          </a:fontRef>
+        </p:style>
+        <p:txBody>
+          <a:bodyPr rtlCol="0" anchor="ctr"/>
+          <a:lstStyle/>
+          <a:p>
+            <a:pPr algn="ctr"/>
+            <a:endParaRPr lang="en-IL"/>
+          </a:p>
+        </p:txBody>
+      </p:sp>
+      <p:sp>
+        <p:nvSpPr>
+          <p:cNvPr id="11" name="Oval 10">
+            <a:extLst>
+              <a:ext uri="{FF2B5EF4-FFF2-40B4-BE49-F238E27FC236}">
+                <a16:creationId xmlns:a16="http://schemas.microsoft.com/office/drawing/2014/main" id="{6F4C30A1-809F-D55C-B451-6E1AB58E06B0}"/>
+              </a:ext>
+            </a:extLst>
+          </p:cNvPr>
+          <p:cNvSpPr/>
+          <p:nvPr/>
+        </p:nvSpPr>
+        <p:spPr>
+          <a:xfrm flipV="1">
+            <a:off x="8626952" y="3060678"/>
+            <a:ext cx="130783" cy="130102"/>
+          </a:xfrm>
+          <a:prstGeom prst="ellipse">
+            <a:avLst/>
+          </a:prstGeom>
+          <a:solidFill>
+            <a:schemeClr val="accent2"/>
+          </a:solidFill>
+          <a:ln>
+            <a:solidFill>
+              <a:schemeClr val="accent2"/>
+            </a:solidFill>
+          </a:ln>
+        </p:spPr>
+        <p:style>
+          <a:lnRef idx="2">
+            <a:schemeClr val="accent1">
+              <a:shade val="15000"/>
+            </a:schemeClr>
+          </a:lnRef>
+          <a:fillRef idx="1">
+            <a:schemeClr val="accent1"/>
+          </a:fillRef>
+          <a:effectRef idx="0">
+            <a:schemeClr val="accent1"/>
+          </a:effectRef>
+          <a:fontRef idx="minor">
+            <a:schemeClr val="lt1"/>
+          </a:fontRef>
+        </p:style>
+        <p:txBody>
+          <a:bodyPr rtlCol="0" anchor="ctr"/>
+          <a:lstStyle/>
+          <a:p>
+            <a:pPr algn="ctr"/>
+            <a:endParaRPr lang="en-IL"/>
+          </a:p>
+        </p:txBody>
+      </p:sp>
+      <p:sp>
+        <p:nvSpPr>
+          <p:cNvPr id="12" name="TextBox 11">
+            <a:extLst>
+              <a:ext uri="{FF2B5EF4-FFF2-40B4-BE49-F238E27FC236}">
+                <a16:creationId xmlns:a16="http://schemas.microsoft.com/office/drawing/2014/main" id="{E2D6790C-3DD5-B0F5-B244-B9E4B6C90E18}"/>
+              </a:ext>
+            </a:extLst>
+          </p:cNvPr>
+          <p:cNvSpPr txBox="1"/>
+          <p:nvPr/>
+        </p:nvSpPr>
+        <p:spPr>
+          <a:xfrm>
+            <a:off x="8761612" y="2971840"/>
+            <a:ext cx="2412330" cy="307777"/>
+          </a:xfrm>
+          <a:prstGeom prst="rect">
+            <a:avLst/>
+          </a:prstGeom>
+          <a:noFill/>
+        </p:spPr>
+        <p:txBody>
+          <a:bodyPr wrap="square" rtlCol="0">
+            <a:spAutoFit/>
+          </a:bodyPr>
+          <a:lstStyle/>
+          <a:p>
+            <a:r>
+              <a:rPr lang="en-US" dirty="0"/>
+              <a:t>Testing</a:t>
+            </a:r>
+            <a:endParaRPr lang="en-IL" dirty="0"/>
+          </a:p>
+        </p:txBody>
+      </p:sp>
+      <p:sp>
+        <p:nvSpPr>
+          <p:cNvPr id="13" name="TextBox 12">
+            <a:extLst>
+              <a:ext uri="{FF2B5EF4-FFF2-40B4-BE49-F238E27FC236}">
+                <a16:creationId xmlns:a16="http://schemas.microsoft.com/office/drawing/2014/main" id="{CDC3F7C7-55EF-3347-998C-AA4BB99B1C72}"/>
+              </a:ext>
+            </a:extLst>
+          </p:cNvPr>
+          <p:cNvSpPr txBox="1"/>
+          <p:nvPr/>
+        </p:nvSpPr>
+        <p:spPr>
+          <a:xfrm>
+            <a:off x="8713237" y="1800612"/>
+            <a:ext cx="2412330" cy="307777"/>
+          </a:xfrm>
+          <a:prstGeom prst="rect">
+            <a:avLst/>
+          </a:prstGeom>
+          <a:noFill/>
+        </p:spPr>
+        <p:txBody>
+          <a:bodyPr wrap="square" rtlCol="0">
+            <a:spAutoFit/>
+          </a:bodyPr>
+          <a:lstStyle/>
+          <a:p>
+            <a:r>
+              <a:rPr lang="en-US" dirty="0"/>
+              <a:t>Workflow management</a:t>
+            </a:r>
+            <a:endParaRPr lang="en-IL" dirty="0"/>
+          </a:p>
+        </p:txBody>
+      </p:sp>
+      <p:cxnSp>
+        <p:nvCxnSpPr>
+          <p:cNvPr id="18" name="Straight Connector 17">
+            <a:extLst>
+              <a:ext uri="{FF2B5EF4-FFF2-40B4-BE49-F238E27FC236}">
+                <a16:creationId xmlns:a16="http://schemas.microsoft.com/office/drawing/2014/main" id="{69C5EA0C-3B39-B6D0-821D-346C125DF57F}"/>
+              </a:ext>
+            </a:extLst>
+          </p:cNvPr>
+          <p:cNvCxnSpPr/>
+          <p:nvPr/>
+        </p:nvCxnSpPr>
+        <p:spPr>
+          <a:xfrm>
+            <a:off x="8561163" y="379612"/>
+            <a:ext cx="270339" cy="0"/>
+          </a:xfrm>
+          <a:prstGeom prst="line">
+            <a:avLst/>
+          </a:prstGeom>
+          <a:ln w="38100">
+            <a:solidFill>
+              <a:schemeClr val="accent2"/>
+            </a:solidFill>
+          </a:ln>
+        </p:spPr>
+        <p:style>
+          <a:lnRef idx="1">
+            <a:schemeClr val="accent1"/>
+          </a:lnRef>
+          <a:fillRef idx="0">
+            <a:schemeClr val="accent1"/>
+          </a:fillRef>
+          <a:effectRef idx="0">
+            <a:schemeClr val="accent1"/>
+          </a:effectRef>
+          <a:fontRef idx="minor">
+            <a:schemeClr val="tx1"/>
+          </a:fontRef>
+        </p:style>
+      </p:cxnSp>
+      <p:sp>
+        <p:nvSpPr>
+          <p:cNvPr id="19" name="TextBox 18">
+            <a:extLst>
+              <a:ext uri="{FF2B5EF4-FFF2-40B4-BE49-F238E27FC236}">
+                <a16:creationId xmlns:a16="http://schemas.microsoft.com/office/drawing/2014/main" id="{16DC38AC-A517-4759-AAA0-1342D74F0C47}"/>
+              </a:ext>
+            </a:extLst>
+          </p:cNvPr>
+          <p:cNvSpPr txBox="1"/>
+          <p:nvPr/>
+        </p:nvSpPr>
+        <p:spPr>
+          <a:xfrm>
+            <a:off x="7855642" y="255385"/>
+            <a:ext cx="2412330" cy="230832"/>
+          </a:xfrm>
+          <a:prstGeom prst="rect">
+            <a:avLst/>
+          </a:prstGeom>
+          <a:noFill/>
+        </p:spPr>
+        <p:txBody>
+          <a:bodyPr wrap="square" rtlCol="0">
+            <a:spAutoFit/>
+          </a:bodyPr>
+          <a:lstStyle/>
+          <a:p>
+            <a:r>
+              <a:rPr lang="en-US" sz="900" dirty="0">
+                <a:solidFill>
+                  <a:schemeClr val="accent2"/>
+                </a:solidFill>
+              </a:rPr>
+              <a:t>Semester A</a:t>
+            </a:r>
+            <a:endParaRPr lang="en-IL" sz="900" dirty="0">
+              <a:solidFill>
+                <a:schemeClr val="accent2"/>
+              </a:solidFill>
+            </a:endParaRPr>
+          </a:p>
+        </p:txBody>
+      </p:sp>
+      <p:cxnSp>
+        <p:nvCxnSpPr>
+          <p:cNvPr id="20" name="Straight Connector 19">
+            <a:extLst>
+              <a:ext uri="{FF2B5EF4-FFF2-40B4-BE49-F238E27FC236}">
+                <a16:creationId xmlns:a16="http://schemas.microsoft.com/office/drawing/2014/main" id="{D968BA9D-D48E-6DA1-91D6-BC19B6530595}"/>
+              </a:ext>
+            </a:extLst>
+          </p:cNvPr>
+          <p:cNvCxnSpPr/>
+          <p:nvPr/>
+        </p:nvCxnSpPr>
+        <p:spPr>
+          <a:xfrm>
+            <a:off x="8569629" y="3142058"/>
+            <a:ext cx="270339" cy="0"/>
+          </a:xfrm>
+          <a:prstGeom prst="line">
+            <a:avLst/>
+          </a:prstGeom>
+          <a:ln w="38100">
+            <a:solidFill>
+              <a:schemeClr val="accent2"/>
+            </a:solidFill>
+          </a:ln>
+        </p:spPr>
+        <p:style>
+          <a:lnRef idx="1">
+            <a:schemeClr val="accent1"/>
+          </a:lnRef>
+          <a:fillRef idx="0">
+            <a:schemeClr val="accent1"/>
+          </a:fillRef>
+          <a:effectRef idx="0">
+            <a:schemeClr val="accent1"/>
+          </a:effectRef>
+          <a:fontRef idx="minor">
+            <a:schemeClr val="tx1"/>
+          </a:fontRef>
+        </p:style>
+      </p:cxnSp>
+      <p:sp>
+        <p:nvSpPr>
+          <p:cNvPr id="21" name="TextBox 20">
+            <a:extLst>
+              <a:ext uri="{FF2B5EF4-FFF2-40B4-BE49-F238E27FC236}">
+                <a16:creationId xmlns:a16="http://schemas.microsoft.com/office/drawing/2014/main" id="{43563944-8913-8782-60F8-A12788D21B5C}"/>
+              </a:ext>
+            </a:extLst>
+          </p:cNvPr>
+          <p:cNvSpPr txBox="1"/>
+          <p:nvPr/>
+        </p:nvSpPr>
+        <p:spPr>
+          <a:xfrm>
+            <a:off x="7855642" y="3026642"/>
+            <a:ext cx="2412330" cy="230832"/>
+          </a:xfrm>
+          <a:prstGeom prst="rect">
+            <a:avLst/>
+          </a:prstGeom>
+          <a:noFill/>
+        </p:spPr>
+        <p:txBody>
+          <a:bodyPr wrap="square" rtlCol="0">
+            <a:spAutoFit/>
+          </a:bodyPr>
+          <a:lstStyle/>
+          <a:p>
+            <a:r>
+              <a:rPr lang="en-US" sz="900" dirty="0">
+                <a:solidFill>
+                  <a:schemeClr val="accent2"/>
+                </a:solidFill>
+              </a:rPr>
+              <a:t>Semester B</a:t>
+            </a:r>
+            <a:endParaRPr lang="en-IL" sz="900" dirty="0">
+              <a:solidFill>
+                <a:schemeClr val="accent2"/>
+              </a:solidFill>
+            </a:endParaRPr>
+          </a:p>
+        </p:txBody>
+      </p:sp>
+      <p:sp>
+        <p:nvSpPr>
+          <p:cNvPr id="22" name="Oval 21">
+            <a:extLst>
+              <a:ext uri="{FF2B5EF4-FFF2-40B4-BE49-F238E27FC236}">
+                <a16:creationId xmlns:a16="http://schemas.microsoft.com/office/drawing/2014/main" id="{79B675EC-AE92-6911-F509-C649DFBC26AB}"/>
+              </a:ext>
+            </a:extLst>
+          </p:cNvPr>
+          <p:cNvSpPr/>
+          <p:nvPr/>
+        </p:nvSpPr>
+        <p:spPr>
+          <a:xfrm flipV="1">
+            <a:off x="8630795" y="4633952"/>
+            <a:ext cx="130783" cy="130102"/>
+          </a:xfrm>
+          <a:prstGeom prst="ellipse">
+            <a:avLst/>
+          </a:prstGeom>
+          <a:solidFill>
+            <a:schemeClr val="accent2"/>
+          </a:solidFill>
+          <a:ln>
+            <a:solidFill>
+              <a:schemeClr val="accent2"/>
+            </a:solidFill>
+          </a:ln>
+        </p:spPr>
+        <p:style>
+          <a:lnRef idx="2">
+            <a:schemeClr val="accent1">
+              <a:shade val="15000"/>
+            </a:schemeClr>
+          </a:lnRef>
+          <a:fillRef idx="1">
+            <a:schemeClr val="accent1"/>
+          </a:fillRef>
+          <a:effectRef idx="0">
+            <a:schemeClr val="accent1"/>
+          </a:effectRef>
+          <a:fontRef idx="minor">
+            <a:schemeClr val="lt1"/>
+          </a:fontRef>
+        </p:style>
+        <p:txBody>
+          <a:bodyPr rtlCol="0" anchor="ctr"/>
+          <a:lstStyle/>
+          <a:p>
+            <a:pPr algn="ctr"/>
+            <a:endParaRPr lang="en-IL"/>
+          </a:p>
+        </p:txBody>
+      </p:sp>
+      <p:sp>
+        <p:nvSpPr>
+          <p:cNvPr id="23" name="TextBox 22">
+            <a:extLst>
+              <a:ext uri="{FF2B5EF4-FFF2-40B4-BE49-F238E27FC236}">
+                <a16:creationId xmlns:a16="http://schemas.microsoft.com/office/drawing/2014/main" id="{B3101969-7B47-E0E4-8771-ABD9EFFF09F6}"/>
+              </a:ext>
+            </a:extLst>
+          </p:cNvPr>
+          <p:cNvSpPr txBox="1"/>
+          <p:nvPr/>
+        </p:nvSpPr>
+        <p:spPr>
+          <a:xfrm>
+            <a:off x="8721701" y="4560752"/>
+            <a:ext cx="2412330" cy="307777"/>
+          </a:xfrm>
+          <a:prstGeom prst="rect">
+            <a:avLst/>
+          </a:prstGeom>
+          <a:noFill/>
+        </p:spPr>
+        <p:txBody>
+          <a:bodyPr wrap="square" rtlCol="0">
+            <a:spAutoFit/>
+          </a:bodyPr>
+          <a:lstStyle/>
+          <a:p>
+            <a:r>
+              <a:rPr lang="en-US" dirty="0"/>
+              <a:t>Workflow management</a:t>
+            </a:r>
+            <a:endParaRPr lang="en-IL" dirty="0"/>
+          </a:p>
+        </p:txBody>
+      </p:sp>
+      <p:sp>
+        <p:nvSpPr>
+          <p:cNvPr id="2" name="Oval 1">
+            <a:extLst>
+              <a:ext uri="{FF2B5EF4-FFF2-40B4-BE49-F238E27FC236}">
+                <a16:creationId xmlns:a16="http://schemas.microsoft.com/office/drawing/2014/main" id="{99FE3FE1-92A1-DBA8-1385-83CF464DD3A8}"/>
+              </a:ext>
+            </a:extLst>
+          </p:cNvPr>
+          <p:cNvSpPr/>
+          <p:nvPr/>
+        </p:nvSpPr>
+        <p:spPr>
+          <a:xfrm flipV="1">
+            <a:off x="8626179" y="5894712"/>
+            <a:ext cx="130783" cy="130102"/>
+          </a:xfrm>
+          <a:prstGeom prst="ellipse">
+            <a:avLst/>
+          </a:prstGeom>
+          <a:solidFill>
+            <a:schemeClr val="accent2"/>
+          </a:solidFill>
+          <a:ln>
+            <a:solidFill>
+              <a:schemeClr val="accent2"/>
+            </a:solidFill>
+          </a:ln>
+        </p:spPr>
+        <p:style>
+          <a:lnRef idx="2">
+            <a:schemeClr val="accent1">
+              <a:shade val="15000"/>
+            </a:schemeClr>
+          </a:lnRef>
+          <a:fillRef idx="1">
+            <a:schemeClr val="accent1"/>
+          </a:fillRef>
+          <a:effectRef idx="0">
+            <a:schemeClr val="accent1"/>
+          </a:effectRef>
+          <a:fontRef idx="minor">
+            <a:schemeClr val="lt1"/>
+          </a:fontRef>
+        </p:style>
+        <p:txBody>
+          <a:bodyPr rtlCol="0" anchor="ctr"/>
+          <a:lstStyle/>
+          <a:p>
+            <a:pPr algn="ctr"/>
+            <a:endParaRPr lang="en-IL"/>
+          </a:p>
+        </p:txBody>
+      </p:sp>
+      <p:sp>
+        <p:nvSpPr>
+          <p:cNvPr id="3" name="TextBox 2">
+            <a:extLst>
+              <a:ext uri="{FF2B5EF4-FFF2-40B4-BE49-F238E27FC236}">
+                <a16:creationId xmlns:a16="http://schemas.microsoft.com/office/drawing/2014/main" id="{466DFF6D-5FDA-9736-DBA0-5701D7732A85}"/>
+              </a:ext>
+            </a:extLst>
+          </p:cNvPr>
+          <p:cNvSpPr txBox="1"/>
+          <p:nvPr/>
+        </p:nvSpPr>
+        <p:spPr>
+          <a:xfrm>
+            <a:off x="8717085" y="5821512"/>
+            <a:ext cx="2412330" cy="307777"/>
+          </a:xfrm>
+          <a:prstGeom prst="rect">
+            <a:avLst/>
+          </a:prstGeom>
+          <a:noFill/>
+        </p:spPr>
+        <p:txBody>
+          <a:bodyPr wrap="square" rtlCol="0">
+            <a:spAutoFit/>
+          </a:bodyPr>
+          <a:lstStyle/>
+          <a:p>
+            <a:r>
+              <a:rPr lang="en-US" dirty="0"/>
+              <a:t>E2E Testing</a:t>
+            </a:r>
+            <a:endParaRPr lang="en-IL" dirty="0"/>
+          </a:p>
+        </p:txBody>
+      </p:sp>
+      <p:sp>
+        <p:nvSpPr>
+          <p:cNvPr id="4" name="Left Brace 3">
+            <a:extLst>
+              <a:ext uri="{FF2B5EF4-FFF2-40B4-BE49-F238E27FC236}">
+                <a16:creationId xmlns:a16="http://schemas.microsoft.com/office/drawing/2014/main" id="{F2F1C839-4B20-6409-C978-37FF61DFDD54}"/>
+              </a:ext>
+            </a:extLst>
+          </p:cNvPr>
+          <p:cNvSpPr/>
+          <p:nvPr/>
+        </p:nvSpPr>
+        <p:spPr>
+          <a:xfrm>
+            <a:off x="8500012" y="379612"/>
+            <a:ext cx="130783" cy="526274"/>
+          </a:xfrm>
+          <a:prstGeom prst="leftBrace">
+            <a:avLst/>
+          </a:prstGeom>
+          <a:ln w="19050">
+            <a:solidFill>
+              <a:schemeClr val="accent2"/>
+            </a:solidFill>
+          </a:ln>
+        </p:spPr>
+        <p:style>
+          <a:lnRef idx="1">
+            <a:schemeClr val="accent1"/>
+          </a:lnRef>
+          <a:fillRef idx="0">
+            <a:schemeClr val="accent1"/>
+          </a:fillRef>
+          <a:effectRef idx="0">
+            <a:schemeClr val="accent1"/>
+          </a:effectRef>
+          <a:fontRef idx="minor">
+            <a:schemeClr val="tx1"/>
+          </a:fontRef>
+        </p:style>
+        <p:txBody>
+          <a:bodyPr rtlCol="0" anchor="ctr"/>
+          <a:lstStyle/>
+          <a:p>
+            <a:pPr algn="ctr"/>
+            <a:endParaRPr lang="en-IL"/>
+          </a:p>
+        </p:txBody>
+      </p:sp>
+      <p:sp>
+        <p:nvSpPr>
+          <p:cNvPr id="6" name="Left Brace 5">
+            <a:extLst>
+              <a:ext uri="{FF2B5EF4-FFF2-40B4-BE49-F238E27FC236}">
+                <a16:creationId xmlns:a16="http://schemas.microsoft.com/office/drawing/2014/main" id="{8ACF0844-15EC-0550-6F2B-0C845F2F3A07}"/>
+              </a:ext>
+            </a:extLst>
+          </p:cNvPr>
+          <p:cNvSpPr/>
+          <p:nvPr/>
+        </p:nvSpPr>
+        <p:spPr>
+          <a:xfrm>
+            <a:off x="8504425" y="938297"/>
+            <a:ext cx="140978" cy="992435"/>
+          </a:xfrm>
+          <a:prstGeom prst="leftBrace">
+            <a:avLst/>
+          </a:prstGeom>
+          <a:ln w="19050">
+            <a:solidFill>
+              <a:schemeClr val="accent2"/>
+            </a:solidFill>
+          </a:ln>
+        </p:spPr>
+        <p:style>
+          <a:lnRef idx="1">
+            <a:schemeClr val="accent1"/>
+          </a:lnRef>
+          <a:fillRef idx="0">
+            <a:schemeClr val="accent1"/>
+          </a:fillRef>
+          <a:effectRef idx="0">
+            <a:schemeClr val="accent1"/>
+          </a:effectRef>
+          <a:fontRef idx="minor">
+            <a:schemeClr val="tx1"/>
+          </a:fontRef>
+        </p:style>
+        <p:txBody>
+          <a:bodyPr rtlCol="0" anchor="ctr"/>
+          <a:lstStyle/>
+          <a:p>
+            <a:pPr algn="ctr"/>
+            <a:endParaRPr lang="en-IL"/>
+          </a:p>
+        </p:txBody>
+      </p:sp>
+      <p:sp>
+        <p:nvSpPr>
+          <p:cNvPr id="14" name="Left Brace 13">
+            <a:extLst>
+              <a:ext uri="{FF2B5EF4-FFF2-40B4-BE49-F238E27FC236}">
+                <a16:creationId xmlns:a16="http://schemas.microsoft.com/office/drawing/2014/main" id="{908E3124-FE24-EBFF-23FA-8F3F3B747063}"/>
+              </a:ext>
+            </a:extLst>
+          </p:cNvPr>
+          <p:cNvSpPr/>
+          <p:nvPr/>
+        </p:nvSpPr>
+        <p:spPr>
+          <a:xfrm>
+            <a:off x="8527720" y="1971422"/>
+            <a:ext cx="101415" cy="1120298"/>
+          </a:xfrm>
+          <a:prstGeom prst="leftBrace">
+            <a:avLst/>
+          </a:prstGeom>
+          <a:ln w="19050">
+            <a:solidFill>
+              <a:schemeClr val="accent2"/>
+            </a:solidFill>
+          </a:ln>
+        </p:spPr>
+        <p:style>
+          <a:lnRef idx="1">
+            <a:schemeClr val="accent1"/>
+          </a:lnRef>
+          <a:fillRef idx="0">
+            <a:schemeClr val="accent1"/>
+          </a:fillRef>
+          <a:effectRef idx="0">
+            <a:schemeClr val="accent1"/>
+          </a:effectRef>
+          <a:fontRef idx="minor">
+            <a:schemeClr val="tx1"/>
+          </a:fontRef>
+        </p:style>
+        <p:txBody>
+          <a:bodyPr rtlCol="0" anchor="ctr"/>
+          <a:lstStyle/>
+          <a:p>
+            <a:pPr algn="ctr"/>
+            <a:endParaRPr lang="en-IL"/>
+          </a:p>
+        </p:txBody>
+      </p:sp>
+      <p:sp>
+        <p:nvSpPr>
+          <p:cNvPr id="16" name="Left Brace 15">
+            <a:extLst>
+              <a:ext uri="{FF2B5EF4-FFF2-40B4-BE49-F238E27FC236}">
+                <a16:creationId xmlns:a16="http://schemas.microsoft.com/office/drawing/2014/main" id="{168C36B1-5DAB-70B4-042C-9F5538EE0290}"/>
+              </a:ext>
+            </a:extLst>
+          </p:cNvPr>
+          <p:cNvSpPr/>
+          <p:nvPr/>
+        </p:nvSpPr>
+        <p:spPr>
+          <a:xfrm>
+            <a:off x="8514234" y="3173099"/>
+            <a:ext cx="164252" cy="1460837"/>
+          </a:xfrm>
+          <a:prstGeom prst="leftBrace">
+            <a:avLst/>
+          </a:prstGeom>
+          <a:ln w="19050">
+            <a:solidFill>
+              <a:schemeClr val="accent2"/>
+            </a:solidFill>
+          </a:ln>
+        </p:spPr>
+        <p:style>
+          <a:lnRef idx="1">
+            <a:schemeClr val="accent1"/>
+          </a:lnRef>
+          <a:fillRef idx="0">
+            <a:schemeClr val="accent1"/>
+          </a:fillRef>
+          <a:effectRef idx="0">
+            <a:schemeClr val="accent1"/>
+          </a:effectRef>
+          <a:fontRef idx="minor">
+            <a:schemeClr val="tx1"/>
+          </a:fontRef>
+        </p:style>
+        <p:txBody>
+          <a:bodyPr rtlCol="0" anchor="ctr"/>
+          <a:lstStyle/>
+          <a:p>
+            <a:pPr algn="ctr"/>
+            <a:endParaRPr lang="en-IL"/>
+          </a:p>
+        </p:txBody>
+      </p:sp>
+      <p:sp>
+        <p:nvSpPr>
+          <p:cNvPr id="17" name="Left Brace 16">
+            <a:extLst>
+              <a:ext uri="{FF2B5EF4-FFF2-40B4-BE49-F238E27FC236}">
+                <a16:creationId xmlns:a16="http://schemas.microsoft.com/office/drawing/2014/main" id="{7A3DB31B-0D8A-3CF8-D69F-F39CF287469E}"/>
+              </a:ext>
+            </a:extLst>
+          </p:cNvPr>
+          <p:cNvSpPr/>
+          <p:nvPr/>
+        </p:nvSpPr>
+        <p:spPr>
+          <a:xfrm>
+            <a:off x="8500012" y="4714640"/>
+            <a:ext cx="162969" cy="1273631"/>
+          </a:xfrm>
+          <a:prstGeom prst="leftBrace">
+            <a:avLst/>
+          </a:prstGeom>
+          <a:ln w="19050">
+            <a:solidFill>
+              <a:schemeClr val="accent2"/>
+            </a:solidFill>
+          </a:ln>
+        </p:spPr>
+        <p:style>
+          <a:lnRef idx="1">
+            <a:schemeClr val="accent1"/>
+          </a:lnRef>
+          <a:fillRef idx="0">
+            <a:schemeClr val="accent1"/>
+          </a:fillRef>
+          <a:effectRef idx="0">
+            <a:schemeClr val="accent1"/>
+          </a:effectRef>
+          <a:fontRef idx="minor">
+            <a:schemeClr val="tx1"/>
+          </a:fontRef>
+        </p:style>
+        <p:txBody>
+          <a:bodyPr rtlCol="0" anchor="ctr"/>
+          <a:lstStyle/>
+          <a:p>
+            <a:pPr algn="ctr"/>
+            <a:endParaRPr lang="en-IL"/>
+          </a:p>
+        </p:txBody>
+      </p:sp>
+      <p:sp>
+        <p:nvSpPr>
+          <p:cNvPr id="24" name="TextBox 23">
+            <a:extLst>
+              <a:ext uri="{FF2B5EF4-FFF2-40B4-BE49-F238E27FC236}">
+                <a16:creationId xmlns:a16="http://schemas.microsoft.com/office/drawing/2014/main" id="{B0A7171B-981F-5134-C7D6-B0688F50958C}"/>
+              </a:ext>
+            </a:extLst>
+          </p:cNvPr>
+          <p:cNvSpPr txBox="1"/>
+          <p:nvPr/>
+        </p:nvSpPr>
+        <p:spPr>
+          <a:xfrm rot="5400000">
+            <a:off x="7941177" y="688732"/>
+            <a:ext cx="965576" cy="261610"/>
+          </a:xfrm>
+          <a:prstGeom prst="rect">
+            <a:avLst/>
+          </a:prstGeom>
+          <a:noFill/>
+        </p:spPr>
+        <p:txBody>
+          <a:bodyPr wrap="square" rtlCol="0">
+            <a:spAutoFit/>
+          </a:bodyPr>
+          <a:lstStyle/>
+          <a:p>
+            <a:r>
+              <a:rPr lang="en-US" sz="1100" dirty="0"/>
+              <a:t>1 month</a:t>
+            </a:r>
+            <a:endParaRPr lang="en-IL" sz="1100" dirty="0"/>
+          </a:p>
+        </p:txBody>
+      </p:sp>
+      <p:sp>
+        <p:nvSpPr>
+          <p:cNvPr id="25" name="TextBox 24">
+            <a:extLst>
+              <a:ext uri="{FF2B5EF4-FFF2-40B4-BE49-F238E27FC236}">
+                <a16:creationId xmlns:a16="http://schemas.microsoft.com/office/drawing/2014/main" id="{BDEB57B8-6499-1BCB-6906-5DBD91801EBE}"/>
+              </a:ext>
+            </a:extLst>
+          </p:cNvPr>
+          <p:cNvSpPr txBox="1"/>
+          <p:nvPr/>
+        </p:nvSpPr>
+        <p:spPr>
+          <a:xfrm rot="5400000">
+            <a:off x="7936521" y="1452123"/>
+            <a:ext cx="922258" cy="261610"/>
+          </a:xfrm>
+          <a:prstGeom prst="rect">
+            <a:avLst/>
+          </a:prstGeom>
+          <a:noFill/>
+        </p:spPr>
+        <p:txBody>
+          <a:bodyPr wrap="square" rtlCol="0">
+            <a:spAutoFit/>
+          </a:bodyPr>
+          <a:lstStyle/>
+          <a:p>
+            <a:r>
+              <a:rPr lang="en-US" sz="1100" dirty="0"/>
+              <a:t>2 month</a:t>
+            </a:r>
+            <a:endParaRPr lang="en-IL" sz="1100" dirty="0"/>
+          </a:p>
+        </p:txBody>
+      </p:sp>
+      <p:sp>
+        <p:nvSpPr>
+          <p:cNvPr id="26" name="TextBox 25">
+            <a:extLst>
+              <a:ext uri="{FF2B5EF4-FFF2-40B4-BE49-F238E27FC236}">
+                <a16:creationId xmlns:a16="http://schemas.microsoft.com/office/drawing/2014/main" id="{A3262BF1-6E2F-1650-D702-8D9C4A6918B7}"/>
+              </a:ext>
+            </a:extLst>
+          </p:cNvPr>
+          <p:cNvSpPr txBox="1"/>
+          <p:nvPr/>
+        </p:nvSpPr>
+        <p:spPr>
+          <a:xfrm rot="5400000">
+            <a:off x="7931902" y="2509681"/>
+            <a:ext cx="922258" cy="261610"/>
+          </a:xfrm>
+          <a:prstGeom prst="rect">
+            <a:avLst/>
+          </a:prstGeom>
+          <a:noFill/>
+        </p:spPr>
+        <p:txBody>
+          <a:bodyPr wrap="square" rtlCol="0">
+            <a:spAutoFit/>
+          </a:bodyPr>
+          <a:lstStyle/>
+          <a:p>
+            <a:r>
+              <a:rPr lang="en-US" sz="1100" dirty="0"/>
+              <a:t>2 month</a:t>
+            </a:r>
+            <a:endParaRPr lang="en-IL" sz="1100" dirty="0"/>
+          </a:p>
+        </p:txBody>
+      </p:sp>
+      <p:sp>
+        <p:nvSpPr>
+          <p:cNvPr id="27" name="TextBox 26">
+            <a:extLst>
+              <a:ext uri="{FF2B5EF4-FFF2-40B4-BE49-F238E27FC236}">
+                <a16:creationId xmlns:a16="http://schemas.microsoft.com/office/drawing/2014/main" id="{561E89AC-8086-CAF5-7DF1-943104EA5B43}"/>
+              </a:ext>
+            </a:extLst>
+          </p:cNvPr>
+          <p:cNvSpPr txBox="1"/>
+          <p:nvPr/>
+        </p:nvSpPr>
+        <p:spPr>
+          <a:xfrm rot="5400000">
+            <a:off x="7968853" y="3904375"/>
+            <a:ext cx="922258" cy="261610"/>
+          </a:xfrm>
+          <a:prstGeom prst="rect">
+            <a:avLst/>
+          </a:prstGeom>
+          <a:noFill/>
+        </p:spPr>
+        <p:txBody>
+          <a:bodyPr wrap="square" rtlCol="0">
+            <a:spAutoFit/>
+          </a:bodyPr>
+          <a:lstStyle/>
+          <a:p>
+            <a:r>
+              <a:rPr lang="en-US" sz="1100" dirty="0"/>
+              <a:t>3 month</a:t>
+            </a:r>
+            <a:endParaRPr lang="en-IL" sz="1100" dirty="0"/>
+          </a:p>
+        </p:txBody>
+      </p:sp>
+      <p:sp>
+        <p:nvSpPr>
+          <p:cNvPr id="28" name="TextBox 27">
+            <a:extLst>
+              <a:ext uri="{FF2B5EF4-FFF2-40B4-BE49-F238E27FC236}">
+                <a16:creationId xmlns:a16="http://schemas.microsoft.com/office/drawing/2014/main" id="{697304B9-464D-C2C4-74FC-9857625A2864}"/>
+              </a:ext>
+            </a:extLst>
+          </p:cNvPr>
+          <p:cNvSpPr txBox="1"/>
+          <p:nvPr/>
+        </p:nvSpPr>
+        <p:spPr>
+          <a:xfrm rot="5400000">
+            <a:off x="7945758" y="5312925"/>
+            <a:ext cx="922258" cy="261610"/>
+          </a:xfrm>
+          <a:prstGeom prst="rect">
+            <a:avLst/>
+          </a:prstGeom>
+          <a:noFill/>
+        </p:spPr>
+        <p:txBody>
+          <a:bodyPr wrap="square" rtlCol="0">
+            <a:spAutoFit/>
+          </a:bodyPr>
+          <a:lstStyle/>
+          <a:p>
+            <a:r>
+              <a:rPr lang="en-US" sz="1100" dirty="0"/>
+              <a:t>2 month</a:t>
+            </a:r>
+            <a:endParaRPr lang="en-IL" sz="1100" dirty="0"/>
+          </a:p>
+        </p:txBody>
+      </p:sp>
+    </p:spTree>
+  </p:cSld>
+  <p:clrMapOvr>
+    <a:masterClrMapping/>
+  </p:clrMapOvr>
+</p:sld>
+</file>
+
+<file path=ppt/slides/slide5.xml><?xml version="1.0" encoding="utf-8"?>
 <p:sld xmlns:a="http://schemas.openxmlformats.org/drawingml/2006/main" xmlns:r="http://schemas.openxmlformats.org/officeDocument/2006/relationships" xmlns:p="http://schemas.openxmlformats.org/presentationml/2006/main">
   <p:cSld>
     <p:bg>
@@ -25130,7 +28293,7 @@
           <a:p>
             <a:r>
               <a:rPr lang="en-US" sz="3700" dirty="0"/>
-              <a:t>Work management flow: </a:t>
+              <a:t>Work management flow : </a:t>
             </a:r>
             <a:br>
               <a:rPr lang="en-US" sz="3700" dirty="0"/>
@@ -25320,7 +28483,7 @@
             <p:ph idx="1"/>
             <p:extLst>
               <p:ext uri="{D42A27DB-BD31-4B8C-83A1-F6EECF244321}">
-                <p14:modId xmlns:p14="http://schemas.microsoft.com/office/powerpoint/2010/main" val="1288892179"/>
+                <p14:modId xmlns:p14="http://schemas.microsoft.com/office/powerpoint/2010/main" val="2088792168"/>
               </p:ext>
             </p:extLst>
           </p:nvPr>
@@ -25348,7 +28511,7 @@
 </p:sld>
 </file>
 
-<file path=ppt/slides/slide4.xml><?xml version="1.0" encoding="utf-8"?>
+<file path=ppt/slides/slide6.xml><?xml version="1.0" encoding="utf-8"?>
 <p:sld xmlns:a="http://schemas.openxmlformats.org/drawingml/2006/main" xmlns:r="http://schemas.openxmlformats.org/officeDocument/2006/relationships" xmlns:p="http://schemas.openxmlformats.org/presentationml/2006/main">
   <p:cSld>
     <p:spTree>
@@ -25451,7 +28614,7 @@
 </p:sld>
 </file>
 
-<file path=ppt/slides/slide5.xml><?xml version="1.0" encoding="utf-8"?>
+<file path=ppt/slides/slide7.xml><?xml version="1.0" encoding="utf-8"?>
 <p:sld xmlns:a="http://schemas.openxmlformats.org/drawingml/2006/main" xmlns:r="http://schemas.openxmlformats.org/officeDocument/2006/relationships" xmlns:p="http://schemas.openxmlformats.org/presentationml/2006/main">
   <p:cSld>
     <p:bg>
@@ -25801,7 +28964,7 @@
 </p:sld>
 </file>
 
-<file path=ppt/slides/slide6.xml><?xml version="1.0" encoding="utf-8"?>
+<file path=ppt/slides/slide8.xml><?xml version="1.0" encoding="utf-8"?>
 <p:sld xmlns:a="http://schemas.openxmlformats.org/drawingml/2006/main" xmlns:r="http://schemas.openxmlformats.org/officeDocument/2006/relationships" xmlns:p="http://schemas.openxmlformats.org/presentationml/2006/main">
   <p:cSld>
     <p:bg>
@@ -26223,7 +29386,7 @@
           <p:nvPr>
             <p:extLst>
               <p:ext uri="{D42A27DB-BD31-4B8C-83A1-F6EECF244321}">
-                <p14:modId xmlns:p14="http://schemas.microsoft.com/office/powerpoint/2010/main" val="2081380408"/>
+                <p14:modId xmlns:p14="http://schemas.microsoft.com/office/powerpoint/2010/main" val="2000836859"/>
               </p:ext>
             </p:extLst>
           </p:nvPr>
@@ -26495,12 +29658,12 @@
                     <a:lstStyle/>
                     <a:p>
                       <a:r>
-                        <a:rPr lang="en-US" sz="4000" b="1" dirty="0">
+                        <a:rPr lang="en-US" sz="4000" b="1" dirty="0" err="1">
                           <a:solidFill>
                             <a:schemeClr val="tx1"/>
                           </a:solidFill>
                         </a:rPr>
-                        <a:t>PostgreSQL</a:t>
+                        <a:t>Postgress</a:t>
                       </a:r>
                       <a:endParaRPr lang="en-IL" sz="4000" b="1" dirty="0">
                         <a:solidFill>
@@ -26714,7 +29877,7 @@
 </p:sld>
 </file>
 
-<file path=ppt/slides/slide7.xml><?xml version="1.0" encoding="utf-8"?>
+<file path=ppt/slides/slide9.xml><?xml version="1.0" encoding="utf-8"?>
 <p:sld xmlns:a="http://schemas.openxmlformats.org/drawingml/2006/main" xmlns:r="http://schemas.openxmlformats.org/officeDocument/2006/relationships" xmlns:p="http://schemas.openxmlformats.org/presentationml/2006/main">
   <p:cSld>
     <p:bg>
@@ -26981,7 +30144,7 @@
             </a:pPr>
             <a:r>
               <a:rPr lang="en-GB" sz="2800" dirty="0"/>
-              <a:t>Mitigation: Provide user manual + gather feedback early in the development process.</a:t>
+              <a:t>Mitigation: Provide user documentation, and gather feedback early in the development process.</a:t>
             </a:r>
           </a:p>
           <a:p>
@@ -27014,7 +30177,15 @@
             </a:pPr>
             <a:r>
               <a:rPr lang="en-GB" sz="2800" dirty="0"/>
-              <a:t>Mitigation: Use user authentication mechanisms to safeguard sensitive data, access will be allowed only from the university network, or by using VPN.</a:t>
+              <a:t>Mitigation: Use user authentication mechanisms to safeguard sensitive data, access will be allowed only from the university network, or by using </a:t>
+            </a:r>
+            <a:r>
+              <a:rPr lang="en-GB" sz="2800" dirty="0" err="1"/>
+              <a:t>vpn</a:t>
+            </a:r>
+            <a:r>
+              <a:rPr lang="en-GB" sz="2800" dirty="0"/>
+              <a:t>.</a:t>
             </a:r>
           </a:p>
           <a:p>
@@ -27038,8 +30209,13 @@
             </a:pPr>
             <a:r>
               <a:rPr lang="en-GB" sz="2800" dirty="0"/>
-              <a:t>None of the members had work as a web developer.</a:t>
+              <a:t>None of the members had work as a web </a:t>
             </a:r>
+            <a:r>
+              <a:rPr lang="en-GB" sz="2800" dirty="0" err="1"/>
+              <a:t>developmet</a:t>
+            </a:r>
+            <a:endParaRPr lang="en-GB" sz="2800" dirty="0"/>
           </a:p>
           <a:p>
             <a:pPr marL="0" indent="0">
@@ -27047,7 +30223,7 @@
             </a:pPr>
             <a:r>
               <a:rPr lang="en-GB" sz="2800" dirty="0"/>
-              <a:t>Mitigation: All members will read and study about prepared libraries (specifically risk) that will allow easy web interface development. </a:t>
+              <a:t>Mitigation: All members will read and study about prepared libraries (specifically risk) that will allow easy web interface development </a:t>
             </a:r>
           </a:p>
           <a:p>
@@ -27059,1149 +30235,6 @@
     <p:extLst>
       <p:ext uri="{BB962C8B-B14F-4D97-AF65-F5344CB8AC3E}">
         <p14:creationId xmlns:p14="http://schemas.microsoft.com/office/powerpoint/2010/main" val="626747458"/>
-      </p:ext>
-    </p:extLst>
-  </p:cSld>
-  <p:clrMapOvr>
-    <a:masterClrMapping/>
-  </p:clrMapOvr>
-</p:sld>
-</file>
-
-<file path=ppt/slides/slide8.xml><?xml version="1.0" encoding="utf-8"?>
-<p:sld xmlns:a="http://schemas.openxmlformats.org/drawingml/2006/main" xmlns:r="http://schemas.openxmlformats.org/officeDocument/2006/relationships" xmlns:p="http://schemas.openxmlformats.org/presentationml/2006/main">
-  <p:cSld>
-    <p:bg>
-      <p:bgPr>
-        <a:solidFill>
-          <a:schemeClr val="bg1">
-            <a:tint val="95000"/>
-            <a:satMod val="170000"/>
-          </a:schemeClr>
-        </a:solidFill>
-        <a:effectLst/>
-      </p:bgPr>
-    </p:bg>
-    <p:spTree>
-      <p:nvGrpSpPr>
-        <p:cNvPr id="1" name=""/>
-        <p:cNvGrpSpPr/>
-        <p:nvPr/>
-      </p:nvGrpSpPr>
-      <p:grpSpPr>
-        <a:xfrm>
-          <a:off x="0" y="0"/>
-          <a:ext cx="0" cy="0"/>
-          <a:chOff x="0" y="0"/>
-          <a:chExt cx="0" cy="0"/>
-        </a:xfrm>
-      </p:grpSpPr>
-      <p:sp>
-        <p:nvSpPr>
-          <p:cNvPr id="7" name="Freeform: Shape 6">
-            <a:extLst>
-              <a:ext uri="{FF2B5EF4-FFF2-40B4-BE49-F238E27FC236}">
-                <a16:creationId xmlns:a16="http://schemas.microsoft.com/office/drawing/2014/main" id="{66B332A4-D438-4773-A77F-5ED49A448D9D}"/>
-              </a:ext>
-              <a:ext uri="{C183D7F6-B498-43B3-948B-1728B52AA6E4}">
-                <adec:decorative xmlns:adec="http://schemas.microsoft.com/office/drawing/2017/decorative" val="1"/>
-              </a:ext>
-            </a:extLst>
-          </p:cNvPr>
-          <p:cNvSpPr>
-            <a:spLocks noGrp="1" noRot="1" noChangeAspect="1" noMove="1" noResize="1" noEditPoints="1" noAdjustHandles="1" noChangeArrowheads="1" noChangeShapeType="1" noTextEdit="1"/>
-          </p:cNvSpPr>
-          <p:nvPr>
-            <p:extLst>
-              <p:ext uri="{386F3935-93C4-4BCD-93E2-E3B085C9AB24}">
-                <p16:designElem xmlns:p16="http://schemas.microsoft.com/office/powerpoint/2015/main" val="1"/>
-              </p:ext>
-            </p:extLst>
-          </p:nvPr>
-        </p:nvSpPr>
-        <p:spPr>
-          <a:xfrm>
-            <a:off x="1953768" y="0"/>
-            <a:ext cx="8284464" cy="6858000"/>
-          </a:xfrm>
-          <a:custGeom>
-            <a:avLst/>
-            <a:gdLst>
-              <a:gd name="connsiteX0" fmla="*/ 1818109 w 8284464"/>
-              <a:gd name="connsiteY0" fmla="*/ 0 h 6858000"/>
-              <a:gd name="connsiteX1" fmla="*/ 6466355 w 8284464"/>
-              <a:gd name="connsiteY1" fmla="*/ 0 h 6858000"/>
-              <a:gd name="connsiteX2" fmla="*/ 6620596 w 8284464"/>
-              <a:gd name="connsiteY2" fmla="*/ 109683 h 6858000"/>
-              <a:gd name="connsiteX3" fmla="*/ 8284464 w 8284464"/>
-              <a:gd name="connsiteY3" fmla="*/ 3429000 h 6858000"/>
-              <a:gd name="connsiteX4" fmla="*/ 6620596 w 8284464"/>
-              <a:gd name="connsiteY4" fmla="*/ 6748318 h 6858000"/>
-              <a:gd name="connsiteX5" fmla="*/ 6466355 w 8284464"/>
-              <a:gd name="connsiteY5" fmla="*/ 6858000 h 6858000"/>
-              <a:gd name="connsiteX6" fmla="*/ 1818109 w 8284464"/>
-              <a:gd name="connsiteY6" fmla="*/ 6858000 h 6858000"/>
-              <a:gd name="connsiteX7" fmla="*/ 1663869 w 8284464"/>
-              <a:gd name="connsiteY7" fmla="*/ 6748318 h 6858000"/>
-              <a:gd name="connsiteX8" fmla="*/ 0 w 8284464"/>
-              <a:gd name="connsiteY8" fmla="*/ 3429000 h 6858000"/>
-              <a:gd name="connsiteX9" fmla="*/ 1663869 w 8284464"/>
-              <a:gd name="connsiteY9" fmla="*/ 109683 h 6858000"/>
-            </a:gdLst>
-            <a:ahLst/>
-            <a:cxnLst>
-              <a:cxn ang="0">
-                <a:pos x="connsiteX0" y="connsiteY0"/>
-              </a:cxn>
-              <a:cxn ang="0">
-                <a:pos x="connsiteX1" y="connsiteY1"/>
-              </a:cxn>
-              <a:cxn ang="0">
-                <a:pos x="connsiteX2" y="connsiteY2"/>
-              </a:cxn>
-              <a:cxn ang="0">
-                <a:pos x="connsiteX3" y="connsiteY3"/>
-              </a:cxn>
-              <a:cxn ang="0">
-                <a:pos x="connsiteX4" y="connsiteY4"/>
-              </a:cxn>
-              <a:cxn ang="0">
-                <a:pos x="connsiteX5" y="connsiteY5"/>
-              </a:cxn>
-              <a:cxn ang="0">
-                <a:pos x="connsiteX6" y="connsiteY6"/>
-              </a:cxn>
-              <a:cxn ang="0">
-                <a:pos x="connsiteX7" y="connsiteY7"/>
-              </a:cxn>
-              <a:cxn ang="0">
-                <a:pos x="connsiteX8" y="connsiteY8"/>
-              </a:cxn>
-              <a:cxn ang="0">
-                <a:pos x="connsiteX9" y="connsiteY9"/>
-              </a:cxn>
-            </a:cxnLst>
-            <a:rect l="l" t="t" r="r" b="b"/>
-            <a:pathLst>
-              <a:path w="8284464" h="6858000">
-                <a:moveTo>
-                  <a:pt x="1818109" y="0"/>
-                </a:moveTo>
-                <a:lnTo>
-                  <a:pt x="6466355" y="0"/>
-                </a:lnTo>
-                <a:lnTo>
-                  <a:pt x="6620596" y="109683"/>
-                </a:lnTo>
-                <a:cubicBezTo>
-                  <a:pt x="7630666" y="865069"/>
-                  <a:pt x="8284464" y="2070683"/>
-                  <a:pt x="8284464" y="3429000"/>
-                </a:cubicBezTo>
-                <a:cubicBezTo>
-                  <a:pt x="8284464" y="4787317"/>
-                  <a:pt x="7630666" y="5992931"/>
-                  <a:pt x="6620596" y="6748318"/>
-                </a:cubicBezTo>
-                <a:lnTo>
-                  <a:pt x="6466355" y="6858000"/>
-                </a:lnTo>
-                <a:lnTo>
-                  <a:pt x="1818109" y="6858000"/>
-                </a:lnTo>
-                <a:lnTo>
-                  <a:pt x="1663869" y="6748318"/>
-                </a:lnTo>
-                <a:cubicBezTo>
-                  <a:pt x="653798" y="5992931"/>
-                  <a:pt x="0" y="4787317"/>
-                  <a:pt x="0" y="3429000"/>
-                </a:cubicBezTo>
-                <a:cubicBezTo>
-                  <a:pt x="0" y="2070683"/>
-                  <a:pt x="653798" y="865069"/>
-                  <a:pt x="1663869" y="109683"/>
-                </a:cubicBezTo>
-                <a:close/>
-              </a:path>
-            </a:pathLst>
-          </a:custGeom>
-          <a:solidFill>
-            <a:srgbClr val="FFFFFF">
-              <a:alpha val="80000"/>
-            </a:srgbClr>
-          </a:solidFill>
-          <a:ln>
-            <a:noFill/>
-          </a:ln>
-        </p:spPr>
-        <p:style>
-          <a:lnRef idx="2">
-            <a:schemeClr val="accent1">
-              <a:shade val="50000"/>
-            </a:schemeClr>
-          </a:lnRef>
-          <a:fillRef idx="1">
-            <a:schemeClr val="accent1"/>
-          </a:fillRef>
-          <a:effectRef idx="0">
-            <a:schemeClr val="accent1"/>
-          </a:effectRef>
-          <a:fontRef idx="minor">
-            <a:schemeClr val="lt1"/>
-          </a:fontRef>
-        </p:style>
-        <p:txBody>
-          <a:bodyPr wrap="square" rtlCol="0" anchor="ctr">
-            <a:noAutofit/>
-          </a:bodyPr>
-          <a:lstStyle/>
-          <a:p>
-            <a:pPr algn="ctr"/>
-            <a:endParaRPr lang="en-US"/>
-          </a:p>
-        </p:txBody>
-      </p:sp>
-      <p:sp>
-        <p:nvSpPr>
-          <p:cNvPr id="9" name="Freeform: Shape 8">
-            <a:extLst>
-              <a:ext uri="{FF2B5EF4-FFF2-40B4-BE49-F238E27FC236}">
-                <a16:creationId xmlns:a16="http://schemas.microsoft.com/office/drawing/2014/main" id="{DF9AD32D-FF05-44F4-BD4D-9CEE89B71EB9}"/>
-              </a:ext>
-              <a:ext uri="{C183D7F6-B498-43B3-948B-1728B52AA6E4}">
-                <adec:decorative xmlns:adec="http://schemas.microsoft.com/office/drawing/2017/decorative" val="1"/>
-              </a:ext>
-            </a:extLst>
-          </p:cNvPr>
-          <p:cNvSpPr>
-            <a:spLocks noGrp="1" noRot="1" noChangeAspect="1" noMove="1" noResize="1" noEditPoints="1" noAdjustHandles="1" noChangeArrowheads="1" noChangeShapeType="1" noTextEdit="1"/>
-          </p:cNvSpPr>
-          <p:nvPr>
-            <p:extLst>
-              <p:ext uri="{386F3935-93C4-4BCD-93E2-E3B085C9AB24}">
-                <p16:designElem xmlns:p16="http://schemas.microsoft.com/office/powerpoint/2015/main" val="1"/>
-              </p:ext>
-            </p:extLst>
-          </p:nvPr>
-        </p:nvSpPr>
-        <p:spPr>
-          <a:xfrm>
-            <a:off x="2118360" y="0"/>
-            <a:ext cx="7955280" cy="6858000"/>
-          </a:xfrm>
-          <a:custGeom>
-            <a:avLst/>
-            <a:gdLst>
-              <a:gd name="connsiteX0" fmla="*/ 1962423 w 7955280"/>
-              <a:gd name="connsiteY0" fmla="*/ 0 h 6858000"/>
-              <a:gd name="connsiteX1" fmla="*/ 5992858 w 7955280"/>
-              <a:gd name="connsiteY1" fmla="*/ 0 h 6858000"/>
-              <a:gd name="connsiteX2" fmla="*/ 6040191 w 7955280"/>
-              <a:gd name="connsiteY2" fmla="*/ 27216 h 6858000"/>
-              <a:gd name="connsiteX3" fmla="*/ 7955280 w 7955280"/>
-              <a:gd name="connsiteY3" fmla="*/ 3429000 h 6858000"/>
-              <a:gd name="connsiteX4" fmla="*/ 6040191 w 7955280"/>
-              <a:gd name="connsiteY4" fmla="*/ 6830784 h 6858000"/>
-              <a:gd name="connsiteX5" fmla="*/ 5992858 w 7955280"/>
-              <a:gd name="connsiteY5" fmla="*/ 6858000 h 6858000"/>
-              <a:gd name="connsiteX6" fmla="*/ 1962423 w 7955280"/>
-              <a:gd name="connsiteY6" fmla="*/ 6858000 h 6858000"/>
-              <a:gd name="connsiteX7" fmla="*/ 1915089 w 7955280"/>
-              <a:gd name="connsiteY7" fmla="*/ 6830784 h 6858000"/>
-              <a:gd name="connsiteX8" fmla="*/ 0 w 7955280"/>
-              <a:gd name="connsiteY8" fmla="*/ 3429000 h 6858000"/>
-              <a:gd name="connsiteX9" fmla="*/ 1915089 w 7955280"/>
-              <a:gd name="connsiteY9" fmla="*/ 27216 h 6858000"/>
-            </a:gdLst>
-            <a:ahLst/>
-            <a:cxnLst>
-              <a:cxn ang="0">
-                <a:pos x="connsiteX0" y="connsiteY0"/>
-              </a:cxn>
-              <a:cxn ang="0">
-                <a:pos x="connsiteX1" y="connsiteY1"/>
-              </a:cxn>
-              <a:cxn ang="0">
-                <a:pos x="connsiteX2" y="connsiteY2"/>
-              </a:cxn>
-              <a:cxn ang="0">
-                <a:pos x="connsiteX3" y="connsiteY3"/>
-              </a:cxn>
-              <a:cxn ang="0">
-                <a:pos x="connsiteX4" y="connsiteY4"/>
-              </a:cxn>
-              <a:cxn ang="0">
-                <a:pos x="connsiteX5" y="connsiteY5"/>
-              </a:cxn>
-              <a:cxn ang="0">
-                <a:pos x="connsiteX6" y="connsiteY6"/>
-              </a:cxn>
-              <a:cxn ang="0">
-                <a:pos x="connsiteX7" y="connsiteY7"/>
-              </a:cxn>
-              <a:cxn ang="0">
-                <a:pos x="connsiteX8" y="connsiteY8"/>
-              </a:cxn>
-              <a:cxn ang="0">
-                <a:pos x="connsiteX9" y="connsiteY9"/>
-              </a:cxn>
-            </a:cxnLst>
-            <a:rect l="l" t="t" r="r" b="b"/>
-            <a:pathLst>
-              <a:path w="7955280" h="6858000">
-                <a:moveTo>
-                  <a:pt x="1962423" y="0"/>
-                </a:moveTo>
-                <a:lnTo>
-                  <a:pt x="5992858" y="0"/>
-                </a:lnTo>
-                <a:lnTo>
-                  <a:pt x="6040191" y="27216"/>
-                </a:lnTo>
-                <a:cubicBezTo>
-                  <a:pt x="7188332" y="724844"/>
-                  <a:pt x="7955280" y="1987357"/>
-                  <a:pt x="7955280" y="3429000"/>
-                </a:cubicBezTo>
-                <a:cubicBezTo>
-                  <a:pt x="7955280" y="4870644"/>
-                  <a:pt x="7188332" y="6133157"/>
-                  <a:pt x="6040191" y="6830784"/>
-                </a:cubicBezTo>
-                <a:lnTo>
-                  <a:pt x="5992858" y="6858000"/>
-                </a:lnTo>
-                <a:lnTo>
-                  <a:pt x="1962423" y="6858000"/>
-                </a:lnTo>
-                <a:lnTo>
-                  <a:pt x="1915089" y="6830784"/>
-                </a:lnTo>
-                <a:cubicBezTo>
-                  <a:pt x="766948" y="6133157"/>
-                  <a:pt x="0" y="4870644"/>
-                  <a:pt x="0" y="3429000"/>
-                </a:cubicBezTo>
-                <a:cubicBezTo>
-                  <a:pt x="0" y="1987357"/>
-                  <a:pt x="766948" y="724844"/>
-                  <a:pt x="1915089" y="27216"/>
-                </a:cubicBezTo>
-                <a:close/>
-              </a:path>
-            </a:pathLst>
-          </a:custGeom>
-          <a:solidFill>
-            <a:schemeClr val="tx1"/>
-          </a:solidFill>
-          <a:ln>
-            <a:noFill/>
-          </a:ln>
-        </p:spPr>
-        <p:style>
-          <a:lnRef idx="2">
-            <a:schemeClr val="accent1">
-              <a:shade val="50000"/>
-            </a:schemeClr>
-          </a:lnRef>
-          <a:fillRef idx="1">
-            <a:schemeClr val="accent1"/>
-          </a:fillRef>
-          <a:effectRef idx="0">
-            <a:schemeClr val="accent1"/>
-          </a:effectRef>
-          <a:fontRef idx="minor">
-            <a:schemeClr val="lt1"/>
-          </a:fontRef>
-        </p:style>
-        <p:txBody>
-          <a:bodyPr wrap="square" rtlCol="0" anchor="ctr">
-            <a:noAutofit/>
-          </a:bodyPr>
-          <a:lstStyle/>
-          <a:p>
-            <a:pPr algn="ctr"/>
-            <a:endParaRPr lang="en-US"/>
-          </a:p>
-        </p:txBody>
-      </p:sp>
-      <p:sp>
-        <p:nvSpPr>
-          <p:cNvPr id="2" name="Title 1">
-            <a:extLst>
-              <a:ext uri="{FF2B5EF4-FFF2-40B4-BE49-F238E27FC236}">
-                <a16:creationId xmlns:a16="http://schemas.microsoft.com/office/drawing/2014/main" id="{4C74BDC9-6334-7704-C1A1-F6CBB0AFEC14}"/>
-              </a:ext>
-            </a:extLst>
-          </p:cNvPr>
-          <p:cNvSpPr>
-            <a:spLocks noGrp="1"/>
-          </p:cNvSpPr>
-          <p:nvPr>
-            <p:ph type="ctrTitle"/>
-          </p:nvPr>
-        </p:nvSpPr>
-        <p:spPr>
-          <a:xfrm>
-            <a:off x="2555631" y="1441938"/>
-            <a:ext cx="7080738" cy="3974124"/>
-          </a:xfrm>
-        </p:spPr>
-        <p:txBody>
-          <a:bodyPr vert="horz" lIns="91440" tIns="45720" rIns="91440" bIns="45720" rtlCol="0" anchor="ctr">
-            <a:normAutofit/>
-          </a:bodyPr>
-          <a:lstStyle/>
-          <a:p>
-            <a:r>
-              <a:rPr lang="en-US" sz="5400">
-                <a:solidFill>
-                  <a:schemeClr val="bg1">
-                    <a:lumMod val="95000"/>
-                    <a:lumOff val="5000"/>
-                  </a:schemeClr>
-                </a:solidFill>
-              </a:rPr>
-              <a:t>Proof Of Concept</a:t>
-            </a:r>
-          </a:p>
-        </p:txBody>
-      </p:sp>
-    </p:spTree>
-    <p:extLst>
-      <p:ext uri="{BB962C8B-B14F-4D97-AF65-F5344CB8AC3E}">
-        <p14:creationId xmlns:p14="http://schemas.microsoft.com/office/powerpoint/2010/main" val="1115333192"/>
-      </p:ext>
-    </p:extLst>
-  </p:cSld>
-  <p:clrMapOvr>
-    <a:overrideClrMapping bg1="dk1" tx1="lt1" bg2="dk2" tx2="lt2" accent1="accent1" accent2="accent2" accent3="accent3" accent4="accent4" accent5="accent5" accent6="accent6" hlink="hlink" folHlink="folHlink"/>
-  </p:clrMapOvr>
-  <p:timing>
-    <p:tnLst>
-      <p:par>
-        <p:cTn id="1" dur="indefinite" restart="never" nodeType="tmRoot">
-          <p:childTnLst>
-            <p:seq concurrent="1" nextAc="seek">
-              <p:cTn id="2" dur="indefinite" nodeType="mainSeq">
-                <p:childTnLst>
-                  <p:par>
-                    <p:cTn id="3" fill="hold">
-                      <p:stCondLst>
-                        <p:cond delay="indefinite"/>
-                        <p:cond evt="onBegin" delay="0">
-                          <p:tn val="2"/>
-                        </p:cond>
-                      </p:stCondLst>
-                      <p:childTnLst>
-                        <p:par>
-                          <p:cTn id="4" fill="hold">
-                            <p:stCondLst>
-                              <p:cond delay="0"/>
-                            </p:stCondLst>
-                            <p:childTnLst>
-                              <p:par>
-                                <p:cTn id="5" presetID="10" presetClass="entr" presetSubtype="0" fill="hold" grpId="0" nodeType="withEffect">
-                                  <p:stCondLst>
-                                    <p:cond delay="500"/>
-                                  </p:stCondLst>
-                                  <p:iterate type="lt">
-                                    <p:tmPct val="10000"/>
-                                  </p:iterate>
-                                  <p:childTnLst>
-                                    <p:set>
-                                      <p:cBhvr>
-                                        <p:cTn id="6" dur="1" fill="hold">
-                                          <p:stCondLst>
-                                            <p:cond delay="0"/>
-                                          </p:stCondLst>
-                                        </p:cTn>
-                                        <p:tgtEl>
-                                          <p:spTgt spid="2"/>
-                                        </p:tgtEl>
-                                        <p:attrNameLst>
-                                          <p:attrName>style.visibility</p:attrName>
-                                        </p:attrNameLst>
-                                      </p:cBhvr>
-                                      <p:to>
-                                        <p:strVal val="visible"/>
-                                      </p:to>
-                                    </p:set>
-                                    <p:animEffect transition="in" filter="fade">
-                                      <p:cBhvr>
-                                        <p:cTn id="7" dur="400"/>
-                                        <p:tgtEl>
-                                          <p:spTgt spid="2"/>
-                                        </p:tgtEl>
-                                      </p:cBhvr>
-                                    </p:animEffect>
-                                  </p:childTnLst>
-                                </p:cTn>
-                              </p:par>
-                            </p:childTnLst>
-                          </p:cTn>
-                        </p:par>
-                      </p:childTnLst>
-                    </p:cTn>
-                  </p:par>
-                </p:childTnLst>
-              </p:cTn>
-              <p:prevCondLst>
-                <p:cond evt="onPrev" delay="0">
-                  <p:tgtEl>
-                    <p:sldTgt/>
-                  </p:tgtEl>
-                </p:cond>
-              </p:prevCondLst>
-              <p:nextCondLst>
-                <p:cond evt="onNext" delay="0">
-                  <p:tgtEl>
-                    <p:sldTgt/>
-                  </p:tgtEl>
-                </p:cond>
-              </p:nextCondLst>
-            </p:seq>
-          </p:childTnLst>
-        </p:cTn>
-      </p:par>
-    </p:tnLst>
-    <p:bldLst>
-      <p:bldP spid="2" grpId="0"/>
-    </p:bldLst>
-  </p:timing>
-</p:sld>
-</file>
-
-<file path=ppt/slides/slide9.xml><?xml version="1.0" encoding="utf-8"?>
-<p:sld xmlns:a="http://schemas.openxmlformats.org/drawingml/2006/main" xmlns:r="http://schemas.openxmlformats.org/officeDocument/2006/relationships" xmlns:p="http://schemas.openxmlformats.org/presentationml/2006/main">
-  <p:cSld>
-    <p:bg>
-      <p:bgPr>
-        <a:solidFill>
-          <a:schemeClr val="bg1"/>
-        </a:solidFill>
-        <a:effectLst/>
-      </p:bgPr>
-    </p:bg>
-    <p:spTree>
-      <p:nvGrpSpPr>
-        <p:cNvPr id="1" name=""/>
-        <p:cNvGrpSpPr/>
-        <p:nvPr/>
-      </p:nvGrpSpPr>
-      <p:grpSpPr>
-        <a:xfrm>
-          <a:off x="0" y="0"/>
-          <a:ext cx="0" cy="0"/>
-          <a:chOff x="0" y="0"/>
-          <a:chExt cx="0" cy="0"/>
-        </a:xfrm>
-      </p:grpSpPr>
-      <p:sp useBgFill="1">
-        <p:nvSpPr>
-          <p:cNvPr id="14" name="Rectangle 13">
-            <a:extLst>
-              <a:ext uri="{FF2B5EF4-FFF2-40B4-BE49-F238E27FC236}">
-                <a16:creationId xmlns:a16="http://schemas.microsoft.com/office/drawing/2014/main" id="{777A147A-9ED8-46B4-8660-1B3C2AA880B5}"/>
-              </a:ext>
-              <a:ext uri="{C183D7F6-B498-43B3-948B-1728B52AA6E4}">
-                <adec:decorative xmlns:adec="http://schemas.microsoft.com/office/drawing/2017/decorative" val="1"/>
-              </a:ext>
-            </a:extLst>
-          </p:cNvPr>
-          <p:cNvSpPr>
-            <a:spLocks noGrp="1" noRot="1" noChangeAspect="1" noMove="1" noResize="1" noEditPoints="1" noAdjustHandles="1" noChangeArrowheads="1" noChangeShapeType="1" noTextEdit="1"/>
-          </p:cNvSpPr>
-          <p:nvPr>
-            <p:extLst>
-              <p:ext uri="{386F3935-93C4-4BCD-93E2-E3B085C9AB24}">
-                <p16:designElem xmlns:p16="http://schemas.microsoft.com/office/powerpoint/2015/main" val="1"/>
-              </p:ext>
-            </p:extLst>
-          </p:nvPr>
-        </p:nvSpPr>
-        <p:spPr>
-          <a:xfrm>
-            <a:off x="0" y="0"/>
-            <a:ext cx="12188952" cy="6858000"/>
-          </a:xfrm>
-          <a:prstGeom prst="rect">
-            <a:avLst/>
-          </a:prstGeom>
-          <a:ln>
-            <a:noFill/>
-          </a:ln>
-        </p:spPr>
-        <p:style>
-          <a:lnRef idx="2">
-            <a:schemeClr val="accent1">
-              <a:shade val="50000"/>
-            </a:schemeClr>
-          </a:lnRef>
-          <a:fillRef idx="1">
-            <a:schemeClr val="accent1"/>
-          </a:fillRef>
-          <a:effectRef idx="0">
-            <a:schemeClr val="accent1"/>
-          </a:effectRef>
-          <a:fontRef idx="minor">
-            <a:schemeClr val="lt1"/>
-          </a:fontRef>
-        </p:style>
-        <p:txBody>
-          <a:bodyPr rtlCol="0" anchor="ctr"/>
-          <a:lstStyle/>
-          <a:p>
-            <a:pPr algn="ctr"/>
-            <a:endParaRPr lang="en-US"/>
-          </a:p>
-        </p:txBody>
-      </p:sp>
-      <p:sp>
-        <p:nvSpPr>
-          <p:cNvPr id="2" name="Title 1">
-            <a:extLst>
-              <a:ext uri="{FF2B5EF4-FFF2-40B4-BE49-F238E27FC236}">
-                <a16:creationId xmlns:a16="http://schemas.microsoft.com/office/drawing/2014/main" id="{C588FA0F-51C7-F5EE-6587-ED5C4BAB28F2}"/>
-              </a:ext>
-            </a:extLst>
-          </p:cNvPr>
-          <p:cNvSpPr>
-            <a:spLocks noGrp="1"/>
-          </p:cNvSpPr>
-          <p:nvPr>
-            <p:ph type="title"/>
-          </p:nvPr>
-        </p:nvSpPr>
-        <p:spPr>
-          <a:xfrm>
-            <a:off x="841248" y="548640"/>
-            <a:ext cx="3600860" cy="5431536"/>
-          </a:xfrm>
-        </p:spPr>
-        <p:txBody>
-          <a:bodyPr>
-            <a:normAutofit/>
-          </a:bodyPr>
-          <a:lstStyle/>
-          <a:p>
-            <a:r>
-              <a:rPr lang="en-US" sz="5400" b="1" kern="100">
-                <a:effectLst/>
-                <a:latin typeface="Calibri Light" panose="020F0302020204030204" pitchFamily="34" charset="0"/>
-                <a:ea typeface="Times New Roman" panose="02020603050405020304" pitchFamily="18" charset="0"/>
-                <a:cs typeface="Times New Roman" panose="02020603050405020304" pitchFamily="18" charset="0"/>
-              </a:rPr>
-              <a:t>Research:</a:t>
-            </a:r>
-            <a:endParaRPr lang="en-IL" sz="5400"/>
-          </a:p>
-        </p:txBody>
-      </p:sp>
-      <p:sp>
-        <p:nvSpPr>
-          <p:cNvPr id="15" name="sketch line">
-            <a:extLst>
-              <a:ext uri="{FF2B5EF4-FFF2-40B4-BE49-F238E27FC236}">
-                <a16:creationId xmlns:a16="http://schemas.microsoft.com/office/drawing/2014/main" id="{5D6C15A0-C087-4593-8414-2B4EC1CDC3DE}"/>
-              </a:ext>
-              <a:ext uri="{C183D7F6-B498-43B3-948B-1728B52AA6E4}">
-                <adec:decorative xmlns:adec="http://schemas.microsoft.com/office/drawing/2017/decorative" val="1"/>
-              </a:ext>
-            </a:extLst>
-          </p:cNvPr>
-          <p:cNvSpPr>
-            <a:spLocks noGrp="1" noRot="1" noChangeAspect="1" noMove="1" noResize="1" noEditPoints="1" noAdjustHandles="1" noChangeArrowheads="1" noChangeShapeType="1" noTextEdit="1"/>
-          </p:cNvSpPr>
-          <p:nvPr>
-            <p:extLst>
-              <p:ext uri="{386F3935-93C4-4BCD-93E2-E3B085C9AB24}">
-                <p16:designElem xmlns:p16="http://schemas.microsoft.com/office/powerpoint/2015/main" val="1"/>
-              </p:ext>
-            </p:extLst>
-          </p:nvPr>
-        </p:nvSpPr>
-        <p:spPr>
-          <a:xfrm rot="5400000">
-            <a:off x="2543983" y="3258715"/>
-            <a:ext cx="4480560" cy="18288"/>
-          </a:xfrm>
-          <a:custGeom>
-            <a:avLst/>
-            <a:gdLst>
-              <a:gd name="connsiteX0" fmla="*/ 0 w 4480560"/>
-              <a:gd name="connsiteY0" fmla="*/ 0 h 18288"/>
-              <a:gd name="connsiteX1" fmla="*/ 595274 w 4480560"/>
-              <a:gd name="connsiteY1" fmla="*/ 0 h 18288"/>
-              <a:gd name="connsiteX2" fmla="*/ 1100938 w 4480560"/>
-              <a:gd name="connsiteY2" fmla="*/ 0 h 18288"/>
-              <a:gd name="connsiteX3" fmla="*/ 1651406 w 4480560"/>
-              <a:gd name="connsiteY3" fmla="*/ 0 h 18288"/>
-              <a:gd name="connsiteX4" fmla="*/ 2336292 w 4480560"/>
-              <a:gd name="connsiteY4" fmla="*/ 0 h 18288"/>
-              <a:gd name="connsiteX5" fmla="*/ 2931566 w 4480560"/>
-              <a:gd name="connsiteY5" fmla="*/ 0 h 18288"/>
-              <a:gd name="connsiteX6" fmla="*/ 3482035 w 4480560"/>
-              <a:gd name="connsiteY6" fmla="*/ 0 h 18288"/>
-              <a:gd name="connsiteX7" fmla="*/ 4480560 w 4480560"/>
-              <a:gd name="connsiteY7" fmla="*/ 0 h 18288"/>
-              <a:gd name="connsiteX8" fmla="*/ 4480560 w 4480560"/>
-              <a:gd name="connsiteY8" fmla="*/ 18288 h 18288"/>
-              <a:gd name="connsiteX9" fmla="*/ 3840480 w 4480560"/>
-              <a:gd name="connsiteY9" fmla="*/ 18288 h 18288"/>
-              <a:gd name="connsiteX10" fmla="*/ 3290011 w 4480560"/>
-              <a:gd name="connsiteY10" fmla="*/ 18288 h 18288"/>
-              <a:gd name="connsiteX11" fmla="*/ 2560320 w 4480560"/>
-              <a:gd name="connsiteY11" fmla="*/ 18288 h 18288"/>
-              <a:gd name="connsiteX12" fmla="*/ 1965046 w 4480560"/>
-              <a:gd name="connsiteY12" fmla="*/ 18288 h 18288"/>
-              <a:gd name="connsiteX13" fmla="*/ 1459382 w 4480560"/>
-              <a:gd name="connsiteY13" fmla="*/ 18288 h 18288"/>
-              <a:gd name="connsiteX14" fmla="*/ 774497 w 4480560"/>
-              <a:gd name="connsiteY14" fmla="*/ 18288 h 18288"/>
-              <a:gd name="connsiteX15" fmla="*/ 0 w 4480560"/>
-              <a:gd name="connsiteY15" fmla="*/ 18288 h 18288"/>
-              <a:gd name="connsiteX16" fmla="*/ 0 w 4480560"/>
-              <a:gd name="connsiteY16" fmla="*/ 0 h 18288"/>
-            </a:gdLst>
-            <a:ahLst/>
-            <a:cxnLst>
-              <a:cxn ang="0">
-                <a:pos x="connsiteX0" y="connsiteY0"/>
-              </a:cxn>
-              <a:cxn ang="0">
-                <a:pos x="connsiteX1" y="connsiteY1"/>
-              </a:cxn>
-              <a:cxn ang="0">
-                <a:pos x="connsiteX2" y="connsiteY2"/>
-              </a:cxn>
-              <a:cxn ang="0">
-                <a:pos x="connsiteX3" y="connsiteY3"/>
-              </a:cxn>
-              <a:cxn ang="0">
-                <a:pos x="connsiteX4" y="connsiteY4"/>
-              </a:cxn>
-              <a:cxn ang="0">
-                <a:pos x="connsiteX5" y="connsiteY5"/>
-              </a:cxn>
-              <a:cxn ang="0">
-                <a:pos x="connsiteX6" y="connsiteY6"/>
-              </a:cxn>
-              <a:cxn ang="0">
-                <a:pos x="connsiteX7" y="connsiteY7"/>
-              </a:cxn>
-              <a:cxn ang="0">
-                <a:pos x="connsiteX8" y="connsiteY8"/>
-              </a:cxn>
-              <a:cxn ang="0">
-                <a:pos x="connsiteX9" y="connsiteY9"/>
-              </a:cxn>
-              <a:cxn ang="0">
-                <a:pos x="connsiteX10" y="connsiteY10"/>
-              </a:cxn>
-              <a:cxn ang="0">
-                <a:pos x="connsiteX11" y="connsiteY11"/>
-              </a:cxn>
-              <a:cxn ang="0">
-                <a:pos x="connsiteX12" y="connsiteY12"/>
-              </a:cxn>
-              <a:cxn ang="0">
-                <a:pos x="connsiteX13" y="connsiteY13"/>
-              </a:cxn>
-              <a:cxn ang="0">
-                <a:pos x="connsiteX14" y="connsiteY14"/>
-              </a:cxn>
-              <a:cxn ang="0">
-                <a:pos x="connsiteX15" y="connsiteY15"/>
-              </a:cxn>
-              <a:cxn ang="0">
-                <a:pos x="connsiteX16" y="connsiteY16"/>
-              </a:cxn>
-            </a:cxnLst>
-            <a:rect l="l" t="t" r="r" b="b"/>
-            <a:pathLst>
-              <a:path w="4480560" h="18288" fill="none" extrusionOk="0">
-                <a:moveTo>
-                  <a:pt x="0" y="0"/>
-                </a:moveTo>
-                <a:cubicBezTo>
-                  <a:pt x="267821" y="8731"/>
-                  <a:pt x="334105" y="2629"/>
-                  <a:pt x="595274" y="0"/>
-                </a:cubicBezTo>
-                <a:cubicBezTo>
-                  <a:pt x="856443" y="-2629"/>
-                  <a:pt x="863808" y="-13353"/>
-                  <a:pt x="1100938" y="0"/>
-                </a:cubicBezTo>
-                <a:cubicBezTo>
-                  <a:pt x="1338068" y="13353"/>
-                  <a:pt x="1431663" y="-25862"/>
-                  <a:pt x="1651406" y="0"/>
-                </a:cubicBezTo>
-                <a:cubicBezTo>
-                  <a:pt x="1871149" y="25862"/>
-                  <a:pt x="2173163" y="23827"/>
-                  <a:pt x="2336292" y="0"/>
-                </a:cubicBezTo>
-                <a:cubicBezTo>
-                  <a:pt x="2499421" y="-23827"/>
-                  <a:pt x="2720589" y="28148"/>
-                  <a:pt x="2931566" y="0"/>
-                </a:cubicBezTo>
-                <a:cubicBezTo>
-                  <a:pt x="3142543" y="-28148"/>
-                  <a:pt x="3323630" y="27022"/>
-                  <a:pt x="3482035" y="0"/>
-                </a:cubicBezTo>
-                <a:cubicBezTo>
-                  <a:pt x="3640440" y="-27022"/>
-                  <a:pt x="4012110" y="-20118"/>
-                  <a:pt x="4480560" y="0"/>
-                </a:cubicBezTo>
-                <a:cubicBezTo>
-                  <a:pt x="4480958" y="7429"/>
-                  <a:pt x="4480540" y="10822"/>
-                  <a:pt x="4480560" y="18288"/>
-                </a:cubicBezTo>
-                <a:cubicBezTo>
-                  <a:pt x="4314132" y="14924"/>
-                  <a:pt x="4028383" y="36632"/>
-                  <a:pt x="3840480" y="18288"/>
-                </a:cubicBezTo>
-                <a:cubicBezTo>
-                  <a:pt x="3652577" y="-56"/>
-                  <a:pt x="3547615" y="2848"/>
-                  <a:pt x="3290011" y="18288"/>
-                </a:cubicBezTo>
-                <a:cubicBezTo>
-                  <a:pt x="3032407" y="33728"/>
-                  <a:pt x="2830268" y="8719"/>
-                  <a:pt x="2560320" y="18288"/>
-                </a:cubicBezTo>
-                <a:cubicBezTo>
-                  <a:pt x="2290372" y="27857"/>
-                  <a:pt x="2147422" y="6728"/>
-                  <a:pt x="1965046" y="18288"/>
-                </a:cubicBezTo>
-                <a:cubicBezTo>
-                  <a:pt x="1782670" y="29848"/>
-                  <a:pt x="1689791" y="40680"/>
-                  <a:pt x="1459382" y="18288"/>
-                </a:cubicBezTo>
-                <a:cubicBezTo>
-                  <a:pt x="1228973" y="-4104"/>
-                  <a:pt x="915486" y="36501"/>
-                  <a:pt x="774497" y="18288"/>
-                </a:cubicBezTo>
-                <a:cubicBezTo>
-                  <a:pt x="633508" y="75"/>
-                  <a:pt x="361442" y="-11107"/>
-                  <a:pt x="0" y="18288"/>
-                </a:cubicBezTo>
-                <a:cubicBezTo>
-                  <a:pt x="-591" y="13205"/>
-                  <a:pt x="-663" y="6329"/>
-                  <a:pt x="0" y="0"/>
-                </a:cubicBezTo>
-                <a:close/>
-              </a:path>
-              <a:path w="4480560" h="18288" stroke="0" extrusionOk="0">
-                <a:moveTo>
-                  <a:pt x="0" y="0"/>
-                </a:moveTo>
-                <a:cubicBezTo>
-                  <a:pt x="285465" y="225"/>
-                  <a:pt x="322691" y="16223"/>
-                  <a:pt x="595274" y="0"/>
-                </a:cubicBezTo>
-                <a:cubicBezTo>
-                  <a:pt x="867857" y="-16223"/>
-                  <a:pt x="989129" y="-11242"/>
-                  <a:pt x="1100938" y="0"/>
-                </a:cubicBezTo>
-                <a:cubicBezTo>
-                  <a:pt x="1212747" y="11242"/>
-                  <a:pt x="1574350" y="-36410"/>
-                  <a:pt x="1830629" y="0"/>
-                </a:cubicBezTo>
-                <a:cubicBezTo>
-                  <a:pt x="2086908" y="36410"/>
-                  <a:pt x="2180922" y="4645"/>
-                  <a:pt x="2425903" y="0"/>
-                </a:cubicBezTo>
-                <a:cubicBezTo>
-                  <a:pt x="2670884" y="-4645"/>
-                  <a:pt x="2782024" y="22929"/>
-                  <a:pt x="3021178" y="0"/>
-                </a:cubicBezTo>
-                <a:cubicBezTo>
-                  <a:pt x="3260332" y="-22929"/>
-                  <a:pt x="3456982" y="-1586"/>
-                  <a:pt x="3750869" y="0"/>
-                </a:cubicBezTo>
-                <a:cubicBezTo>
-                  <a:pt x="4044756" y="1586"/>
-                  <a:pt x="4302726" y="17043"/>
-                  <a:pt x="4480560" y="0"/>
-                </a:cubicBezTo>
-                <a:cubicBezTo>
-                  <a:pt x="4479674" y="5429"/>
-                  <a:pt x="4481381" y="14046"/>
-                  <a:pt x="4480560" y="18288"/>
-                </a:cubicBezTo>
-                <a:cubicBezTo>
-                  <a:pt x="4279652" y="-6850"/>
-                  <a:pt x="4200762" y="41566"/>
-                  <a:pt x="3930091" y="18288"/>
-                </a:cubicBezTo>
-                <a:cubicBezTo>
-                  <a:pt x="3659420" y="-4990"/>
-                  <a:pt x="3456052" y="22294"/>
-                  <a:pt x="3290011" y="18288"/>
-                </a:cubicBezTo>
-                <a:cubicBezTo>
-                  <a:pt x="3123970" y="14282"/>
-                  <a:pt x="2882392" y="32818"/>
-                  <a:pt x="2649931" y="18288"/>
-                </a:cubicBezTo>
-                <a:cubicBezTo>
-                  <a:pt x="2417470" y="3758"/>
-                  <a:pt x="2238426" y="7337"/>
-                  <a:pt x="2054657" y="18288"/>
-                </a:cubicBezTo>
-                <a:cubicBezTo>
-                  <a:pt x="1870888" y="29239"/>
-                  <a:pt x="1566368" y="45040"/>
-                  <a:pt x="1324966" y="18288"/>
-                </a:cubicBezTo>
-                <a:cubicBezTo>
-                  <a:pt x="1083564" y="-8464"/>
-                  <a:pt x="787410" y="10946"/>
-                  <a:pt x="595274" y="18288"/>
-                </a:cubicBezTo>
-                <a:cubicBezTo>
-                  <a:pt x="403138" y="25630"/>
-                  <a:pt x="169622" y="10499"/>
-                  <a:pt x="0" y="18288"/>
-                </a:cubicBezTo>
-                <a:cubicBezTo>
-                  <a:pt x="668" y="13665"/>
-                  <a:pt x="578" y="5675"/>
-                  <a:pt x="0" y="0"/>
-                </a:cubicBezTo>
-                <a:close/>
-              </a:path>
-            </a:pathLst>
-          </a:custGeom>
-          <a:solidFill>
-            <a:schemeClr val="accent2"/>
-          </a:solidFill>
-          <a:ln w="41275" cap="rnd">
-            <a:solidFill>
-              <a:schemeClr val="accent2"/>
-            </a:solidFill>
-            <a:round/>
-            <a:extLst>
-              <a:ext uri="{C807C97D-BFC1-408E-A445-0C87EB9F89A2}">
-                <ask:lineSketchStyleProps xmlns:ask="http://schemas.microsoft.com/office/drawing/2018/sketchyshapes" sd="1219033472">
-                  <a:prstGeom prst="rect">
-                    <a:avLst/>
-                  </a:prstGeom>
-                  <ask:type>
-                    <ask:lineSketchFreehand/>
-                  </ask:type>
-                </ask:lineSketchStyleProps>
-              </a:ext>
-            </a:extLst>
-          </a:ln>
-        </p:spPr>
-        <p:style>
-          <a:lnRef idx="2">
-            <a:schemeClr val="accent1">
-              <a:shade val="50000"/>
-            </a:schemeClr>
-          </a:lnRef>
-          <a:fillRef idx="1">
-            <a:schemeClr val="accent1"/>
-          </a:fillRef>
-          <a:effectRef idx="0">
-            <a:schemeClr val="accent1"/>
-          </a:effectRef>
-          <a:fontRef idx="minor">
-            <a:schemeClr val="lt1"/>
-          </a:fontRef>
-        </p:style>
-        <p:txBody>
-          <a:bodyPr rtlCol="0" anchor="ctr"/>
-          <a:lstStyle/>
-          <a:p>
-            <a:pPr algn="ctr"/>
-            <a:endParaRPr lang="en-US"/>
-          </a:p>
-        </p:txBody>
-      </p:sp>
-      <p:sp>
-        <p:nvSpPr>
-          <p:cNvPr id="3" name="Content Placeholder 2">
-            <a:extLst>
-              <a:ext uri="{FF2B5EF4-FFF2-40B4-BE49-F238E27FC236}">
-                <a16:creationId xmlns:a16="http://schemas.microsoft.com/office/drawing/2014/main" id="{2BA1F701-431B-550C-E337-19CABFA7F1D4}"/>
-              </a:ext>
-            </a:extLst>
-          </p:cNvPr>
-          <p:cNvSpPr>
-            <a:spLocks noGrp="1"/>
-          </p:cNvSpPr>
-          <p:nvPr>
-            <p:ph idx="1"/>
-          </p:nvPr>
-        </p:nvSpPr>
-        <p:spPr>
-          <a:xfrm>
-            <a:off x="5126418" y="552091"/>
-            <a:ext cx="6224335" cy="5431536"/>
-          </a:xfrm>
-        </p:spPr>
-        <p:txBody>
-          <a:bodyPr anchor="ctr">
-            <a:normAutofit/>
-          </a:bodyPr>
-          <a:lstStyle/>
-          <a:p>
-            <a:pPr marL="342900" lvl="0" indent="-342900" rtl="0">
-              <a:spcAft>
-                <a:spcPts val="800"/>
-              </a:spcAft>
-              <a:buSzPts val="1000"/>
-              <a:buFont typeface="Symbol" panose="05050102010706020507" pitchFamily="18" charset="2"/>
-              <a:buChar char=""/>
-              <a:tabLst>
-                <a:tab pos="457200" algn="l"/>
-                <a:tab pos="685800" algn="l"/>
-              </a:tabLst>
-            </a:pPr>
-            <a:r>
-              <a:rPr lang="en-US" sz="2200" b="1" kern="100">
-                <a:effectLst/>
-                <a:latin typeface="Calibri" panose="020F0502020204030204" pitchFamily="34" charset="0"/>
-                <a:ea typeface="Calibri" panose="020F0502020204030204" pitchFamily="34" charset="0"/>
-                <a:cs typeface="Arial" panose="020B0604020202020204" pitchFamily="34" charset="0"/>
-              </a:rPr>
-              <a:t>Examination of Web-Based Workflow Tools:</a:t>
-            </a:r>
-            <a:endParaRPr lang="en-IL" sz="2200" kern="100">
-              <a:effectLst/>
-              <a:latin typeface="Calibri" panose="020F0502020204030204" pitchFamily="34" charset="0"/>
-              <a:ea typeface="Calibri" panose="020F0502020204030204" pitchFamily="34" charset="0"/>
-              <a:cs typeface="Arial" panose="020B0604020202020204" pitchFamily="34" charset="0"/>
-            </a:endParaRPr>
-          </a:p>
-          <a:p>
-            <a:pPr marL="742950" lvl="1" indent="-285750">
-              <a:spcAft>
-                <a:spcPts val="800"/>
-              </a:spcAft>
-              <a:buSzPts val="1000"/>
-              <a:buFont typeface="Symbol" panose="05050102010706020507" pitchFamily="18" charset="2"/>
-              <a:buChar char=""/>
-              <a:tabLst>
-                <a:tab pos="914400" algn="l"/>
-                <a:tab pos="1143000" algn="l"/>
-              </a:tabLst>
-            </a:pPr>
-            <a:r>
-              <a:rPr lang="en-US" sz="2200" kern="100">
-                <a:effectLst/>
-                <a:latin typeface="Calibri" panose="020F0502020204030204" pitchFamily="34" charset="0"/>
-                <a:ea typeface="Calibri" panose="020F0502020204030204" pitchFamily="34" charset="0"/>
-                <a:cs typeface="Arial" panose="020B0604020202020204" pitchFamily="34" charset="0"/>
-              </a:rPr>
-              <a:t>Investigate popular web-based workflow management tools.</a:t>
-            </a:r>
-            <a:endParaRPr lang="en-IL" sz="2200" kern="100">
-              <a:effectLst/>
-              <a:latin typeface="Calibri" panose="020F0502020204030204" pitchFamily="34" charset="0"/>
-              <a:ea typeface="Calibri" panose="020F0502020204030204" pitchFamily="34" charset="0"/>
-              <a:cs typeface="Arial" panose="020B0604020202020204" pitchFamily="34" charset="0"/>
-            </a:endParaRPr>
-          </a:p>
-          <a:p>
-            <a:pPr marL="742950" lvl="1" indent="-285750">
-              <a:spcAft>
-                <a:spcPts val="800"/>
-              </a:spcAft>
-              <a:buSzPts val="1000"/>
-              <a:buFont typeface="Symbol" panose="05050102010706020507" pitchFamily="18" charset="2"/>
-              <a:buChar char=""/>
-              <a:tabLst>
-                <a:tab pos="914400" algn="l"/>
-                <a:tab pos="1143000" algn="l"/>
-              </a:tabLst>
-            </a:pPr>
-            <a:r>
-              <a:rPr lang="en-US" sz="2200" kern="100">
-                <a:effectLst/>
-                <a:latin typeface="Calibri" panose="020F0502020204030204" pitchFamily="34" charset="0"/>
-                <a:ea typeface="Calibri" panose="020F0502020204030204" pitchFamily="34" charset="0"/>
-                <a:cs typeface="Arial" panose="020B0604020202020204" pitchFamily="34" charset="0"/>
-              </a:rPr>
-              <a:t>Assess their capabilities for role-based dashboards and task distribution.</a:t>
-            </a:r>
-            <a:endParaRPr lang="en-IL" sz="2200" kern="100">
-              <a:effectLst/>
-              <a:latin typeface="Calibri" panose="020F0502020204030204" pitchFamily="34" charset="0"/>
-              <a:ea typeface="Calibri" panose="020F0502020204030204" pitchFamily="34" charset="0"/>
-              <a:cs typeface="Arial" panose="020B0604020202020204" pitchFamily="34" charset="0"/>
-            </a:endParaRPr>
-          </a:p>
-          <a:p>
-            <a:pPr marL="342900" lvl="0" indent="-342900">
-              <a:spcAft>
-                <a:spcPts val="800"/>
-              </a:spcAft>
-              <a:buSzPts val="1000"/>
-              <a:buFont typeface="Symbol" panose="05050102010706020507" pitchFamily="18" charset="2"/>
-              <a:buChar char=""/>
-              <a:tabLst>
-                <a:tab pos="685800" algn="l"/>
-              </a:tabLst>
-            </a:pPr>
-            <a:r>
-              <a:rPr lang="en-US" sz="2200" b="1" kern="100">
-                <a:effectLst/>
-                <a:latin typeface="Calibri" panose="020F0502020204030204" pitchFamily="34" charset="0"/>
-                <a:ea typeface="Calibri" panose="020F0502020204030204" pitchFamily="34" charset="0"/>
-                <a:cs typeface="Arial" panose="020B0604020202020204" pitchFamily="34" charset="0"/>
-              </a:rPr>
-              <a:t>Algorithmic Task Distribution:</a:t>
-            </a:r>
-            <a:endParaRPr lang="en-IL" sz="2200" kern="100">
-              <a:effectLst/>
-              <a:latin typeface="Calibri" panose="020F0502020204030204" pitchFamily="34" charset="0"/>
-              <a:ea typeface="Calibri" panose="020F0502020204030204" pitchFamily="34" charset="0"/>
-              <a:cs typeface="Arial" panose="020B0604020202020204" pitchFamily="34" charset="0"/>
-            </a:endParaRPr>
-          </a:p>
-          <a:p>
-            <a:r>
-              <a:rPr lang="en-US" sz="2200">
-                <a:effectLst/>
-                <a:latin typeface="Calibri" panose="020F0502020204030204" pitchFamily="34" charset="0"/>
-                <a:ea typeface="Calibri" panose="020F0502020204030204" pitchFamily="34" charset="0"/>
-                <a:cs typeface="Arial" panose="020B0604020202020204" pitchFamily="34" charset="0"/>
-              </a:rPr>
-              <a:t>Research and develop a preliminary algorithm for task distribution</a:t>
-            </a:r>
-            <a:endParaRPr lang="en-IL" sz="2200"/>
-          </a:p>
-        </p:txBody>
-      </p:sp>
-    </p:spTree>
-    <p:extLst>
-      <p:ext uri="{BB962C8B-B14F-4D97-AF65-F5344CB8AC3E}">
-        <p14:creationId xmlns:p14="http://schemas.microsoft.com/office/powerpoint/2010/main" val="112776302"/>
       </p:ext>
     </p:extLst>
   </p:cSld>
@@ -28506,6 +30539,321 @@
 </a:theme>
 </file>
 
+<file path=ppt/theme/theme2.xml><?xml version="1.0" encoding="utf-8"?>
+<a:theme xmlns:a="http://schemas.openxmlformats.org/drawingml/2006/main" name="Office Theme">
+  <a:themeElements>
+    <a:clrScheme name="Office">
+      <a:dk1>
+        <a:sysClr val="windowText" lastClr="000000"/>
+      </a:dk1>
+      <a:lt1>
+        <a:sysClr val="window" lastClr="FFFFFF"/>
+      </a:lt1>
+      <a:dk2>
+        <a:srgbClr val="0E2841"/>
+      </a:dk2>
+      <a:lt2>
+        <a:srgbClr val="E8E8E8"/>
+      </a:lt2>
+      <a:accent1>
+        <a:srgbClr val="156082"/>
+      </a:accent1>
+      <a:accent2>
+        <a:srgbClr val="E97132"/>
+      </a:accent2>
+      <a:accent3>
+        <a:srgbClr val="196B24"/>
+      </a:accent3>
+      <a:accent4>
+        <a:srgbClr val="0F9ED5"/>
+      </a:accent4>
+      <a:accent5>
+        <a:srgbClr val="A02B93"/>
+      </a:accent5>
+      <a:accent6>
+        <a:srgbClr val="4EA72E"/>
+      </a:accent6>
+      <a:hlink>
+        <a:srgbClr val="467886"/>
+      </a:hlink>
+      <a:folHlink>
+        <a:srgbClr val="96607D"/>
+      </a:folHlink>
+    </a:clrScheme>
+    <a:fontScheme name="Office">
+      <a:majorFont>
+        <a:latin typeface="Aptos Display" panose="02110004020202020204"/>
+        <a:ea typeface=""/>
+        <a:cs typeface=""/>
+        <a:font script="Jpan" typeface="游ゴシック Light"/>
+        <a:font script="Hang" typeface="맑은 고딕"/>
+        <a:font script="Hans" typeface="等线 Light"/>
+        <a:font script="Hant" typeface="新細明體"/>
+        <a:font script="Arab" typeface="Times New Roman"/>
+        <a:font script="Hebr" typeface="Times New Roman"/>
+        <a:font script="Thai" typeface="Angsana New"/>
+        <a:font script="Ethi" typeface="Nyala"/>
+        <a:font script="Beng" typeface="Vrinda"/>
+        <a:font script="Gujr" typeface="Shruti"/>
+        <a:font script="Khmr" typeface="MoolBoran"/>
+        <a:font script="Knda" typeface="Tunga"/>
+        <a:font script="Guru" typeface="Raavi"/>
+        <a:font script="Cans" typeface="Euphemia"/>
+        <a:font script="Cher" typeface="Plantagenet Cherokee"/>
+        <a:font script="Yiii" typeface="Microsoft Yi Baiti"/>
+        <a:font script="Tibt" typeface="Microsoft Himalaya"/>
+        <a:font script="Thaa" typeface="MV Boli"/>
+        <a:font script="Deva" typeface="Mangal"/>
+        <a:font script="Telu" typeface="Gautami"/>
+        <a:font script="Taml" typeface="Latha"/>
+        <a:font script="Syrc" typeface="Estrangelo Edessa"/>
+        <a:font script="Orya" typeface="Kalinga"/>
+        <a:font script="Mlym" typeface="Kartika"/>
+        <a:font script="Laoo" typeface="DokChampa"/>
+        <a:font script="Sinh" typeface="Iskoola Pota"/>
+        <a:font script="Mong" typeface="Mongolian Baiti"/>
+        <a:font script="Viet" typeface="Times New Roman"/>
+        <a:font script="Uigh" typeface="Microsoft Uighur"/>
+        <a:font script="Geor" typeface="Sylfaen"/>
+        <a:font script="Armn" typeface="Arial"/>
+        <a:font script="Bugi" typeface="Leelawadee UI"/>
+        <a:font script="Bopo" typeface="Microsoft JhengHei"/>
+        <a:font script="Java" typeface="Javanese Text"/>
+        <a:font script="Lisu" typeface="Segoe UI"/>
+        <a:font script="Mymr" typeface="Myanmar Text"/>
+        <a:font script="Nkoo" typeface="Ebrima"/>
+        <a:font script="Olck" typeface="Nirmala UI"/>
+        <a:font script="Osma" typeface="Ebrima"/>
+        <a:font script="Phag" typeface="Phagspa"/>
+        <a:font script="Syrn" typeface="Estrangelo Edessa"/>
+        <a:font script="Syrj" typeface="Estrangelo Edessa"/>
+        <a:font script="Syre" typeface="Estrangelo Edessa"/>
+        <a:font script="Sora" typeface="Nirmala UI"/>
+        <a:font script="Tale" typeface="Microsoft Tai Le"/>
+        <a:font script="Talu" typeface="Microsoft New Tai Lue"/>
+        <a:font script="Tfng" typeface="Ebrima"/>
+      </a:majorFont>
+      <a:minorFont>
+        <a:latin typeface="Aptos" panose="02110004020202020204"/>
+        <a:ea typeface=""/>
+        <a:cs typeface=""/>
+        <a:font script="Jpan" typeface="游ゴシック"/>
+        <a:font script="Hang" typeface="맑은 고딕"/>
+        <a:font script="Hans" typeface="等线"/>
+        <a:font script="Hant" typeface="新細明體"/>
+        <a:font script="Arab" typeface="Arial"/>
+        <a:font script="Hebr" typeface="Arial"/>
+        <a:font script="Thai" typeface="Cordia New"/>
+        <a:font script="Ethi" typeface="Nyala"/>
+        <a:font script="Beng" typeface="Vrinda"/>
+        <a:font script="Gujr" typeface="Shruti"/>
+        <a:font script="Khmr" typeface="DaunPenh"/>
+        <a:font script="Knda" typeface="Tunga"/>
+        <a:font script="Guru" typeface="Raavi"/>
+        <a:font script="Cans" typeface="Euphemia"/>
+        <a:font script="Cher" typeface="Plantagenet Cherokee"/>
+        <a:font script="Yiii" typeface="Microsoft Yi Baiti"/>
+        <a:font script="Tibt" typeface="Microsoft Himalaya"/>
+        <a:font script="Thaa" typeface="MV Boli"/>
+        <a:font script="Deva" typeface="Mangal"/>
+        <a:font script="Telu" typeface="Gautami"/>
+        <a:font script="Taml" typeface="Latha"/>
+        <a:font script="Syrc" typeface="Estrangelo Edessa"/>
+        <a:font script="Orya" typeface="Kalinga"/>
+        <a:font script="Mlym" typeface="Kartika"/>
+        <a:font script="Laoo" typeface="DokChampa"/>
+        <a:font script="Sinh" typeface="Iskoola Pota"/>
+        <a:font script="Mong" typeface="Mongolian Baiti"/>
+        <a:font script="Viet" typeface="Arial"/>
+        <a:font script="Uigh" typeface="Microsoft Uighur"/>
+        <a:font script="Geor" typeface="Sylfaen"/>
+        <a:font script="Armn" typeface="Arial"/>
+        <a:font script="Bugi" typeface="Leelawadee UI"/>
+        <a:font script="Bopo" typeface="Microsoft JhengHei"/>
+        <a:font script="Java" typeface="Javanese Text"/>
+        <a:font script="Lisu" typeface="Segoe UI"/>
+        <a:font script="Mymr" typeface="Myanmar Text"/>
+        <a:font script="Nkoo" typeface="Ebrima"/>
+        <a:font script="Olck" typeface="Nirmala UI"/>
+        <a:font script="Osma" typeface="Ebrima"/>
+        <a:font script="Phag" typeface="Phagspa"/>
+        <a:font script="Syrn" typeface="Estrangelo Edessa"/>
+        <a:font script="Syrj" typeface="Estrangelo Edessa"/>
+        <a:font script="Syre" typeface="Estrangelo Edessa"/>
+        <a:font script="Sora" typeface="Nirmala UI"/>
+        <a:font script="Tale" typeface="Microsoft Tai Le"/>
+        <a:font script="Talu" typeface="Microsoft New Tai Lue"/>
+        <a:font script="Tfng" typeface="Ebrima"/>
+      </a:minorFont>
+    </a:fontScheme>
+    <a:fmtScheme name="Office">
+      <a:fillStyleLst>
+        <a:solidFill>
+          <a:schemeClr val="phClr"/>
+        </a:solidFill>
+        <a:gradFill rotWithShape="1">
+          <a:gsLst>
+            <a:gs pos="0">
+              <a:schemeClr val="phClr">
+                <a:lumMod val="110000"/>
+                <a:satMod val="105000"/>
+                <a:tint val="67000"/>
+              </a:schemeClr>
+            </a:gs>
+            <a:gs pos="50000">
+              <a:schemeClr val="phClr">
+                <a:lumMod val="105000"/>
+                <a:satMod val="103000"/>
+                <a:tint val="73000"/>
+              </a:schemeClr>
+            </a:gs>
+            <a:gs pos="100000">
+              <a:schemeClr val="phClr">
+                <a:lumMod val="105000"/>
+                <a:satMod val="109000"/>
+                <a:tint val="81000"/>
+              </a:schemeClr>
+            </a:gs>
+          </a:gsLst>
+          <a:lin ang="5400000" scaled="0"/>
+        </a:gradFill>
+        <a:gradFill rotWithShape="1">
+          <a:gsLst>
+            <a:gs pos="0">
+              <a:schemeClr val="phClr">
+                <a:satMod val="103000"/>
+                <a:lumMod val="102000"/>
+                <a:tint val="94000"/>
+              </a:schemeClr>
+            </a:gs>
+            <a:gs pos="50000">
+              <a:schemeClr val="phClr">
+                <a:satMod val="110000"/>
+                <a:lumMod val="100000"/>
+                <a:shade val="100000"/>
+              </a:schemeClr>
+            </a:gs>
+            <a:gs pos="100000">
+              <a:schemeClr val="phClr">
+                <a:lumMod val="99000"/>
+                <a:satMod val="120000"/>
+                <a:shade val="78000"/>
+              </a:schemeClr>
+            </a:gs>
+          </a:gsLst>
+          <a:lin ang="5400000" scaled="0"/>
+        </a:gradFill>
+      </a:fillStyleLst>
+      <a:lnStyleLst>
+        <a:ln w="12700" cap="flat" cmpd="sng" algn="ctr">
+          <a:solidFill>
+            <a:schemeClr val="phClr"/>
+          </a:solidFill>
+          <a:prstDash val="solid"/>
+          <a:miter lim="800000"/>
+        </a:ln>
+        <a:ln w="19050" cap="flat" cmpd="sng" algn="ctr">
+          <a:solidFill>
+            <a:schemeClr val="phClr"/>
+          </a:solidFill>
+          <a:prstDash val="solid"/>
+          <a:miter lim="800000"/>
+        </a:ln>
+        <a:ln w="25400" cap="flat" cmpd="sng" algn="ctr">
+          <a:solidFill>
+            <a:schemeClr val="phClr"/>
+          </a:solidFill>
+          <a:prstDash val="solid"/>
+          <a:miter lim="800000"/>
+        </a:ln>
+      </a:lnStyleLst>
+      <a:effectStyleLst>
+        <a:effectStyle>
+          <a:effectLst/>
+        </a:effectStyle>
+        <a:effectStyle>
+          <a:effectLst/>
+        </a:effectStyle>
+        <a:effectStyle>
+          <a:effectLst>
+            <a:outerShdw blurRad="57150" dist="19050" dir="5400000" algn="ctr" rotWithShape="0">
+              <a:srgbClr val="000000">
+                <a:alpha val="63000"/>
+              </a:srgbClr>
+            </a:outerShdw>
+          </a:effectLst>
+        </a:effectStyle>
+      </a:effectStyleLst>
+      <a:bgFillStyleLst>
+        <a:solidFill>
+          <a:schemeClr val="phClr"/>
+        </a:solidFill>
+        <a:solidFill>
+          <a:schemeClr val="phClr">
+            <a:tint val="95000"/>
+            <a:satMod val="170000"/>
+          </a:schemeClr>
+        </a:solidFill>
+        <a:gradFill rotWithShape="1">
+          <a:gsLst>
+            <a:gs pos="0">
+              <a:schemeClr val="phClr">
+                <a:tint val="93000"/>
+                <a:satMod val="150000"/>
+                <a:shade val="98000"/>
+                <a:lumMod val="102000"/>
+              </a:schemeClr>
+            </a:gs>
+            <a:gs pos="50000">
+              <a:schemeClr val="phClr">
+                <a:tint val="98000"/>
+                <a:satMod val="130000"/>
+                <a:shade val="90000"/>
+                <a:lumMod val="103000"/>
+              </a:schemeClr>
+            </a:gs>
+            <a:gs pos="100000">
+              <a:schemeClr val="phClr">
+                <a:shade val="63000"/>
+                <a:satMod val="120000"/>
+              </a:schemeClr>
+            </a:gs>
+          </a:gsLst>
+          <a:lin ang="5400000" scaled="0"/>
+        </a:gradFill>
+      </a:bgFillStyleLst>
+    </a:fmtScheme>
+  </a:themeElements>
+  <a:objectDefaults>
+    <a:lnDef>
+      <a:spPr/>
+      <a:bodyPr/>
+      <a:lstStyle/>
+      <a:style>
+        <a:lnRef idx="2">
+          <a:schemeClr val="accent1"/>
+        </a:lnRef>
+        <a:fillRef idx="0">
+          <a:schemeClr val="accent1"/>
+        </a:fillRef>
+        <a:effectRef idx="1">
+          <a:schemeClr val="accent1"/>
+        </a:effectRef>
+        <a:fontRef idx="minor">
+          <a:schemeClr val="tx1"/>
+        </a:fontRef>
+      </a:style>
+    </a:lnDef>
+  </a:objectDefaults>
+  <a:extraClrSchemeLst/>
+  <a:extLst>
+    <a:ext uri="{05A4C25C-085E-4340-85A3-A5531E510DB2}">
+      <thm15:themeFamily xmlns:thm15="http://schemas.microsoft.com/office/thememl/2012/main" name="Office Theme" id="{2E142A2C-CD16-42D6-873A-C26D2A0506FA}" vid="{1BDDFF52-6CD6-40A5-AB3C-68EB2F1E4D0A}"/>
+    </a:ext>
+  </a:extLst>
+</a:theme>
+</file>
+
 <file path=docMetadata/LabelInfo.xml><?xml version="1.0" encoding="utf-8"?>
 <clbl:labelList xmlns:clbl="http://schemas.microsoft.com/office/2020/mipLabelMetadata">
   <clbl:label id="{f42aa342-8706-4288-bd11-ebb85995028c}" enabled="1" method="Standard" siteId="{72f988bf-86f1-41af-91ab-2d7cd011db47}" contentBits="0" removed="0"/>

--- a/docs/Proof of concept presentation.pptx
+++ b/docs/Proof of concept presentation.pptx
@@ -5,7 +5,7 @@
     <p:sldMasterId id="2147483648" r:id="rId1"/>
   </p:sldMasterIdLst>
   <p:notesMasterIdLst>
-    <p:notesMasterId r:id="rId16"/>
+    <p:notesMasterId r:id="rId17"/>
   </p:notesMasterIdLst>
   <p:sldIdLst>
     <p:sldId id="269" r:id="rId2"/>
@@ -21,7 +21,8 @@
     <p:sldId id="279" r:id="rId12"/>
     <p:sldId id="280" r:id="rId13"/>
     <p:sldId id="281" r:id="rId14"/>
-    <p:sldId id="282" r:id="rId15"/>
+    <p:sldId id="284" r:id="rId15"/>
+    <p:sldId id="282" r:id="rId16"/>
   </p:sldIdLst>
   <p:sldSz cx="12192000" cy="6858000"/>
   <p:notesSz cx="6858000" cy="9144000"/>
@@ -126,6 +127,1291 @@
     </p:ext>
   </p:extLst>
 </p:presentation>
+</file>
+
+<file path=ppt/charts/chart1.xml><?xml version="1.0" encoding="utf-8"?>
+<c:chartSpace xmlns:c="http://schemas.openxmlformats.org/drawingml/2006/chart" xmlns:a="http://schemas.openxmlformats.org/drawingml/2006/main" xmlns:r="http://schemas.openxmlformats.org/officeDocument/2006/relationships" xmlns:c16r2="http://schemas.microsoft.com/office/drawing/2015/06/chart">
+  <c:date1904 val="0"/>
+  <c:lang val="en-US"/>
+  <c:roundedCorners val="0"/>
+  <mc:AlternateContent xmlns:mc="http://schemas.openxmlformats.org/markup-compatibility/2006">
+    <mc:Choice xmlns:c14="http://schemas.microsoft.com/office/drawing/2007/8/2/chart" Requires="c14">
+      <c14:style val="102"/>
+    </mc:Choice>
+    <mc:Fallback>
+      <c:style val="2"/>
+    </mc:Fallback>
+  </mc:AlternateContent>
+  <c:chart>
+    <c:autoTitleDeleted val="0"/>
+    <c:plotArea>
+      <c:layout/>
+      <c:barChart>
+        <c:barDir val="bar"/>
+        <c:grouping val="stacked"/>
+        <c:varyColors val="0"/>
+        <c:ser>
+          <c:idx val="0"/>
+          <c:order val="0"/>
+          <c:tx>
+            <c:strRef>
+              <c:f>Sheet1!$B$1</c:f>
+              <c:strCache>
+                <c:ptCount val="1"/>
+                <c:pt idx="0">
+                  <c:v>Start date</c:v>
+                </c:pt>
+              </c:strCache>
+            </c:strRef>
+          </c:tx>
+          <c:spPr>
+            <a:noFill/>
+            <a:ln>
+              <a:noFill/>
+            </a:ln>
+            <a:effectLst/>
+          </c:spPr>
+          <c:invertIfNegative val="0"/>
+          <c:cat>
+            <c:strRef>
+              <c:f>Sheet1!$A$2:$A$18</c:f>
+              <c:strCache>
+                <c:ptCount val="17"/>
+                <c:pt idx="0">
+                  <c:v>Meta-question management</c:v>
+                </c:pt>
+                <c:pt idx="1">
+                  <c:v>Watch pending tasks</c:v>
+                </c:pt>
+                <c:pt idx="2">
+                  <c:v>Perform specific task</c:v>
+                </c:pt>
+                <c:pt idx="3">
+                  <c:v>Login page</c:v>
+                </c:pt>
+                <c:pt idx="4">
+                  <c:v>Role dependent dashboard + actions</c:v>
+                </c:pt>
+                <c:pt idx="5">
+                  <c:v>Appendices management (appendices + thir meta questions)</c:v>
+                </c:pt>
+                <c:pt idx="6">
+                  <c:v>Stem management (stems + their appendices + their meta questions) </c:v>
+                </c:pt>
+                <c:pt idx="7">
+                  <c:v>Maintain history (continue where left off)</c:v>
+                </c:pt>
+                <c:pt idx="8">
+                  <c:v>Question production</c:v>
+                </c:pt>
+                <c:pt idx="9">
+                  <c:v>Exam production</c:v>
+                </c:pt>
+                <c:pt idx="10">
+                  <c:v>Catalog production</c:v>
+                </c:pt>
+                <c:pt idx="11">
+                  <c:v>Version Control</c:v>
+                </c:pt>
+                <c:pt idx="12">
+                  <c:v>Ask for work</c:v>
+                </c:pt>
+                <c:pt idx="13">
+                  <c:v>Selection of meta-questions by keywords/substring</c:v>
+                </c:pt>
+                <c:pt idx="14">
+                  <c:v>Version Control</c:v>
+                </c:pt>
+                <c:pt idx="15">
+                  <c:v>Manual urgency control</c:v>
+                </c:pt>
+                <c:pt idx="16">
+                  <c:v>Automatic/Algorithmic urgency control</c:v>
+                </c:pt>
+              </c:strCache>
+            </c:strRef>
+          </c:cat>
+          <c:val>
+            <c:numRef>
+              <c:f>Sheet1!$B$2:$B$18</c:f>
+              <c:numCache>
+                <c:formatCode>m/d;@</c:formatCode>
+                <c:ptCount val="17"/>
+                <c:pt idx="0">
+                  <c:v>45328</c:v>
+                </c:pt>
+                <c:pt idx="1">
+                  <c:v>45335</c:v>
+                </c:pt>
+                <c:pt idx="2">
+                  <c:v>45339</c:v>
+                </c:pt>
+                <c:pt idx="3">
+                  <c:v>45343</c:v>
+                </c:pt>
+                <c:pt idx="4">
+                  <c:v>45347</c:v>
+                </c:pt>
+                <c:pt idx="5">
+                  <c:v>45352</c:v>
+                </c:pt>
+                <c:pt idx="6">
+                  <c:v>45357</c:v>
+                </c:pt>
+                <c:pt idx="7">
+                  <c:v>45362</c:v>
+                </c:pt>
+                <c:pt idx="8">
+                  <c:v>45365</c:v>
+                </c:pt>
+                <c:pt idx="9">
+                  <c:v>45370</c:v>
+                </c:pt>
+                <c:pt idx="10">
+                  <c:v>45373</c:v>
+                </c:pt>
+                <c:pt idx="11">
+                  <c:v>45376</c:v>
+                </c:pt>
+                <c:pt idx="12">
+                  <c:v>45379</c:v>
+                </c:pt>
+                <c:pt idx="13">
+                  <c:v>45384</c:v>
+                </c:pt>
+                <c:pt idx="14">
+                  <c:v>45386</c:v>
+                </c:pt>
+                <c:pt idx="15">
+                  <c:v>45390</c:v>
+                </c:pt>
+                <c:pt idx="16">
+                  <c:v>45397</c:v>
+                </c:pt>
+              </c:numCache>
+            </c:numRef>
+          </c:val>
+          <c:extLst>
+            <c:ext xmlns:c16="http://schemas.microsoft.com/office/drawing/2014/chart" uri="{C3380CC4-5D6E-409C-BE32-E72D297353CC}">
+              <c16:uniqueId val="{00000000-DF13-4D91-80C0-2A483676EA45}"/>
+            </c:ext>
+          </c:extLst>
+        </c:ser>
+        <c:ser>
+          <c:idx val="2"/>
+          <c:order val="2"/>
+          <c:tx>
+            <c:strRef>
+              <c:f>Sheet1!$D$1</c:f>
+              <c:strCache>
+                <c:ptCount val="1"/>
+                <c:pt idx="0">
+                  <c:v>Duration</c:v>
+                </c:pt>
+              </c:strCache>
+            </c:strRef>
+          </c:tx>
+          <c:spPr>
+            <a:solidFill>
+              <a:schemeClr val="accent3"/>
+            </a:solidFill>
+            <a:ln>
+              <a:noFill/>
+            </a:ln>
+            <a:effectLst/>
+          </c:spPr>
+          <c:invertIfNegative val="0"/>
+          <c:dLbls>
+            <c:spPr>
+              <a:noFill/>
+              <a:ln>
+                <a:noFill/>
+              </a:ln>
+              <a:effectLst/>
+            </c:spPr>
+            <c:txPr>
+              <a:bodyPr rot="0" spcFirstLastPara="1" vertOverflow="ellipsis" vert="horz" wrap="square" lIns="38100" tIns="19050" rIns="38100" bIns="19050" anchor="ctr" anchorCtr="1">
+                <a:spAutoFit/>
+              </a:bodyPr>
+              <a:lstStyle/>
+              <a:p>
+                <a:pPr>
+                  <a:defRPr sz="1197" b="0" i="0" u="none" strike="noStrike" kern="1200" baseline="0">
+                    <a:solidFill>
+                      <a:schemeClr val="tx1">
+                        <a:lumMod val="75000"/>
+                        <a:lumOff val="25000"/>
+                      </a:schemeClr>
+                    </a:solidFill>
+                    <a:latin typeface="+mn-lt"/>
+                    <a:ea typeface="+mn-ea"/>
+                    <a:cs typeface="+mn-cs"/>
+                  </a:defRPr>
+                </a:pPr>
+                <a:endParaRPr lang="en-IL"/>
+              </a:p>
+            </c:txPr>
+            <c:showLegendKey val="0"/>
+            <c:showVal val="1"/>
+            <c:showCatName val="0"/>
+            <c:showSerName val="0"/>
+            <c:showPercent val="0"/>
+            <c:showBubbleSize val="0"/>
+            <c:showLeaderLines val="0"/>
+            <c:extLst>
+              <c:ext xmlns:c15="http://schemas.microsoft.com/office/drawing/2012/chart" uri="{CE6537A1-D6FC-4f65-9D91-7224C49458BB}">
+                <c15:showLeaderLines val="1"/>
+                <c15:leaderLines>
+                  <c:spPr>
+                    <a:ln w="9525" cap="flat" cmpd="sng" algn="ctr">
+                      <a:solidFill>
+                        <a:schemeClr val="tx1">
+                          <a:lumMod val="35000"/>
+                          <a:lumOff val="65000"/>
+                        </a:schemeClr>
+                      </a:solidFill>
+                      <a:round/>
+                    </a:ln>
+                    <a:effectLst/>
+                  </c:spPr>
+                </c15:leaderLines>
+              </c:ext>
+            </c:extLst>
+          </c:dLbls>
+          <c:cat>
+            <c:strRef>
+              <c:f>Sheet1!$A$2:$A$18</c:f>
+              <c:strCache>
+                <c:ptCount val="17"/>
+                <c:pt idx="0">
+                  <c:v>Meta-question management</c:v>
+                </c:pt>
+                <c:pt idx="1">
+                  <c:v>Watch pending tasks</c:v>
+                </c:pt>
+                <c:pt idx="2">
+                  <c:v>Perform specific task</c:v>
+                </c:pt>
+                <c:pt idx="3">
+                  <c:v>Login page</c:v>
+                </c:pt>
+                <c:pt idx="4">
+                  <c:v>Role dependent dashboard + actions</c:v>
+                </c:pt>
+                <c:pt idx="5">
+                  <c:v>Appendices management (appendices + thir meta questions)</c:v>
+                </c:pt>
+                <c:pt idx="6">
+                  <c:v>Stem management (stems + their appendices + their meta questions) </c:v>
+                </c:pt>
+                <c:pt idx="7">
+                  <c:v>Maintain history (continue where left off)</c:v>
+                </c:pt>
+                <c:pt idx="8">
+                  <c:v>Question production</c:v>
+                </c:pt>
+                <c:pt idx="9">
+                  <c:v>Exam production</c:v>
+                </c:pt>
+                <c:pt idx="10">
+                  <c:v>Catalog production</c:v>
+                </c:pt>
+                <c:pt idx="11">
+                  <c:v>Version Control</c:v>
+                </c:pt>
+                <c:pt idx="12">
+                  <c:v>Ask for work</c:v>
+                </c:pt>
+                <c:pt idx="13">
+                  <c:v>Selection of meta-questions by keywords/substring</c:v>
+                </c:pt>
+                <c:pt idx="14">
+                  <c:v>Version Control</c:v>
+                </c:pt>
+                <c:pt idx="15">
+                  <c:v>Manual urgency control</c:v>
+                </c:pt>
+                <c:pt idx="16">
+                  <c:v>Automatic/Algorithmic urgency control</c:v>
+                </c:pt>
+              </c:strCache>
+            </c:strRef>
+          </c:cat>
+          <c:val>
+            <c:numRef>
+              <c:f>Sheet1!$D$2:$D$18</c:f>
+              <c:numCache>
+                <c:formatCode>General</c:formatCode>
+                <c:ptCount val="17"/>
+                <c:pt idx="0">
+                  <c:v>7</c:v>
+                </c:pt>
+                <c:pt idx="1">
+                  <c:v>4</c:v>
+                </c:pt>
+                <c:pt idx="2">
+                  <c:v>4</c:v>
+                </c:pt>
+                <c:pt idx="3">
+                  <c:v>4</c:v>
+                </c:pt>
+                <c:pt idx="4">
+                  <c:v>5</c:v>
+                </c:pt>
+                <c:pt idx="5">
+                  <c:v>5</c:v>
+                </c:pt>
+                <c:pt idx="6">
+                  <c:v>5</c:v>
+                </c:pt>
+                <c:pt idx="7">
+                  <c:v>3</c:v>
+                </c:pt>
+                <c:pt idx="8">
+                  <c:v>5</c:v>
+                </c:pt>
+                <c:pt idx="9">
+                  <c:v>3</c:v>
+                </c:pt>
+                <c:pt idx="10">
+                  <c:v>3</c:v>
+                </c:pt>
+                <c:pt idx="11">
+                  <c:v>3</c:v>
+                </c:pt>
+                <c:pt idx="12">
+                  <c:v>5</c:v>
+                </c:pt>
+                <c:pt idx="13">
+                  <c:v>2</c:v>
+                </c:pt>
+                <c:pt idx="14">
+                  <c:v>4</c:v>
+                </c:pt>
+                <c:pt idx="15">
+                  <c:v>7</c:v>
+                </c:pt>
+                <c:pt idx="16">
+                  <c:v>7</c:v>
+                </c:pt>
+              </c:numCache>
+            </c:numRef>
+          </c:val>
+          <c:extLst>
+            <c:ext xmlns:c16="http://schemas.microsoft.com/office/drawing/2014/chart" uri="{C3380CC4-5D6E-409C-BE32-E72D297353CC}">
+              <c16:uniqueId val="{00000002-DF13-4D91-80C0-2A483676EA45}"/>
+            </c:ext>
+          </c:extLst>
+        </c:ser>
+        <c:dLbls>
+          <c:showLegendKey val="0"/>
+          <c:showVal val="0"/>
+          <c:showCatName val="0"/>
+          <c:showSerName val="0"/>
+          <c:showPercent val="0"/>
+          <c:showBubbleSize val="0"/>
+        </c:dLbls>
+        <c:gapWidth val="150"/>
+        <c:overlap val="100"/>
+        <c:axId val="589457456"/>
+        <c:axId val="783900431"/>
+        <c:extLst>
+          <c:ext xmlns:c15="http://schemas.microsoft.com/office/drawing/2012/chart" uri="{02D57815-91ED-43cb-92C2-25804820EDAC}">
+            <c15:filteredBarSeries>
+              <c15:ser>
+                <c:idx val="1"/>
+                <c:order val="1"/>
+                <c:tx>
+                  <c:strRef>
+                    <c:extLst>
+                      <c:ext uri="{02D57815-91ED-43cb-92C2-25804820EDAC}">
+                        <c15:formulaRef>
+                          <c15:sqref>Sheet1!$C$1</c15:sqref>
+                        </c15:formulaRef>
+                      </c:ext>
+                    </c:extLst>
+                    <c:strCache>
+                      <c:ptCount val="1"/>
+                      <c:pt idx="0">
+                        <c:v>End date</c:v>
+                      </c:pt>
+                    </c:strCache>
+                  </c:strRef>
+                </c:tx>
+                <c:spPr>
+                  <a:solidFill>
+                    <a:schemeClr val="accent2"/>
+                  </a:solidFill>
+                  <a:ln>
+                    <a:noFill/>
+                  </a:ln>
+                  <a:effectLst/>
+                </c:spPr>
+                <c:invertIfNegative val="0"/>
+                <c:cat>
+                  <c:strRef>
+                    <c:extLst>
+                      <c:ext uri="{02D57815-91ED-43cb-92C2-25804820EDAC}">
+                        <c15:formulaRef>
+                          <c15:sqref>Sheet1!$A$2:$A$18</c15:sqref>
+                        </c15:formulaRef>
+                      </c:ext>
+                    </c:extLst>
+                    <c:strCache>
+                      <c:ptCount val="17"/>
+                      <c:pt idx="0">
+                        <c:v>Meta-question management</c:v>
+                      </c:pt>
+                      <c:pt idx="1">
+                        <c:v>Watch pending tasks</c:v>
+                      </c:pt>
+                      <c:pt idx="2">
+                        <c:v>Perform specific task</c:v>
+                      </c:pt>
+                      <c:pt idx="3">
+                        <c:v>Login page</c:v>
+                      </c:pt>
+                      <c:pt idx="4">
+                        <c:v>Role dependent dashboard + actions</c:v>
+                      </c:pt>
+                      <c:pt idx="5">
+                        <c:v>Appendices management (appendices + thir meta questions)</c:v>
+                      </c:pt>
+                      <c:pt idx="6">
+                        <c:v>Stem management (stems + their appendices + their meta questions) </c:v>
+                      </c:pt>
+                      <c:pt idx="7">
+                        <c:v>Maintain history (continue where left off)</c:v>
+                      </c:pt>
+                      <c:pt idx="8">
+                        <c:v>Question production</c:v>
+                      </c:pt>
+                      <c:pt idx="9">
+                        <c:v>Exam production</c:v>
+                      </c:pt>
+                      <c:pt idx="10">
+                        <c:v>Catalog production</c:v>
+                      </c:pt>
+                      <c:pt idx="11">
+                        <c:v>Version Control</c:v>
+                      </c:pt>
+                      <c:pt idx="12">
+                        <c:v>Ask for work</c:v>
+                      </c:pt>
+                      <c:pt idx="13">
+                        <c:v>Selection of meta-questions by keywords/substring</c:v>
+                      </c:pt>
+                      <c:pt idx="14">
+                        <c:v>Version Control</c:v>
+                      </c:pt>
+                      <c:pt idx="15">
+                        <c:v>Manual urgency control</c:v>
+                      </c:pt>
+                      <c:pt idx="16">
+                        <c:v>Automatic/Algorithmic urgency control</c:v>
+                      </c:pt>
+                    </c:strCache>
+                  </c:strRef>
+                </c:cat>
+                <c:val>
+                  <c:numRef>
+                    <c:extLst>
+                      <c:ext uri="{02D57815-91ED-43cb-92C2-25804820EDAC}">
+                        <c15:formulaRef>
+                          <c15:sqref>Sheet1!$C$2:$C$18</c15:sqref>
+                        </c15:formulaRef>
+                      </c:ext>
+                    </c:extLst>
+                    <c:numCache>
+                      <c:formatCode>m/d;@</c:formatCode>
+                      <c:ptCount val="17"/>
+                      <c:pt idx="0">
+                        <c:v>45335</c:v>
+                      </c:pt>
+                      <c:pt idx="1">
+                        <c:v>45339</c:v>
+                      </c:pt>
+                      <c:pt idx="2">
+                        <c:v>45343</c:v>
+                      </c:pt>
+                      <c:pt idx="3">
+                        <c:v>45347</c:v>
+                      </c:pt>
+                      <c:pt idx="4">
+                        <c:v>45352</c:v>
+                      </c:pt>
+                      <c:pt idx="5">
+                        <c:v>45357</c:v>
+                      </c:pt>
+                      <c:pt idx="6">
+                        <c:v>45362</c:v>
+                      </c:pt>
+                      <c:pt idx="7">
+                        <c:v>45365</c:v>
+                      </c:pt>
+                      <c:pt idx="8">
+                        <c:v>45370</c:v>
+                      </c:pt>
+                      <c:pt idx="9">
+                        <c:v>45373</c:v>
+                      </c:pt>
+                      <c:pt idx="10">
+                        <c:v>45376</c:v>
+                      </c:pt>
+                      <c:pt idx="11">
+                        <c:v>45379</c:v>
+                      </c:pt>
+                      <c:pt idx="12">
+                        <c:v>45384</c:v>
+                      </c:pt>
+                      <c:pt idx="13">
+                        <c:v>45386</c:v>
+                      </c:pt>
+                      <c:pt idx="14">
+                        <c:v>45390</c:v>
+                      </c:pt>
+                      <c:pt idx="15">
+                        <c:v>45397</c:v>
+                      </c:pt>
+                      <c:pt idx="16">
+                        <c:v>45404</c:v>
+                      </c:pt>
+                    </c:numCache>
+                  </c:numRef>
+                </c:val>
+                <c:extLst>
+                  <c:ext xmlns:c16="http://schemas.microsoft.com/office/drawing/2014/chart" uri="{C3380CC4-5D6E-409C-BE32-E72D297353CC}">
+                    <c16:uniqueId val="{00000001-DF13-4D91-80C0-2A483676EA45}"/>
+                  </c:ext>
+                </c:extLst>
+              </c15:ser>
+            </c15:filteredBarSeries>
+          </c:ext>
+        </c:extLst>
+      </c:barChart>
+      <c:catAx>
+        <c:axId val="589457456"/>
+        <c:scaling>
+          <c:orientation val="maxMin"/>
+        </c:scaling>
+        <c:delete val="0"/>
+        <c:axPos val="l"/>
+        <c:numFmt formatCode="General" sourceLinked="1"/>
+        <c:majorTickMark val="none"/>
+        <c:minorTickMark val="none"/>
+        <c:tickLblPos val="nextTo"/>
+        <c:spPr>
+          <a:noFill/>
+          <a:ln w="9525" cap="flat" cmpd="sng" algn="ctr">
+            <a:solidFill>
+              <a:schemeClr val="tx1">
+                <a:lumMod val="15000"/>
+                <a:lumOff val="85000"/>
+              </a:schemeClr>
+            </a:solidFill>
+            <a:round/>
+          </a:ln>
+          <a:effectLst/>
+        </c:spPr>
+        <c:txPr>
+          <a:bodyPr rot="-60000000" spcFirstLastPara="1" vertOverflow="ellipsis" vert="horz" wrap="square" anchor="ctr" anchorCtr="1"/>
+          <a:lstStyle/>
+          <a:p>
+            <a:pPr>
+              <a:defRPr sz="1197" b="0" i="0" u="none" strike="noStrike" kern="1200" baseline="0">
+                <a:solidFill>
+                  <a:schemeClr val="tx1">
+                    <a:lumMod val="65000"/>
+                    <a:lumOff val="35000"/>
+                  </a:schemeClr>
+                </a:solidFill>
+                <a:latin typeface="+mn-lt"/>
+                <a:ea typeface="+mn-ea"/>
+                <a:cs typeface="+mn-cs"/>
+              </a:defRPr>
+            </a:pPr>
+            <a:endParaRPr lang="en-IL"/>
+          </a:p>
+        </c:txPr>
+        <c:crossAx val="783900431"/>
+        <c:crosses val="autoZero"/>
+        <c:auto val="1"/>
+        <c:lblAlgn val="ctr"/>
+        <c:lblOffset val="100"/>
+        <c:noMultiLvlLbl val="0"/>
+      </c:catAx>
+      <c:valAx>
+        <c:axId val="783900431"/>
+        <c:scaling>
+          <c:orientation val="minMax"/>
+        </c:scaling>
+        <c:delete val="0"/>
+        <c:axPos val="t"/>
+        <c:majorGridlines>
+          <c:spPr>
+            <a:ln w="9525" cap="flat" cmpd="sng" algn="ctr">
+              <a:solidFill>
+                <a:schemeClr val="tx1">
+                  <a:lumMod val="15000"/>
+                  <a:lumOff val="85000"/>
+                </a:schemeClr>
+              </a:solidFill>
+              <a:round/>
+            </a:ln>
+            <a:effectLst/>
+          </c:spPr>
+        </c:majorGridlines>
+        <c:numFmt formatCode="m/d;@" sourceLinked="1"/>
+        <c:majorTickMark val="none"/>
+        <c:minorTickMark val="none"/>
+        <c:tickLblPos val="nextTo"/>
+        <c:spPr>
+          <a:noFill/>
+          <a:ln>
+            <a:noFill/>
+          </a:ln>
+          <a:effectLst/>
+        </c:spPr>
+        <c:txPr>
+          <a:bodyPr rot="-60000000" spcFirstLastPara="1" vertOverflow="ellipsis" vert="horz" wrap="square" anchor="ctr" anchorCtr="1"/>
+          <a:lstStyle/>
+          <a:p>
+            <a:pPr>
+              <a:defRPr sz="1197" b="0" i="0" u="none" strike="noStrike" kern="1200" baseline="0">
+                <a:solidFill>
+                  <a:schemeClr val="tx1">
+                    <a:lumMod val="65000"/>
+                    <a:lumOff val="35000"/>
+                  </a:schemeClr>
+                </a:solidFill>
+                <a:latin typeface="+mn-lt"/>
+                <a:ea typeface="+mn-ea"/>
+                <a:cs typeface="+mn-cs"/>
+              </a:defRPr>
+            </a:pPr>
+            <a:endParaRPr lang="en-IL"/>
+          </a:p>
+        </c:txPr>
+        <c:crossAx val="589457456"/>
+        <c:crosses val="autoZero"/>
+        <c:crossBetween val="between"/>
+      </c:valAx>
+      <c:spPr>
+        <a:noFill/>
+        <a:ln>
+          <a:noFill/>
+        </a:ln>
+        <a:effectLst/>
+      </c:spPr>
+    </c:plotArea>
+    <c:legend>
+      <c:legendPos val="b"/>
+      <c:overlay val="0"/>
+      <c:spPr>
+        <a:noFill/>
+        <a:ln>
+          <a:noFill/>
+        </a:ln>
+        <a:effectLst/>
+      </c:spPr>
+      <c:txPr>
+        <a:bodyPr rot="0" spcFirstLastPara="1" vertOverflow="ellipsis" vert="horz" wrap="square" anchor="ctr" anchorCtr="1"/>
+        <a:lstStyle/>
+        <a:p>
+          <a:pPr>
+            <a:defRPr sz="1197" b="0" i="0" u="none" strike="noStrike" kern="1200" baseline="0">
+              <a:solidFill>
+                <a:schemeClr val="tx1">
+                  <a:lumMod val="65000"/>
+                  <a:lumOff val="35000"/>
+                </a:schemeClr>
+              </a:solidFill>
+              <a:latin typeface="+mn-lt"/>
+              <a:ea typeface="+mn-ea"/>
+              <a:cs typeface="+mn-cs"/>
+            </a:defRPr>
+          </a:pPr>
+          <a:endParaRPr lang="en-IL"/>
+        </a:p>
+      </c:txPr>
+    </c:legend>
+    <c:plotVisOnly val="1"/>
+    <c:dispBlanksAs val="gap"/>
+    <c:extLst>
+      <c:ext xmlns:c16r3="http://schemas.microsoft.com/office/drawing/2017/03/chart" uri="{56B9EC1D-385E-4148-901F-78D8002777C0}">
+        <c16r3:dataDisplayOptions16>
+          <c16r3:dispNaAsBlank val="1"/>
+        </c16r3:dataDisplayOptions16>
+      </c:ext>
+    </c:extLst>
+    <c:showDLblsOverMax val="0"/>
+  </c:chart>
+  <c:spPr>
+    <a:noFill/>
+    <a:ln>
+      <a:noFill/>
+    </a:ln>
+    <a:effectLst/>
+  </c:spPr>
+  <c:txPr>
+    <a:bodyPr/>
+    <a:lstStyle/>
+    <a:p>
+      <a:pPr>
+        <a:defRPr/>
+      </a:pPr>
+      <a:endParaRPr lang="en-IL"/>
+    </a:p>
+  </c:txPr>
+  <c:externalData r:id="rId3">
+    <c:autoUpdate val="0"/>
+  </c:externalData>
+</c:chartSpace>
+</file>
+
+<file path=ppt/charts/colors1.xml><?xml version="1.0" encoding="utf-8"?>
+<cs:colorStyle xmlns:cs="http://schemas.microsoft.com/office/drawing/2012/chartStyle" xmlns:a="http://schemas.openxmlformats.org/drawingml/2006/main" meth="cycle" id="10">
+  <a:schemeClr val="accent1"/>
+  <a:schemeClr val="accent2"/>
+  <a:schemeClr val="accent3"/>
+  <a:schemeClr val="accent4"/>
+  <a:schemeClr val="accent5"/>
+  <a:schemeClr val="accent6"/>
+  <cs:variation/>
+  <cs:variation>
+    <a:lumMod val="60000"/>
+  </cs:variation>
+  <cs:variation>
+    <a:lumMod val="80000"/>
+    <a:lumOff val="20000"/>
+  </cs:variation>
+  <cs:variation>
+    <a:lumMod val="80000"/>
+  </cs:variation>
+  <cs:variation>
+    <a:lumMod val="60000"/>
+    <a:lumOff val="40000"/>
+  </cs:variation>
+  <cs:variation>
+    <a:lumMod val="50000"/>
+  </cs:variation>
+  <cs:variation>
+    <a:lumMod val="70000"/>
+    <a:lumOff val="30000"/>
+  </cs:variation>
+  <cs:variation>
+    <a:lumMod val="70000"/>
+  </cs:variation>
+  <cs:variation>
+    <a:lumMod val="50000"/>
+    <a:lumOff val="50000"/>
+  </cs:variation>
+</cs:colorStyle>
+</file>
+
+<file path=ppt/charts/style1.xml><?xml version="1.0" encoding="utf-8"?>
+<cs:chartStyle xmlns:cs="http://schemas.microsoft.com/office/drawing/2012/chartStyle" xmlns:a="http://schemas.openxmlformats.org/drawingml/2006/main" id="297">
+  <cs:axisTitle>
+    <cs:lnRef idx="0"/>
+    <cs:fillRef idx="0"/>
+    <cs:effectRef idx="0"/>
+    <cs:fontRef idx="minor">
+      <a:schemeClr val="tx1">
+        <a:lumMod val="65000"/>
+        <a:lumOff val="35000"/>
+      </a:schemeClr>
+    </cs:fontRef>
+    <cs:defRPr sz="1330" kern="1200"/>
+  </cs:axisTitle>
+  <cs:categoryAxis>
+    <cs:lnRef idx="0"/>
+    <cs:fillRef idx="0"/>
+    <cs:effectRef idx="0"/>
+    <cs:fontRef idx="minor">
+      <a:schemeClr val="tx1">
+        <a:lumMod val="65000"/>
+        <a:lumOff val="35000"/>
+      </a:schemeClr>
+    </cs:fontRef>
+    <cs:spPr>
+      <a:ln w="9525" cap="flat" cmpd="sng" algn="ctr">
+        <a:solidFill>
+          <a:schemeClr val="tx1">
+            <a:lumMod val="15000"/>
+            <a:lumOff val="85000"/>
+          </a:schemeClr>
+        </a:solidFill>
+        <a:round/>
+      </a:ln>
+    </cs:spPr>
+    <cs:defRPr sz="1197" kern="1200"/>
+  </cs:categoryAxis>
+  <cs:chartArea mods="allowNoFillOverride allowNoLineOverride">
+    <cs:lnRef idx="0"/>
+    <cs:fillRef idx="0"/>
+    <cs:effectRef idx="0"/>
+    <cs:fontRef idx="minor">
+      <a:schemeClr val="tx1"/>
+    </cs:fontRef>
+    <cs:spPr>
+      <a:solidFill>
+        <a:schemeClr val="bg1"/>
+      </a:solidFill>
+      <a:ln w="9525" cap="flat" cmpd="sng" algn="ctr">
+        <a:solidFill>
+          <a:schemeClr val="tx1">
+            <a:lumMod val="15000"/>
+            <a:lumOff val="85000"/>
+          </a:schemeClr>
+        </a:solidFill>
+        <a:round/>
+      </a:ln>
+    </cs:spPr>
+    <cs:defRPr sz="1330" kern="1200"/>
+  </cs:chartArea>
+  <cs:dataLabel>
+    <cs:lnRef idx="0"/>
+    <cs:fillRef idx="0"/>
+    <cs:effectRef idx="0"/>
+    <cs:fontRef idx="minor">
+      <a:schemeClr val="tx1">
+        <a:lumMod val="75000"/>
+        <a:lumOff val="25000"/>
+      </a:schemeClr>
+    </cs:fontRef>
+    <cs:defRPr sz="1197" kern="1200"/>
+  </cs:dataLabel>
+  <cs:dataLabelCallout>
+    <cs:lnRef idx="0"/>
+    <cs:fillRef idx="0"/>
+    <cs:effectRef idx="0"/>
+    <cs:fontRef idx="minor">
+      <a:schemeClr val="dk1">
+        <a:lumMod val="65000"/>
+        <a:lumOff val="35000"/>
+      </a:schemeClr>
+    </cs:fontRef>
+    <cs:spPr>
+      <a:solidFill>
+        <a:schemeClr val="lt1"/>
+      </a:solidFill>
+      <a:ln>
+        <a:solidFill>
+          <a:schemeClr val="dk1">
+            <a:lumMod val="25000"/>
+            <a:lumOff val="75000"/>
+          </a:schemeClr>
+        </a:solidFill>
+      </a:ln>
+    </cs:spPr>
+    <cs:defRPr sz="1197" kern="1200"/>
+    <cs:bodyPr rot="0" spcFirstLastPara="1" vertOverflow="clip" horzOverflow="clip" vert="horz" wrap="square" lIns="36576" tIns="18288" rIns="36576" bIns="18288" anchor="ctr" anchorCtr="1">
+      <a:spAutoFit/>
+    </cs:bodyPr>
+  </cs:dataLabelCallout>
+  <cs:dataPoint>
+    <cs:lnRef idx="0"/>
+    <cs:fillRef idx="1">
+      <cs:styleClr val="auto"/>
+    </cs:fillRef>
+    <cs:effectRef idx="0"/>
+    <cs:fontRef idx="minor">
+      <a:schemeClr val="tx1"/>
+    </cs:fontRef>
+  </cs:dataPoint>
+  <cs:dataPoint3D>
+    <cs:lnRef idx="0"/>
+    <cs:fillRef idx="1">
+      <cs:styleClr val="auto"/>
+    </cs:fillRef>
+    <cs:effectRef idx="0"/>
+    <cs:fontRef idx="minor">
+      <a:schemeClr val="tx1"/>
+    </cs:fontRef>
+  </cs:dataPoint3D>
+  <cs:dataPointLine>
+    <cs:lnRef idx="0">
+      <cs:styleClr val="auto"/>
+    </cs:lnRef>
+    <cs:fillRef idx="1"/>
+    <cs:effectRef idx="0"/>
+    <cs:fontRef idx="minor">
+      <a:schemeClr val="tx1"/>
+    </cs:fontRef>
+    <cs:spPr>
+      <a:ln w="28575" cap="rnd">
+        <a:solidFill>
+          <a:schemeClr val="phClr"/>
+        </a:solidFill>
+        <a:round/>
+      </a:ln>
+    </cs:spPr>
+  </cs:dataPointLine>
+  <cs:dataPointMarker>
+    <cs:lnRef idx="0">
+      <cs:styleClr val="auto"/>
+    </cs:lnRef>
+    <cs:fillRef idx="1">
+      <cs:styleClr val="auto"/>
+    </cs:fillRef>
+    <cs:effectRef idx="0"/>
+    <cs:fontRef idx="minor">
+      <a:schemeClr val="tx1"/>
+    </cs:fontRef>
+    <cs:spPr>
+      <a:ln w="9525">
+        <a:solidFill>
+          <a:schemeClr val="phClr"/>
+        </a:solidFill>
+      </a:ln>
+    </cs:spPr>
+  </cs:dataPointMarker>
+  <cs:dataPointMarkerLayout symbol="circle" size="5"/>
+  <cs:dataPointWireframe>
+    <cs:lnRef idx="0">
+      <cs:styleClr val="auto"/>
+    </cs:lnRef>
+    <cs:fillRef idx="1"/>
+    <cs:effectRef idx="0"/>
+    <cs:fontRef idx="minor">
+      <a:schemeClr val="tx1"/>
+    </cs:fontRef>
+    <cs:spPr>
+      <a:ln w="9525" cap="rnd">
+        <a:solidFill>
+          <a:schemeClr val="phClr"/>
+        </a:solidFill>
+        <a:round/>
+      </a:ln>
+    </cs:spPr>
+  </cs:dataPointWireframe>
+  <cs:dataTable>
+    <cs:lnRef idx="0"/>
+    <cs:fillRef idx="0"/>
+    <cs:effectRef idx="0"/>
+    <cs:fontRef idx="minor">
+      <a:schemeClr val="tx1">
+        <a:lumMod val="65000"/>
+        <a:lumOff val="35000"/>
+      </a:schemeClr>
+    </cs:fontRef>
+    <cs:spPr>
+      <a:noFill/>
+      <a:ln w="9525" cap="flat" cmpd="sng" algn="ctr">
+        <a:solidFill>
+          <a:schemeClr val="tx1">
+            <a:lumMod val="15000"/>
+            <a:lumOff val="85000"/>
+          </a:schemeClr>
+        </a:solidFill>
+        <a:round/>
+      </a:ln>
+    </cs:spPr>
+    <cs:defRPr sz="1197" kern="1200"/>
+  </cs:dataTable>
+  <cs:downBar>
+    <cs:lnRef idx="0"/>
+    <cs:fillRef idx="0"/>
+    <cs:effectRef idx="0"/>
+    <cs:fontRef idx="minor">
+      <a:schemeClr val="tx1"/>
+    </cs:fontRef>
+    <cs:spPr>
+      <a:solidFill>
+        <a:schemeClr val="dk1">
+          <a:lumMod val="75000"/>
+          <a:lumOff val="25000"/>
+        </a:schemeClr>
+      </a:solidFill>
+      <a:ln w="9525" cap="flat" cmpd="sng" algn="ctr">
+        <a:solidFill>
+          <a:schemeClr val="tx1">
+            <a:lumMod val="65000"/>
+            <a:lumOff val="35000"/>
+          </a:schemeClr>
+        </a:solidFill>
+        <a:round/>
+      </a:ln>
+    </cs:spPr>
+  </cs:downBar>
+  <cs:dropLine>
+    <cs:lnRef idx="0"/>
+    <cs:fillRef idx="0"/>
+    <cs:effectRef idx="0"/>
+    <cs:fontRef idx="minor">
+      <a:schemeClr val="tx1"/>
+    </cs:fontRef>
+    <cs:spPr>
+      <a:ln w="9525" cap="flat" cmpd="sng" algn="ctr">
+        <a:solidFill>
+          <a:schemeClr val="tx1">
+            <a:lumMod val="35000"/>
+            <a:lumOff val="65000"/>
+          </a:schemeClr>
+        </a:solidFill>
+        <a:round/>
+      </a:ln>
+    </cs:spPr>
+  </cs:dropLine>
+  <cs:errorBar>
+    <cs:lnRef idx="0"/>
+    <cs:fillRef idx="0"/>
+    <cs:effectRef idx="0"/>
+    <cs:fontRef idx="minor">
+      <a:schemeClr val="tx1"/>
+    </cs:fontRef>
+    <cs:spPr>
+      <a:ln w="9525" cap="flat" cmpd="sng" algn="ctr">
+        <a:solidFill>
+          <a:schemeClr val="tx1">
+            <a:lumMod val="65000"/>
+            <a:lumOff val="35000"/>
+          </a:schemeClr>
+        </a:solidFill>
+        <a:round/>
+      </a:ln>
+    </cs:spPr>
+  </cs:errorBar>
+  <cs:floor>
+    <cs:lnRef idx="0"/>
+    <cs:fillRef idx="0"/>
+    <cs:effectRef idx="0"/>
+    <cs:fontRef idx="minor">
+      <a:schemeClr val="tx1"/>
+    </cs:fontRef>
+    <cs:spPr>
+      <a:noFill/>
+      <a:ln>
+        <a:noFill/>
+      </a:ln>
+    </cs:spPr>
+  </cs:floor>
+  <cs:gridlineMajor>
+    <cs:lnRef idx="0"/>
+    <cs:fillRef idx="0"/>
+    <cs:effectRef idx="0"/>
+    <cs:fontRef idx="minor">
+      <a:schemeClr val="tx1"/>
+    </cs:fontRef>
+    <cs:spPr>
+      <a:ln w="9525" cap="flat" cmpd="sng" algn="ctr">
+        <a:solidFill>
+          <a:schemeClr val="tx1">
+            <a:lumMod val="15000"/>
+            <a:lumOff val="85000"/>
+          </a:schemeClr>
+        </a:solidFill>
+        <a:round/>
+      </a:ln>
+    </cs:spPr>
+  </cs:gridlineMajor>
+  <cs:gridlineMinor>
+    <cs:lnRef idx="0"/>
+    <cs:fillRef idx="0"/>
+    <cs:effectRef idx="0"/>
+    <cs:fontRef idx="minor">
+      <a:schemeClr val="tx1"/>
+    </cs:fontRef>
+    <cs:spPr>
+      <a:ln w="9525" cap="flat" cmpd="sng" algn="ctr">
+        <a:solidFill>
+          <a:schemeClr val="tx1">
+            <a:lumMod val="5000"/>
+            <a:lumOff val="95000"/>
+          </a:schemeClr>
+        </a:solidFill>
+        <a:round/>
+      </a:ln>
+    </cs:spPr>
+  </cs:gridlineMinor>
+  <cs:hiLoLine>
+    <cs:lnRef idx="0"/>
+    <cs:fillRef idx="0"/>
+    <cs:effectRef idx="0"/>
+    <cs:fontRef idx="minor">
+      <a:schemeClr val="tx1"/>
+    </cs:fontRef>
+    <cs:spPr>
+      <a:ln w="9525" cap="flat" cmpd="sng" algn="ctr">
+        <a:solidFill>
+          <a:schemeClr val="tx1">
+            <a:lumMod val="50000"/>
+            <a:lumOff val="50000"/>
+          </a:schemeClr>
+        </a:solidFill>
+        <a:round/>
+      </a:ln>
+    </cs:spPr>
+  </cs:hiLoLine>
+  <cs:leaderLine>
+    <cs:lnRef idx="0"/>
+    <cs:fillRef idx="0"/>
+    <cs:effectRef idx="0"/>
+    <cs:fontRef idx="minor">
+      <a:schemeClr val="tx1"/>
+    </cs:fontRef>
+    <cs:spPr>
+      <a:ln w="9525" cap="flat" cmpd="sng" algn="ctr">
+        <a:solidFill>
+          <a:schemeClr val="tx1">
+            <a:lumMod val="35000"/>
+            <a:lumOff val="65000"/>
+          </a:schemeClr>
+        </a:solidFill>
+        <a:round/>
+      </a:ln>
+    </cs:spPr>
+  </cs:leaderLine>
+  <cs:legend>
+    <cs:lnRef idx="0"/>
+    <cs:fillRef idx="0"/>
+    <cs:effectRef idx="0"/>
+    <cs:fontRef idx="minor">
+      <a:schemeClr val="tx1">
+        <a:lumMod val="65000"/>
+        <a:lumOff val="35000"/>
+      </a:schemeClr>
+    </cs:fontRef>
+    <cs:defRPr sz="1197" kern="1200"/>
+  </cs:legend>
+  <cs:plotArea mods="allowNoFillOverride allowNoLineOverride">
+    <cs:lnRef idx="0"/>
+    <cs:fillRef idx="0"/>
+    <cs:effectRef idx="0"/>
+    <cs:fontRef idx="minor">
+      <a:schemeClr val="tx1"/>
+    </cs:fontRef>
+  </cs:plotArea>
+  <cs:plotArea3D mods="allowNoFillOverride allowNoLineOverride">
+    <cs:lnRef idx="0"/>
+    <cs:fillRef idx="0"/>
+    <cs:effectRef idx="0"/>
+    <cs:fontRef idx="minor">
+      <a:schemeClr val="tx1"/>
+    </cs:fontRef>
+  </cs:plotArea3D>
+  <cs:seriesAxis>
+    <cs:lnRef idx="0"/>
+    <cs:fillRef idx="0"/>
+    <cs:effectRef idx="0"/>
+    <cs:fontRef idx="minor">
+      <a:schemeClr val="tx1">
+        <a:lumMod val="65000"/>
+        <a:lumOff val="35000"/>
+      </a:schemeClr>
+    </cs:fontRef>
+    <cs:defRPr sz="1197" kern="1200"/>
+  </cs:seriesAxis>
+  <cs:seriesLine>
+    <cs:lnRef idx="0"/>
+    <cs:fillRef idx="0"/>
+    <cs:effectRef idx="0"/>
+    <cs:fontRef idx="minor">
+      <a:schemeClr val="tx1"/>
+    </cs:fontRef>
+    <cs:spPr>
+      <a:ln w="9525" cap="flat" cmpd="sng" algn="ctr">
+        <a:solidFill>
+          <a:schemeClr val="tx1">
+            <a:lumMod val="35000"/>
+            <a:lumOff val="65000"/>
+          </a:schemeClr>
+        </a:solidFill>
+        <a:round/>
+      </a:ln>
+    </cs:spPr>
+  </cs:seriesLine>
+  <cs:title>
+    <cs:lnRef idx="0"/>
+    <cs:fillRef idx="0"/>
+    <cs:effectRef idx="0"/>
+    <cs:fontRef idx="minor">
+      <a:schemeClr val="tx1">
+        <a:lumMod val="65000"/>
+        <a:lumOff val="35000"/>
+      </a:schemeClr>
+    </cs:fontRef>
+    <cs:defRPr sz="1862" b="0" kern="1200" spc="0" baseline="0"/>
+  </cs:title>
+  <cs:trendline>
+    <cs:lnRef idx="0">
+      <cs:styleClr val="auto"/>
+    </cs:lnRef>
+    <cs:fillRef idx="0"/>
+    <cs:effectRef idx="0"/>
+    <cs:fontRef idx="minor">
+      <a:schemeClr val="tx1"/>
+    </cs:fontRef>
+    <cs:spPr>
+      <a:ln w="19050" cap="rnd">
+        <a:solidFill>
+          <a:schemeClr val="phClr"/>
+        </a:solidFill>
+        <a:prstDash val="sysDot"/>
+      </a:ln>
+    </cs:spPr>
+  </cs:trendline>
+  <cs:trendlineLabel>
+    <cs:lnRef idx="0"/>
+    <cs:fillRef idx="0"/>
+    <cs:effectRef idx="0"/>
+    <cs:fontRef idx="minor">
+      <a:schemeClr val="tx1">
+        <a:lumMod val="65000"/>
+        <a:lumOff val="35000"/>
+      </a:schemeClr>
+    </cs:fontRef>
+    <cs:defRPr sz="1197" kern="1200"/>
+  </cs:trendlineLabel>
+  <cs:upBar>
+    <cs:lnRef idx="0"/>
+    <cs:fillRef idx="0"/>
+    <cs:effectRef idx="0"/>
+    <cs:fontRef idx="minor">
+      <a:schemeClr val="tx1"/>
+    </cs:fontRef>
+    <cs:spPr>
+      <a:solidFill>
+        <a:schemeClr val="lt1"/>
+      </a:solidFill>
+      <a:ln w="9525" cap="flat" cmpd="sng" algn="ctr">
+        <a:solidFill>
+          <a:schemeClr val="tx1">
+            <a:lumMod val="65000"/>
+            <a:lumOff val="35000"/>
+          </a:schemeClr>
+        </a:solidFill>
+        <a:round/>
+      </a:ln>
+    </cs:spPr>
+  </cs:upBar>
+  <cs:valueAxis>
+    <cs:lnRef idx="0"/>
+    <cs:fillRef idx="0"/>
+    <cs:effectRef idx="0"/>
+    <cs:fontRef idx="minor">
+      <a:schemeClr val="tx1">
+        <a:lumMod val="65000"/>
+        <a:lumOff val="35000"/>
+      </a:schemeClr>
+    </cs:fontRef>
+    <cs:defRPr sz="1197" kern="1200"/>
+  </cs:valueAxis>
+  <cs:wall>
+    <cs:lnRef idx="0"/>
+    <cs:fillRef idx="0"/>
+    <cs:effectRef idx="0"/>
+    <cs:fontRef idx="minor">
+      <a:schemeClr val="tx1"/>
+    </cs:fontRef>
+    <cs:spPr>
+      <a:noFill/>
+      <a:ln>
+        <a:noFill/>
+      </a:ln>
+    </cs:spPr>
+  </cs:wall>
+</cs:chartStyle>
 </file>
 
 <file path=ppt/diagrams/colors1.xml><?xml version="1.0" encoding="utf-8"?>
@@ -9221,7 +10507,7 @@
           <a:p>
             <a:fld id="{2AC67E65-3FEC-47E0-B720-65A7A1F63DEE}" type="datetimeFigureOut">
               <a:rPr lang="en-IL" smtClean="0"/>
-              <a:t>01/02/2024</a:t>
+              <a:t>04/02/2024</a:t>
             </a:fld>
             <a:endParaRPr lang="en-IL"/>
           </a:p>
@@ -9846,7 +11132,7 @@
           <a:p>
             <a:fld id="{1F0F17AC-052D-4913-84DF-7CC850F525AA}" type="datetimeFigureOut">
               <a:rPr lang="LID4096" smtClean="0"/>
-              <a:t>02/01/2024</a:t>
+              <a:t>02/04/2024</a:t>
             </a:fld>
             <a:endParaRPr lang="LID4096"/>
           </a:p>
@@ -10046,7 +11332,7 @@
           <a:p>
             <a:fld id="{1F0F17AC-052D-4913-84DF-7CC850F525AA}" type="datetimeFigureOut">
               <a:rPr lang="LID4096" smtClean="0"/>
-              <a:t>02/01/2024</a:t>
+              <a:t>02/04/2024</a:t>
             </a:fld>
             <a:endParaRPr lang="LID4096"/>
           </a:p>
@@ -10256,7 +11542,7 @@
           <a:p>
             <a:fld id="{1F0F17AC-052D-4913-84DF-7CC850F525AA}" type="datetimeFigureOut">
               <a:rPr lang="LID4096" smtClean="0"/>
-              <a:t>02/01/2024</a:t>
+              <a:t>02/04/2024</a:t>
             </a:fld>
             <a:endParaRPr lang="LID4096"/>
           </a:p>
@@ -10456,7 +11742,7 @@
           <a:p>
             <a:fld id="{1F0F17AC-052D-4913-84DF-7CC850F525AA}" type="datetimeFigureOut">
               <a:rPr lang="LID4096" smtClean="0"/>
-              <a:t>02/01/2024</a:t>
+              <a:t>02/04/2024</a:t>
             </a:fld>
             <a:endParaRPr lang="LID4096"/>
           </a:p>
@@ -10732,7 +12018,7 @@
           <a:p>
             <a:fld id="{1F0F17AC-052D-4913-84DF-7CC850F525AA}" type="datetimeFigureOut">
               <a:rPr lang="LID4096" smtClean="0"/>
-              <a:t>02/01/2024</a:t>
+              <a:t>02/04/2024</a:t>
             </a:fld>
             <a:endParaRPr lang="LID4096"/>
           </a:p>
@@ -11000,7 +12286,7 @@
           <a:p>
             <a:fld id="{1F0F17AC-052D-4913-84DF-7CC850F525AA}" type="datetimeFigureOut">
               <a:rPr lang="LID4096" smtClean="0"/>
-              <a:t>02/01/2024</a:t>
+              <a:t>02/04/2024</a:t>
             </a:fld>
             <a:endParaRPr lang="LID4096"/>
           </a:p>
@@ -11415,7 +12701,7 @@
           <a:p>
             <a:fld id="{1F0F17AC-052D-4913-84DF-7CC850F525AA}" type="datetimeFigureOut">
               <a:rPr lang="LID4096" smtClean="0"/>
-              <a:t>02/01/2024</a:t>
+              <a:t>02/04/2024</a:t>
             </a:fld>
             <a:endParaRPr lang="LID4096"/>
           </a:p>
@@ -11557,7 +12843,7 @@
           <a:p>
             <a:fld id="{1F0F17AC-052D-4913-84DF-7CC850F525AA}" type="datetimeFigureOut">
               <a:rPr lang="LID4096" smtClean="0"/>
-              <a:t>02/01/2024</a:t>
+              <a:t>02/04/2024</a:t>
             </a:fld>
             <a:endParaRPr lang="LID4096"/>
           </a:p>
@@ -11670,7 +12956,7 @@
           <a:p>
             <a:fld id="{1F0F17AC-052D-4913-84DF-7CC850F525AA}" type="datetimeFigureOut">
               <a:rPr lang="LID4096" smtClean="0"/>
-              <a:t>02/01/2024</a:t>
+              <a:t>02/04/2024</a:t>
             </a:fld>
             <a:endParaRPr lang="LID4096"/>
           </a:p>
@@ -11983,7 +13269,7 @@
           <a:p>
             <a:fld id="{1F0F17AC-052D-4913-84DF-7CC850F525AA}" type="datetimeFigureOut">
               <a:rPr lang="LID4096" smtClean="0"/>
-              <a:t>02/01/2024</a:t>
+              <a:t>02/04/2024</a:t>
             </a:fld>
             <a:endParaRPr lang="LID4096"/>
           </a:p>
@@ -12272,7 +13558,7 @@
           <a:p>
             <a:fld id="{1F0F17AC-052D-4913-84DF-7CC850F525AA}" type="datetimeFigureOut">
               <a:rPr lang="LID4096" smtClean="0"/>
-              <a:t>02/01/2024</a:t>
+              <a:t>02/04/2024</a:t>
             </a:fld>
             <a:endParaRPr lang="LID4096"/>
           </a:p>
@@ -12515,7 +13801,7 @@
           <a:p>
             <a:fld id="{1F0F17AC-052D-4913-84DF-7CC850F525AA}" type="datetimeFigureOut">
               <a:rPr lang="LID4096" smtClean="0"/>
-              <a:t>02/01/2024</a:t>
+              <a:t>02/04/2024</a:t>
             </a:fld>
             <a:endParaRPr lang="LID4096"/>
           </a:p>
@@ -13722,7 +15008,7 @@
           <a:lstStyle/>
           <a:p>
             <a:r>
-              <a:rPr lang="en-US" sz="5400">
+              <a:rPr lang="en-US" sz="5400" dirty="0">
                 <a:solidFill>
                   <a:schemeClr val="bg1">
                     <a:lumMod val="95000"/>
@@ -15875,6 +17161,70 @@
 <file path=ppt/slides/slide14.xml><?xml version="1.0" encoding="utf-8"?>
 <p:sld xmlns:a="http://schemas.openxmlformats.org/drawingml/2006/main" xmlns:r="http://schemas.openxmlformats.org/officeDocument/2006/relationships" xmlns:p="http://schemas.openxmlformats.org/presentationml/2006/main">
   <p:cSld>
+    <p:spTree>
+      <p:nvGrpSpPr>
+        <p:cNvPr id="1" name="">
+          <a:extLst>
+            <a:ext uri="{FF2B5EF4-FFF2-40B4-BE49-F238E27FC236}">
+              <a16:creationId xmlns:a16="http://schemas.microsoft.com/office/drawing/2014/main" id="{DA096ADA-B040-27ED-4EBB-357437637261}"/>
+            </a:ext>
+          </a:extLst>
+        </p:cNvPr>
+        <p:cNvGrpSpPr/>
+        <p:nvPr/>
+      </p:nvGrpSpPr>
+      <p:grpSpPr>
+        <a:xfrm>
+          <a:off x="0" y="0"/>
+          <a:ext cx="0" cy="0"/>
+          <a:chOff x="0" y="0"/>
+          <a:chExt cx="0" cy="0"/>
+        </a:xfrm>
+      </p:grpSpPr>
+      <p:graphicFrame>
+        <p:nvGraphicFramePr>
+          <p:cNvPr id="15" name="Chart 14">
+            <a:extLst>
+              <a:ext uri="{FF2B5EF4-FFF2-40B4-BE49-F238E27FC236}">
+                <a16:creationId xmlns:a16="http://schemas.microsoft.com/office/drawing/2014/main" id="{D83E112F-56CF-67E4-0914-ED2E83FD6956}"/>
+              </a:ext>
+            </a:extLst>
+          </p:cNvPr>
+          <p:cNvGraphicFramePr/>
+          <p:nvPr>
+            <p:extLst>
+              <p:ext uri="{D42A27DB-BD31-4B8C-83A1-F6EECF244321}">
+                <p14:modId xmlns:p14="http://schemas.microsoft.com/office/powerpoint/2010/main" val="563054789"/>
+              </p:ext>
+            </p:extLst>
+          </p:nvPr>
+        </p:nvGraphicFramePr>
+        <p:xfrm>
+          <a:off x="68827" y="719666"/>
+          <a:ext cx="11316928" cy="5418667"/>
+        </p:xfrm>
+        <a:graphic>
+          <a:graphicData uri="http://schemas.openxmlformats.org/drawingml/2006/chart">
+            <c:chart xmlns:c="http://schemas.openxmlformats.org/drawingml/2006/chart" xmlns:r="http://schemas.openxmlformats.org/officeDocument/2006/relationships" r:id="rId2"/>
+          </a:graphicData>
+        </a:graphic>
+      </p:graphicFrame>
+    </p:spTree>
+    <p:extLst>
+      <p:ext uri="{BB962C8B-B14F-4D97-AF65-F5344CB8AC3E}">
+        <p14:creationId xmlns:p14="http://schemas.microsoft.com/office/powerpoint/2010/main" val="1095137704"/>
+      </p:ext>
+    </p:extLst>
+  </p:cSld>
+  <p:clrMapOvr>
+    <a:masterClrMapping/>
+  </p:clrMapOvr>
+</p:sld>
+</file>
+
+<file path=ppt/slides/slide15.xml><?xml version="1.0" encoding="utf-8"?>
+<p:sld xmlns:a="http://schemas.openxmlformats.org/drawingml/2006/main" xmlns:r="http://schemas.openxmlformats.org/officeDocument/2006/relationships" xmlns:p="http://schemas.openxmlformats.org/presentationml/2006/main">
+  <p:cSld>
     <p:bg>
       <p:bgPr>
         <a:solidFill>
@@ -27072,7 +28422,7 @@
         </p:blipFill>
         <p:spPr>
           <a:xfrm>
-            <a:off x="230744" y="965894"/>
+            <a:off x="271431" y="860175"/>
             <a:ext cx="5497760" cy="5584911"/>
           </a:xfrm>
           <a:prstGeom prst="rect">

--- a/docs/Proof of concept presentation.pptx
+++ b/docs/Proof of concept presentation.pptx
@@ -174,9 +174,9 @@
           <c:invertIfNegative val="0"/>
           <c:cat>
             <c:strRef>
-              <c:f>Sheet1!$A$2:$A$18</c:f>
+              <c:f>Sheet1!$A$2:$A$10</c:f>
               <c:strCache>
-                <c:ptCount val="17"/>
+                <c:ptCount val="9"/>
                 <c:pt idx="0">
                   <c:v>Meta-question management</c:v>
                 </c:pt>
@@ -196,97 +196,49 @@
                   <c:v>Appendices management (appendices + thir meta questions)</c:v>
                 </c:pt>
                 <c:pt idx="6">
-                  <c:v>Stem management (stems + their appendices + their meta questions) </c:v>
+                  <c:v>Question production</c:v>
                 </c:pt>
                 <c:pt idx="7">
-                  <c:v>Maintain history (continue where left off)</c:v>
+                  <c:v>Selection of meta-questions by keywords/substring</c:v>
                 </c:pt>
                 <c:pt idx="8">
-                  <c:v>Question production</c:v>
-                </c:pt>
-                <c:pt idx="9">
-                  <c:v>Exam production</c:v>
-                </c:pt>
-                <c:pt idx="10">
-                  <c:v>Catalog production</c:v>
-                </c:pt>
-                <c:pt idx="11">
                   <c:v>Version Control</c:v>
-                </c:pt>
-                <c:pt idx="12">
-                  <c:v>Ask for work</c:v>
-                </c:pt>
-                <c:pt idx="13">
-                  <c:v>Selection of meta-questions by keywords/substring</c:v>
-                </c:pt>
-                <c:pt idx="14">
-                  <c:v>Version Control</c:v>
-                </c:pt>
-                <c:pt idx="15">
-                  <c:v>Manual urgency control</c:v>
-                </c:pt>
-                <c:pt idx="16">
-                  <c:v>Automatic/Algorithmic urgency control</c:v>
                 </c:pt>
               </c:strCache>
             </c:strRef>
           </c:cat>
           <c:val>
             <c:numRef>
-              <c:f>Sheet1!$B$2:$B$18</c:f>
+              <c:f>Sheet1!$B$2:$B$10</c:f>
               <c:numCache>
                 <c:formatCode>m/d;@</c:formatCode>
-                <c:ptCount val="17"/>
+                <c:ptCount val="9"/>
                 <c:pt idx="0">
                   <c:v>45328</c:v>
                 </c:pt>
                 <c:pt idx="1">
-                  <c:v>45335</c:v>
+                  <c:v>45338</c:v>
                 </c:pt>
                 <c:pt idx="2">
-                  <c:v>45339</c:v>
+                  <c:v>45343</c:v>
                 </c:pt>
                 <c:pt idx="3">
-                  <c:v>45343</c:v>
+                  <c:v>45353</c:v>
                 </c:pt>
                 <c:pt idx="4">
-                  <c:v>45347</c:v>
+                  <c:v>45367</c:v>
                 </c:pt>
                 <c:pt idx="5">
-                  <c:v>45352</c:v>
+                  <c:v>45377</c:v>
                 </c:pt>
                 <c:pt idx="6">
-                  <c:v>45357</c:v>
+                  <c:v>45384</c:v>
                 </c:pt>
                 <c:pt idx="7">
-                  <c:v>45362</c:v>
+                  <c:v>45391</c:v>
                 </c:pt>
                 <c:pt idx="8">
-                  <c:v>45365</c:v>
-                </c:pt>
-                <c:pt idx="9">
-                  <c:v>45370</c:v>
-                </c:pt>
-                <c:pt idx="10">
-                  <c:v>45373</c:v>
-                </c:pt>
-                <c:pt idx="11">
-                  <c:v>45376</c:v>
-                </c:pt>
-                <c:pt idx="12">
-                  <c:v>45379</c:v>
-                </c:pt>
-                <c:pt idx="13">
-                  <c:v>45384</c:v>
-                </c:pt>
-                <c:pt idx="14">
-                  <c:v>45386</c:v>
-                </c:pt>
-                <c:pt idx="15">
-                  <c:v>45390</c:v>
-                </c:pt>
-                <c:pt idx="16">
-                  <c:v>45397</c:v>
+                  <c:v>45394</c:v>
                 </c:pt>
               </c:numCache>
             </c:numRef>
@@ -380,9 +332,9 @@
           </c:dLbls>
           <c:cat>
             <c:strRef>
-              <c:f>Sheet1!$A$2:$A$18</c:f>
+              <c:f>Sheet1!$A$2:$A$10</c:f>
               <c:strCache>
-                <c:ptCount val="17"/>
+                <c:ptCount val="9"/>
                 <c:pt idx="0">
                   <c:v>Meta-question management</c:v>
                 </c:pt>
@@ -402,97 +354,49 @@
                   <c:v>Appendices management (appendices + thir meta questions)</c:v>
                 </c:pt>
                 <c:pt idx="6">
-                  <c:v>Stem management (stems + their appendices + their meta questions) </c:v>
+                  <c:v>Question production</c:v>
                 </c:pt>
                 <c:pt idx="7">
-                  <c:v>Maintain history (continue where left off)</c:v>
+                  <c:v>Selection of meta-questions by keywords/substring</c:v>
                 </c:pt>
                 <c:pt idx="8">
-                  <c:v>Question production</c:v>
-                </c:pt>
-                <c:pt idx="9">
-                  <c:v>Exam production</c:v>
-                </c:pt>
-                <c:pt idx="10">
-                  <c:v>Catalog production</c:v>
-                </c:pt>
-                <c:pt idx="11">
                   <c:v>Version Control</c:v>
-                </c:pt>
-                <c:pt idx="12">
-                  <c:v>Ask for work</c:v>
-                </c:pt>
-                <c:pt idx="13">
-                  <c:v>Selection of meta-questions by keywords/substring</c:v>
-                </c:pt>
-                <c:pt idx="14">
-                  <c:v>Version Control</c:v>
-                </c:pt>
-                <c:pt idx="15">
-                  <c:v>Manual urgency control</c:v>
-                </c:pt>
-                <c:pt idx="16">
-                  <c:v>Automatic/Algorithmic urgency control</c:v>
                 </c:pt>
               </c:strCache>
             </c:strRef>
           </c:cat>
           <c:val>
             <c:numRef>
-              <c:f>Sheet1!$D$2:$D$18</c:f>
+              <c:f>Sheet1!$D$2:$D$10</c:f>
               <c:numCache>
                 <c:formatCode>General</c:formatCode>
-                <c:ptCount val="17"/>
+                <c:ptCount val="9"/>
                 <c:pt idx="0">
+                  <c:v>10</c:v>
+                </c:pt>
+                <c:pt idx="1">
+                  <c:v>5</c:v>
+                </c:pt>
+                <c:pt idx="2">
+                  <c:v>10</c:v>
+                </c:pt>
+                <c:pt idx="3">
+                  <c:v>14</c:v>
+                </c:pt>
+                <c:pt idx="4">
+                  <c:v>10</c:v>
+                </c:pt>
+                <c:pt idx="5">
                   <c:v>7</c:v>
                 </c:pt>
-                <c:pt idx="1">
-                  <c:v>4</c:v>
-                </c:pt>
-                <c:pt idx="2">
-                  <c:v>4</c:v>
-                </c:pt>
-                <c:pt idx="3">
-                  <c:v>4</c:v>
-                </c:pt>
-                <c:pt idx="4">
-                  <c:v>5</c:v>
-                </c:pt>
-                <c:pt idx="5">
-                  <c:v>5</c:v>
-                </c:pt>
                 <c:pt idx="6">
-                  <c:v>5</c:v>
+                  <c:v>7</c:v>
                 </c:pt>
                 <c:pt idx="7">
                   <c:v>3</c:v>
                 </c:pt>
                 <c:pt idx="8">
                   <c:v>5</c:v>
-                </c:pt>
-                <c:pt idx="9">
-                  <c:v>3</c:v>
-                </c:pt>
-                <c:pt idx="10">
-                  <c:v>3</c:v>
-                </c:pt>
-                <c:pt idx="11">
-                  <c:v>3</c:v>
-                </c:pt>
-                <c:pt idx="12">
-                  <c:v>5</c:v>
-                </c:pt>
-                <c:pt idx="13">
-                  <c:v>2</c:v>
-                </c:pt>
-                <c:pt idx="14">
-                  <c:v>4</c:v>
-                </c:pt>
-                <c:pt idx="15">
-                  <c:v>7</c:v>
-                </c:pt>
-                <c:pt idx="16">
-                  <c:v>7</c:v>
                 </c:pt>
               </c:numCache>
             </c:numRef>
@@ -553,12 +457,12 @@
                     <c:extLst>
                       <c:ext uri="{02D57815-91ED-43cb-92C2-25804820EDAC}">
                         <c15:formulaRef>
-                          <c15:sqref>Sheet1!$A$2:$A$18</c15:sqref>
+                          <c15:sqref>Sheet1!$A$2:$A$10</c15:sqref>
                         </c15:formulaRef>
                       </c:ext>
                     </c:extLst>
                     <c:strCache>
-                      <c:ptCount val="17"/>
+                      <c:ptCount val="9"/>
                       <c:pt idx="0">
                         <c:v>Meta-question management</c:v>
                       </c:pt>
@@ -578,37 +482,13 @@
                         <c:v>Appendices management (appendices + thir meta questions)</c:v>
                       </c:pt>
                       <c:pt idx="6">
-                        <c:v>Stem management (stems + their appendices + their meta questions) </c:v>
+                        <c:v>Question production</c:v>
                       </c:pt>
                       <c:pt idx="7">
-                        <c:v>Maintain history (continue where left off)</c:v>
+                        <c:v>Selection of meta-questions by keywords/substring</c:v>
                       </c:pt>
                       <c:pt idx="8">
-                        <c:v>Question production</c:v>
-                      </c:pt>
-                      <c:pt idx="9">
-                        <c:v>Exam production</c:v>
-                      </c:pt>
-                      <c:pt idx="10">
-                        <c:v>Catalog production</c:v>
-                      </c:pt>
-                      <c:pt idx="11">
                         <c:v>Version Control</c:v>
-                      </c:pt>
-                      <c:pt idx="12">
-                        <c:v>Ask for work</c:v>
-                      </c:pt>
-                      <c:pt idx="13">
-                        <c:v>Selection of meta-questions by keywords/substring</c:v>
-                      </c:pt>
-                      <c:pt idx="14">
-                        <c:v>Version Control</c:v>
-                      </c:pt>
-                      <c:pt idx="15">
-                        <c:v>Manual urgency control</c:v>
-                      </c:pt>
-                      <c:pt idx="16">
-                        <c:v>Automatic/Algorithmic urgency control</c:v>
                       </c:pt>
                     </c:strCache>
                   </c:strRef>
@@ -618,63 +498,39 @@
                     <c:extLst>
                       <c:ext uri="{02D57815-91ED-43cb-92C2-25804820EDAC}">
                         <c15:formulaRef>
-                          <c15:sqref>Sheet1!$C$2:$C$18</c15:sqref>
+                          <c15:sqref>Sheet1!$C$2:$C$10</c15:sqref>
                         </c15:formulaRef>
                       </c:ext>
                     </c:extLst>
                     <c:numCache>
                       <c:formatCode>m/d;@</c:formatCode>
-                      <c:ptCount val="17"/>
+                      <c:ptCount val="9"/>
                       <c:pt idx="0">
-                        <c:v>45335</c:v>
+                        <c:v>45338</c:v>
                       </c:pt>
                       <c:pt idx="1">
-                        <c:v>45339</c:v>
+                        <c:v>45343</c:v>
                       </c:pt>
                       <c:pt idx="2">
-                        <c:v>45343</c:v>
+                        <c:v>45353</c:v>
                       </c:pt>
                       <c:pt idx="3">
-                        <c:v>45347</c:v>
+                        <c:v>45367</c:v>
                       </c:pt>
                       <c:pt idx="4">
-                        <c:v>45352</c:v>
+                        <c:v>45377</c:v>
                       </c:pt>
                       <c:pt idx="5">
-                        <c:v>45357</c:v>
+                        <c:v>45384</c:v>
                       </c:pt>
                       <c:pt idx="6">
-                        <c:v>45362</c:v>
+                        <c:v>45391</c:v>
                       </c:pt>
                       <c:pt idx="7">
-                        <c:v>45365</c:v>
+                        <c:v>45394</c:v>
                       </c:pt>
                       <c:pt idx="8">
-                        <c:v>45370</c:v>
-                      </c:pt>
-                      <c:pt idx="9">
-                        <c:v>45373</c:v>
-                      </c:pt>
-                      <c:pt idx="10">
-                        <c:v>45376</c:v>
-                      </c:pt>
-                      <c:pt idx="11">
-                        <c:v>45379</c:v>
-                      </c:pt>
-                      <c:pt idx="12">
-                        <c:v>45384</c:v>
-                      </c:pt>
-                      <c:pt idx="13">
-                        <c:v>45386</c:v>
-                      </c:pt>
-                      <c:pt idx="14">
-                        <c:v>45390</c:v>
-                      </c:pt>
-                      <c:pt idx="15">
-                        <c:v>45397</c:v>
-                      </c:pt>
-                      <c:pt idx="16">
-                        <c:v>45404</c:v>
+                        <c:v>45399</c:v>
                       </c:pt>
                     </c:numCache>
                   </c:numRef>
@@ -17194,7 +17050,7 @@
           <p:nvPr>
             <p:extLst>
               <p:ext uri="{D42A27DB-BD31-4B8C-83A1-F6EECF244321}">
-                <p14:modId xmlns:p14="http://schemas.microsoft.com/office/powerpoint/2010/main" val="563054789"/>
+                <p14:modId xmlns:p14="http://schemas.microsoft.com/office/powerpoint/2010/main" val="2596823437"/>
               </p:ext>
             </p:extLst>
           </p:nvPr>
@@ -28724,7 +28580,7 @@
         <p:spPr>
           <a:xfrm>
             <a:off x="8713237" y="1800612"/>
-            <a:ext cx="2412330" cy="307777"/>
+            <a:ext cx="2412330" cy="646331"/>
           </a:xfrm>
           <a:prstGeom prst="rect">
             <a:avLst/>
@@ -28739,7 +28595,19 @@
           <a:p>
             <a:r>
               <a:rPr lang="en-US" dirty="0"/>
-              <a:t>Workflow management</a:t>
+              <a:t>W</a:t>
+            </a:r>
+            <a:r>
+              <a:rPr lang="he-IL" dirty="0"/>
+              <a:t>	</a:t>
+            </a:r>
+            <a:r>
+              <a:rPr lang="en-US" dirty="0" err="1"/>
+              <a:t>orkflow</a:t>
+            </a:r>
+            <a:r>
+              <a:rPr lang="en-US" dirty="0"/>
+              <a:t> management</a:t>
             </a:r>
             <a:endParaRPr lang="en-IL" dirty="0"/>
           </a:p>
